--- a/Promo 2c11p16a.pptx
+++ b/Promo 2c11p16a.pptx
@@ -14,16 +14,17 @@
     <p:sldId id="268" r:id="rId8"/>
     <p:sldId id="269" r:id="rId9"/>
     <p:sldId id="270" r:id="rId10"/>
-    <p:sldId id="271" r:id="rId11"/>
-    <p:sldId id="273" r:id="rId12"/>
-    <p:sldId id="261" r:id="rId13"/>
-    <p:sldId id="262" r:id="rId14"/>
-    <p:sldId id="263" r:id="rId15"/>
-    <p:sldId id="264" r:id="rId16"/>
-    <p:sldId id="265" r:id="rId17"/>
-    <p:sldId id="266" r:id="rId18"/>
-    <p:sldId id="267" r:id="rId19"/>
-    <p:sldId id="274" r:id="rId20"/>
+    <p:sldId id="275" r:id="rId11"/>
+    <p:sldId id="271" r:id="rId12"/>
+    <p:sldId id="273" r:id="rId13"/>
+    <p:sldId id="261" r:id="rId14"/>
+    <p:sldId id="262" r:id="rId15"/>
+    <p:sldId id="263" r:id="rId16"/>
+    <p:sldId id="264" r:id="rId17"/>
+    <p:sldId id="265" r:id="rId18"/>
+    <p:sldId id="266" r:id="rId19"/>
+    <p:sldId id="267" r:id="rId20"/>
+    <p:sldId id="274" r:id="rId21"/>
   </p:sldIdLst>
   <p:sldSz cx="12192000" cy="6858000"/>
   <p:notesSz cx="6858000" cy="9144000"/>
@@ -279,7 +280,7 @@
           <a:p>
             <a:fld id="{64CEE379-72CC-44C7-9F5C-C28204E4F472}" type="datetimeFigureOut">
               <a:rPr lang="en-CH" smtClean="0"/>
-              <a:t>21/07/2023</a:t>
+              <a:t>24/07/2023</a:t>
             </a:fld>
             <a:endParaRPr lang="en-CH"/>
           </a:p>
@@ -479,7 +480,7 @@
           <a:p>
             <a:fld id="{64CEE379-72CC-44C7-9F5C-C28204E4F472}" type="datetimeFigureOut">
               <a:rPr lang="en-CH" smtClean="0"/>
-              <a:t>21/07/2023</a:t>
+              <a:t>24/07/2023</a:t>
             </a:fld>
             <a:endParaRPr lang="en-CH"/>
           </a:p>
@@ -689,7 +690,7 @@
           <a:p>
             <a:fld id="{64CEE379-72CC-44C7-9F5C-C28204E4F472}" type="datetimeFigureOut">
               <a:rPr lang="en-CH" smtClean="0"/>
-              <a:t>21/07/2023</a:t>
+              <a:t>24/07/2023</a:t>
             </a:fld>
             <a:endParaRPr lang="en-CH"/>
           </a:p>
@@ -889,7 +890,7 @@
           <a:p>
             <a:fld id="{64CEE379-72CC-44C7-9F5C-C28204E4F472}" type="datetimeFigureOut">
               <a:rPr lang="en-CH" smtClean="0"/>
-              <a:t>21/07/2023</a:t>
+              <a:t>24/07/2023</a:t>
             </a:fld>
             <a:endParaRPr lang="en-CH"/>
           </a:p>
@@ -1165,7 +1166,7 @@
           <a:p>
             <a:fld id="{64CEE379-72CC-44C7-9F5C-C28204E4F472}" type="datetimeFigureOut">
               <a:rPr lang="en-CH" smtClean="0"/>
-              <a:t>21/07/2023</a:t>
+              <a:t>24/07/2023</a:t>
             </a:fld>
             <a:endParaRPr lang="en-CH"/>
           </a:p>
@@ -1433,7 +1434,7 @@
           <a:p>
             <a:fld id="{64CEE379-72CC-44C7-9F5C-C28204E4F472}" type="datetimeFigureOut">
               <a:rPr lang="en-CH" smtClean="0"/>
-              <a:t>21/07/2023</a:t>
+              <a:t>24/07/2023</a:t>
             </a:fld>
             <a:endParaRPr lang="en-CH"/>
           </a:p>
@@ -1848,7 +1849,7 @@
           <a:p>
             <a:fld id="{64CEE379-72CC-44C7-9F5C-C28204E4F472}" type="datetimeFigureOut">
               <a:rPr lang="en-CH" smtClean="0"/>
-              <a:t>21/07/2023</a:t>
+              <a:t>24/07/2023</a:t>
             </a:fld>
             <a:endParaRPr lang="en-CH"/>
           </a:p>
@@ -1990,7 +1991,7 @@
           <a:p>
             <a:fld id="{64CEE379-72CC-44C7-9F5C-C28204E4F472}" type="datetimeFigureOut">
               <a:rPr lang="en-CH" smtClean="0"/>
-              <a:t>21/07/2023</a:t>
+              <a:t>24/07/2023</a:t>
             </a:fld>
             <a:endParaRPr lang="en-CH"/>
           </a:p>
@@ -2103,7 +2104,7 @@
           <a:p>
             <a:fld id="{64CEE379-72CC-44C7-9F5C-C28204E4F472}" type="datetimeFigureOut">
               <a:rPr lang="en-CH" smtClean="0"/>
-              <a:t>21/07/2023</a:t>
+              <a:t>24/07/2023</a:t>
             </a:fld>
             <a:endParaRPr lang="en-CH"/>
           </a:p>
@@ -2416,7 +2417,7 @@
           <a:p>
             <a:fld id="{64CEE379-72CC-44C7-9F5C-C28204E4F472}" type="datetimeFigureOut">
               <a:rPr lang="en-CH" smtClean="0"/>
-              <a:t>21/07/2023</a:t>
+              <a:t>24/07/2023</a:t>
             </a:fld>
             <a:endParaRPr lang="en-CH"/>
           </a:p>
@@ -2705,7 +2706,7 @@
           <a:p>
             <a:fld id="{64CEE379-72CC-44C7-9F5C-C28204E4F472}" type="datetimeFigureOut">
               <a:rPr lang="en-CH" smtClean="0"/>
-              <a:t>21/07/2023</a:t>
+              <a:t>24/07/2023</a:t>
             </a:fld>
             <a:endParaRPr lang="en-CH"/>
           </a:p>
@@ -2948,7 +2949,7 @@
           <a:p>
             <a:fld id="{64CEE379-72CC-44C7-9F5C-C28204E4F472}" type="datetimeFigureOut">
               <a:rPr lang="en-CH" smtClean="0"/>
-              <a:t>21/07/2023</a:t>
+              <a:t>24/07/2023</a:t>
             </a:fld>
             <a:endParaRPr lang="en-CH"/>
           </a:p>
@@ -3468,1500 +3469,6 @@
 <file path=ppt/slides/slide10.xml><?xml version="1.0" encoding="utf-8"?>
 <p:sld xmlns:a="http://schemas.openxmlformats.org/drawingml/2006/main" xmlns:r="http://schemas.openxmlformats.org/officeDocument/2006/relationships" xmlns:p="http://schemas.openxmlformats.org/presentationml/2006/main">
   <p:cSld>
-    <p:spTree>
-      <p:nvGrpSpPr>
-        <p:cNvPr id="1" name=""/>
-        <p:cNvGrpSpPr/>
-        <p:nvPr/>
-      </p:nvGrpSpPr>
-      <p:grpSpPr>
-        <a:xfrm>
-          <a:off x="0" y="0"/>
-          <a:ext cx="0" cy="0"/>
-          <a:chOff x="0" y="0"/>
-          <a:chExt cx="0" cy="0"/>
-        </a:xfrm>
-      </p:grpSpPr>
-      <p:sp>
-        <p:nvSpPr>
-          <p:cNvPr id="2" name="Title 1">
-            <a:extLst>
-              <a:ext uri="{FF2B5EF4-FFF2-40B4-BE49-F238E27FC236}">
-                <a16:creationId xmlns:a16="http://schemas.microsoft.com/office/drawing/2014/main" id="{79EE4E9F-EA7A-B1D8-FDFB-EC4FE2AD220E}"/>
-              </a:ext>
-            </a:extLst>
-          </p:cNvPr>
-          <p:cNvSpPr>
-            <a:spLocks noGrp="1"/>
-          </p:cNvSpPr>
-          <p:nvPr>
-            <p:ph type="title"/>
-          </p:nvPr>
-        </p:nvSpPr>
-        <p:spPr/>
-        <p:txBody>
-          <a:bodyPr/>
-          <a:lstStyle/>
-          <a:p>
-            <a:r>
-              <a:rPr lang="ru-RU" dirty="0"/>
-              <a:t>Призы</a:t>
-            </a:r>
-            <a:endParaRPr lang="en-CH" dirty="0"/>
-          </a:p>
-        </p:txBody>
-      </p:sp>
-      <p:sp>
-        <p:nvSpPr>
-          <p:cNvPr id="3" name="Content Placeholder 2">
-            <a:extLst>
-              <a:ext uri="{FF2B5EF4-FFF2-40B4-BE49-F238E27FC236}">
-                <a16:creationId xmlns:a16="http://schemas.microsoft.com/office/drawing/2014/main" id="{603F1A60-9701-42AE-B532-0957618B2D76}"/>
-              </a:ext>
-            </a:extLst>
-          </p:cNvPr>
-          <p:cNvSpPr>
-            <a:spLocks noGrp="1"/>
-          </p:cNvSpPr>
-          <p:nvPr>
-            <p:ph idx="1"/>
-          </p:nvPr>
-        </p:nvSpPr>
-        <p:spPr/>
-        <p:txBody>
-          <a:bodyPr>
-            <a:normAutofit lnSpcReduction="10000"/>
-          </a:bodyPr>
-          <a:lstStyle/>
-          <a:p>
-            <a:pPr marL="685800" indent="0" algn="just" rtl="0">
-              <a:spcBef>
-                <a:spcPts val="1200"/>
-              </a:spcBef>
-              <a:spcAft>
-                <a:spcPts val="1200"/>
-              </a:spcAft>
-              <a:buNone/>
-            </a:pPr>
-            <a:r>
-              <a:rPr lang="ru-RU" sz="2400" b="0" i="0" u="none" strike="noStrike" dirty="0">
-                <a:solidFill>
-                  <a:srgbClr val="000000"/>
-                </a:solidFill>
-                <a:effectLst/>
-                <a:latin typeface="Times New Roman" panose="02020603050405020304" pitchFamily="18" charset="0"/>
-              </a:rPr>
-              <a:t>○  </a:t>
-            </a:r>
-            <a:r>
-              <a:rPr lang="ru-RU" sz="2400" b="1" i="0" u="none" strike="noStrike" dirty="0">
-                <a:solidFill>
-                  <a:srgbClr val="000000"/>
-                </a:solidFill>
-                <a:effectLst/>
-                <a:latin typeface="Times New Roman" panose="02020603050405020304" pitchFamily="18" charset="0"/>
-              </a:rPr>
-              <a:t>Победитель</a:t>
-            </a:r>
-            <a:r>
-              <a:rPr lang="ru-RU" sz="2400" b="0" i="0" u="none" strike="noStrike" dirty="0">
-                <a:solidFill>
-                  <a:srgbClr val="000000"/>
-                </a:solidFill>
-                <a:effectLst/>
-                <a:latin typeface="Times New Roman" panose="02020603050405020304" pitchFamily="18" charset="0"/>
-              </a:rPr>
-              <a:t> (приз: 6/16 от общего числа взносов взносов)</a:t>
-            </a:r>
-            <a:endParaRPr lang="ru-RU" sz="3600" b="0" dirty="0">
-              <a:effectLst/>
-            </a:endParaRPr>
-          </a:p>
-          <a:p>
-            <a:pPr marL="685800" indent="0" algn="just" rtl="0">
-              <a:spcBef>
-                <a:spcPts val="1200"/>
-              </a:spcBef>
-              <a:spcAft>
-                <a:spcPts val="1200"/>
-              </a:spcAft>
-              <a:buNone/>
-            </a:pPr>
-            <a:r>
-              <a:rPr lang="ru-RU" sz="2400" b="0" i="0" u="none" strike="noStrike" dirty="0">
-                <a:solidFill>
-                  <a:srgbClr val="000000"/>
-                </a:solidFill>
-                <a:effectLst/>
-                <a:latin typeface="Times New Roman" panose="02020603050405020304" pitchFamily="18" charset="0"/>
-              </a:rPr>
-              <a:t>○  </a:t>
-            </a:r>
-            <a:r>
-              <a:rPr lang="ru-RU" sz="2400" b="1" i="0" u="none" strike="noStrike" dirty="0">
-                <a:solidFill>
-                  <a:srgbClr val="000000"/>
-                </a:solidFill>
-                <a:effectLst/>
-                <a:latin typeface="Times New Roman" panose="02020603050405020304" pitchFamily="18" charset="0"/>
-              </a:rPr>
-              <a:t>Второй участник финала</a:t>
-            </a:r>
-            <a:r>
-              <a:rPr lang="ru-RU" sz="2400" b="0" i="0" u="none" strike="noStrike" dirty="0">
-                <a:solidFill>
-                  <a:srgbClr val="000000"/>
-                </a:solidFill>
-                <a:effectLst/>
-                <a:latin typeface="Times New Roman" panose="02020603050405020304" pitchFamily="18" charset="0"/>
-              </a:rPr>
-              <a:t> (1/16)</a:t>
-            </a:r>
-            <a:endParaRPr lang="ru-RU" sz="3600" b="0" dirty="0">
-              <a:effectLst/>
-            </a:endParaRPr>
-          </a:p>
-          <a:p>
-            <a:pPr marL="685800" indent="0" algn="just" rtl="0">
-              <a:spcBef>
-                <a:spcPts val="1200"/>
-              </a:spcBef>
-              <a:spcAft>
-                <a:spcPts val="1200"/>
-              </a:spcAft>
-              <a:buNone/>
-            </a:pPr>
-            <a:r>
-              <a:rPr lang="ru-RU" sz="2400" b="0" i="0" u="none" strike="noStrike" dirty="0">
-                <a:solidFill>
-                  <a:srgbClr val="000000"/>
-                </a:solidFill>
-                <a:effectLst/>
-                <a:latin typeface="Times New Roman" panose="02020603050405020304" pitchFamily="18" charset="0"/>
-              </a:rPr>
-              <a:t>○ </a:t>
-            </a:r>
-            <a:r>
-              <a:rPr lang="ru-RU" sz="2400" b="1" i="0" u="none" strike="noStrike" dirty="0">
-                <a:solidFill>
-                  <a:srgbClr val="000000"/>
-                </a:solidFill>
-                <a:effectLst/>
-                <a:latin typeface="Times New Roman" panose="02020603050405020304" pitchFamily="18" charset="0"/>
-              </a:rPr>
-              <a:t>Участник лиги именованные игроки которого набрали большее количество </a:t>
-            </a:r>
-            <a:r>
-              <a:rPr lang="ru-RU" sz="2400" b="1" i="0" u="none" strike="noStrike" dirty="0" err="1">
-                <a:solidFill>
-                  <a:srgbClr val="000000"/>
-                </a:solidFill>
-                <a:effectLst/>
-                <a:latin typeface="Times New Roman" panose="02020603050405020304" pitchFamily="18" charset="0"/>
-              </a:rPr>
-              <a:t>фентази</a:t>
-            </a:r>
-            <a:r>
-              <a:rPr lang="ru-RU" sz="2400" b="1" i="0" u="none" strike="noStrike" dirty="0">
-                <a:solidFill>
-                  <a:srgbClr val="000000"/>
-                </a:solidFill>
-                <a:effectLst/>
-                <a:latin typeface="Times New Roman" panose="02020603050405020304" pitchFamily="18" charset="0"/>
-              </a:rPr>
-              <a:t>-очков</a:t>
-            </a:r>
-            <a:r>
-              <a:rPr lang="ru-RU" sz="2400" b="0" i="0" u="none" strike="noStrike" dirty="0">
-                <a:solidFill>
-                  <a:srgbClr val="000000"/>
-                </a:solidFill>
-                <a:effectLst/>
-                <a:latin typeface="Times New Roman" panose="02020603050405020304" pitchFamily="18" charset="0"/>
-              </a:rPr>
-              <a:t> за первые 14 недель сезона (6/16)</a:t>
-            </a:r>
-            <a:endParaRPr lang="ru-RU" sz="3600" b="0" dirty="0">
-              <a:effectLst/>
-            </a:endParaRPr>
-          </a:p>
-          <a:p>
-            <a:pPr marL="685800" indent="0" algn="just" rtl="0">
-              <a:spcBef>
-                <a:spcPts val="1200"/>
-              </a:spcBef>
-              <a:spcAft>
-                <a:spcPts val="1200"/>
-              </a:spcAft>
-              <a:buNone/>
-            </a:pPr>
-            <a:r>
-              <a:rPr lang="ru-RU" sz="2400" b="0" i="0" u="none" strike="noStrike" dirty="0">
-                <a:solidFill>
-                  <a:srgbClr val="000000"/>
-                </a:solidFill>
-                <a:effectLst/>
-                <a:latin typeface="Times New Roman" panose="02020603050405020304" pitchFamily="18" charset="0"/>
-              </a:rPr>
-              <a:t>○  </a:t>
-            </a:r>
-            <a:r>
-              <a:rPr lang="ru-RU" sz="2400" b="1" i="0" u="none" strike="noStrike" dirty="0">
-                <a:solidFill>
-                  <a:srgbClr val="000000"/>
-                </a:solidFill>
-                <a:effectLst/>
-                <a:latin typeface="Times New Roman" panose="02020603050405020304" pitchFamily="18" charset="0"/>
-              </a:rPr>
-              <a:t>Участник лиги именованные игроки которого набрали второе количество </a:t>
-            </a:r>
-            <a:r>
-              <a:rPr lang="ru-RU" sz="2400" b="1" i="0" u="none" strike="noStrike" dirty="0" err="1">
-                <a:solidFill>
-                  <a:srgbClr val="000000"/>
-                </a:solidFill>
-                <a:effectLst/>
-                <a:latin typeface="Times New Roman" panose="02020603050405020304" pitchFamily="18" charset="0"/>
-              </a:rPr>
-              <a:t>фентази</a:t>
-            </a:r>
-            <a:r>
-              <a:rPr lang="ru-RU" sz="2400" b="1" i="0" u="none" strike="noStrike" dirty="0">
-                <a:solidFill>
-                  <a:srgbClr val="000000"/>
-                </a:solidFill>
-                <a:effectLst/>
-                <a:latin typeface="Times New Roman" panose="02020603050405020304" pitchFamily="18" charset="0"/>
-              </a:rPr>
-              <a:t>-очков</a:t>
-            </a:r>
-            <a:r>
-              <a:rPr lang="ru-RU" sz="2400" b="0" i="0" u="none" strike="noStrike" dirty="0">
-                <a:solidFill>
-                  <a:srgbClr val="000000"/>
-                </a:solidFill>
-                <a:effectLst/>
-                <a:latin typeface="Times New Roman" panose="02020603050405020304" pitchFamily="18" charset="0"/>
-              </a:rPr>
-              <a:t> за первые 14 недель сезона (2/16)</a:t>
-            </a:r>
-            <a:endParaRPr lang="ru-RU" sz="3600" b="0" dirty="0">
-              <a:effectLst/>
-            </a:endParaRPr>
-          </a:p>
-          <a:p>
-            <a:pPr marL="0" indent="0">
-              <a:buNone/>
-            </a:pPr>
-            <a:endParaRPr lang="ru-RU" sz="2400" b="0" i="0" u="none" strike="noStrike" dirty="0">
-              <a:solidFill>
-                <a:srgbClr val="000000"/>
-              </a:solidFill>
-              <a:effectLst/>
-              <a:latin typeface="Times New Roman" panose="02020603050405020304" pitchFamily="18" charset="0"/>
-            </a:endParaRPr>
-          </a:p>
-          <a:p>
-            <a:pPr marL="0" indent="0">
-              <a:buNone/>
-            </a:pPr>
-            <a:r>
-              <a:rPr lang="ru-RU" sz="2400" b="0" i="0" u="none" strike="noStrike" dirty="0">
-                <a:solidFill>
-                  <a:srgbClr val="000000"/>
-                </a:solidFill>
-                <a:effectLst/>
-                <a:latin typeface="Times New Roman" panose="02020603050405020304" pitchFamily="18" charset="0"/>
-              </a:rPr>
-              <a:t>○       1/16 от числа взносов выплачивается организатору за техническое сопровождение соревнования</a:t>
-            </a:r>
-            <a:endParaRPr lang="en-CH" sz="3600" dirty="0"/>
-          </a:p>
-        </p:txBody>
-      </p:sp>
-    </p:spTree>
-    <p:extLst>
-      <p:ext uri="{BB962C8B-B14F-4D97-AF65-F5344CB8AC3E}">
-        <p14:creationId xmlns:p14="http://schemas.microsoft.com/office/powerpoint/2010/main" val="844663430"/>
-      </p:ext>
-    </p:extLst>
-  </p:cSld>
-  <p:clrMapOvr>
-    <a:masterClrMapping/>
-  </p:clrMapOvr>
-</p:sld>
-</file>
-
-<file path=ppt/slides/slide11.xml><?xml version="1.0" encoding="utf-8"?>
-<p:sld xmlns:a="http://schemas.openxmlformats.org/drawingml/2006/main" xmlns:r="http://schemas.openxmlformats.org/officeDocument/2006/relationships" xmlns:p="http://schemas.openxmlformats.org/presentationml/2006/main">
-  <p:cSld>
-    <p:spTree>
-      <p:nvGrpSpPr>
-        <p:cNvPr id="1" name=""/>
-        <p:cNvGrpSpPr/>
-        <p:nvPr/>
-      </p:nvGrpSpPr>
-      <p:grpSpPr>
-        <a:xfrm>
-          <a:off x="0" y="0"/>
-          <a:ext cx="0" cy="0"/>
-          <a:chOff x="0" y="0"/>
-          <a:chExt cx="0" cy="0"/>
-        </a:xfrm>
-      </p:grpSpPr>
-      <p:sp>
-        <p:nvSpPr>
-          <p:cNvPr id="2" name="Title 1">
-            <a:extLst>
-              <a:ext uri="{FF2B5EF4-FFF2-40B4-BE49-F238E27FC236}">
-                <a16:creationId xmlns:a16="http://schemas.microsoft.com/office/drawing/2014/main" id="{1E4CEB70-9CAA-2C2C-34E2-FF4AF876EDFC}"/>
-              </a:ext>
-            </a:extLst>
-          </p:cNvPr>
-          <p:cNvSpPr>
-            <a:spLocks noGrp="1"/>
-          </p:cNvSpPr>
-          <p:nvPr>
-            <p:ph type="title"/>
-          </p:nvPr>
-        </p:nvSpPr>
-        <p:spPr>
-          <a:xfrm>
-            <a:off x="838200" y="1857495"/>
-            <a:ext cx="10515600" cy="2964671"/>
-          </a:xfrm>
-        </p:spPr>
-        <p:txBody>
-          <a:bodyPr>
-            <a:normAutofit/>
-          </a:bodyPr>
-          <a:lstStyle/>
-          <a:p>
-            <a:pPr algn="ctr"/>
-            <a:r>
-              <a:rPr lang="ru-RU" dirty="0"/>
-              <a:t>Пример розыгрыша 2с11р16а</a:t>
-            </a:r>
-            <a:br>
-              <a:rPr lang="ru-RU" dirty="0"/>
-            </a:br>
-            <a:br>
-              <a:rPr lang="ru-RU" dirty="0"/>
-            </a:br>
-            <a:r>
-              <a:rPr lang="ru-RU" dirty="0"/>
-              <a:t>(данные 2022 года)</a:t>
-            </a:r>
-            <a:endParaRPr lang="en-CH" dirty="0"/>
-          </a:p>
-        </p:txBody>
-      </p:sp>
-    </p:spTree>
-    <p:extLst>
-      <p:ext uri="{BB962C8B-B14F-4D97-AF65-F5344CB8AC3E}">
-        <p14:creationId xmlns:p14="http://schemas.microsoft.com/office/powerpoint/2010/main" val="12758571"/>
-      </p:ext>
-    </p:extLst>
-  </p:cSld>
-  <p:clrMapOvr>
-    <a:masterClrMapping/>
-  </p:clrMapOvr>
-</p:sld>
-</file>
-
-<file path=ppt/slides/slide12.xml><?xml version="1.0" encoding="utf-8"?>
-<p:sld xmlns:a="http://schemas.openxmlformats.org/drawingml/2006/main" xmlns:r="http://schemas.openxmlformats.org/officeDocument/2006/relationships" xmlns:p="http://schemas.openxmlformats.org/presentationml/2006/main">
-  <p:cSld>
-    <p:spTree>
-      <p:nvGrpSpPr>
-        <p:cNvPr id="1" name=""/>
-        <p:cNvGrpSpPr/>
-        <p:nvPr/>
-      </p:nvGrpSpPr>
-      <p:grpSpPr>
-        <a:xfrm>
-          <a:off x="0" y="0"/>
-          <a:ext cx="0" cy="0"/>
-          <a:chOff x="0" y="0"/>
-          <a:chExt cx="0" cy="0"/>
-        </a:xfrm>
-      </p:grpSpPr>
-      <p:sp>
-        <p:nvSpPr>
-          <p:cNvPr id="2" name="Title 1">
-            <a:extLst>
-              <a:ext uri="{FF2B5EF4-FFF2-40B4-BE49-F238E27FC236}">
-                <a16:creationId xmlns:a16="http://schemas.microsoft.com/office/drawing/2014/main" id="{477EA226-DBF2-42DE-78B0-EC21000997AD}"/>
-              </a:ext>
-            </a:extLst>
-          </p:cNvPr>
-          <p:cNvSpPr>
-            <a:spLocks noGrp="1"/>
-          </p:cNvSpPr>
-          <p:nvPr>
-            <p:ph type="title"/>
-          </p:nvPr>
-        </p:nvSpPr>
-        <p:spPr/>
-        <p:txBody>
-          <a:bodyPr/>
-          <a:lstStyle/>
-          <a:p>
-            <a:r>
-              <a:rPr lang="ru-RU" dirty="0"/>
-              <a:t>Пример на основе данных сезона 2022</a:t>
-            </a:r>
-            <a:endParaRPr lang="en-CH" dirty="0"/>
-          </a:p>
-        </p:txBody>
-      </p:sp>
-      <p:pic>
-        <p:nvPicPr>
-          <p:cNvPr id="5" name="Picture 4">
-            <a:extLst>
-              <a:ext uri="{FF2B5EF4-FFF2-40B4-BE49-F238E27FC236}">
-                <a16:creationId xmlns:a16="http://schemas.microsoft.com/office/drawing/2014/main" id="{A582C7FA-183B-93C6-B521-3CBAF6C9F04A}"/>
-              </a:ext>
-            </a:extLst>
-          </p:cNvPr>
-          <p:cNvPicPr>
-            <a:picLocks noChangeAspect="1"/>
-          </p:cNvPicPr>
-          <p:nvPr/>
-        </p:nvPicPr>
-        <p:blipFill>
-          <a:blip r:embed="rId2"/>
-          <a:stretch>
-            <a:fillRect/>
-          </a:stretch>
-        </p:blipFill>
-        <p:spPr>
-          <a:xfrm>
-            <a:off x="231710" y="1427583"/>
-            <a:ext cx="3039390" cy="5157302"/>
-          </a:xfrm>
-          <a:prstGeom prst="rect">
-            <a:avLst/>
-          </a:prstGeom>
-        </p:spPr>
-      </p:pic>
-      <p:pic>
-        <p:nvPicPr>
-          <p:cNvPr id="7" name="Picture 6">
-            <a:extLst>
-              <a:ext uri="{FF2B5EF4-FFF2-40B4-BE49-F238E27FC236}">
-                <a16:creationId xmlns:a16="http://schemas.microsoft.com/office/drawing/2014/main" id="{87D212F2-1F31-5925-6AFA-5A4393C9AECA}"/>
-              </a:ext>
-            </a:extLst>
-          </p:cNvPr>
-          <p:cNvPicPr>
-            <a:picLocks noChangeAspect="1"/>
-          </p:cNvPicPr>
-          <p:nvPr/>
-        </p:nvPicPr>
-        <p:blipFill>
-          <a:blip r:embed="rId3"/>
-          <a:stretch>
-            <a:fillRect/>
-          </a:stretch>
-        </p:blipFill>
-        <p:spPr>
-          <a:xfrm>
-            <a:off x="3336704" y="1427581"/>
-            <a:ext cx="3269760" cy="5157303"/>
-          </a:xfrm>
-          <a:prstGeom prst="rect">
-            <a:avLst/>
-          </a:prstGeom>
-        </p:spPr>
-      </p:pic>
-      <p:pic>
-        <p:nvPicPr>
-          <p:cNvPr id="9" name="Picture 8">
-            <a:extLst>
-              <a:ext uri="{FF2B5EF4-FFF2-40B4-BE49-F238E27FC236}">
-                <a16:creationId xmlns:a16="http://schemas.microsoft.com/office/drawing/2014/main" id="{E9D88C18-49F6-4943-A821-5E38031E985F}"/>
-              </a:ext>
-            </a:extLst>
-          </p:cNvPr>
-          <p:cNvPicPr>
-            <a:picLocks noChangeAspect="1"/>
-          </p:cNvPicPr>
-          <p:nvPr/>
-        </p:nvPicPr>
-        <p:blipFill>
-          <a:blip r:embed="rId4"/>
-          <a:stretch>
-            <a:fillRect/>
-          </a:stretch>
-        </p:blipFill>
-        <p:spPr>
-          <a:xfrm>
-            <a:off x="6414525" y="1427580"/>
-            <a:ext cx="2690443" cy="5157303"/>
-          </a:xfrm>
-          <a:prstGeom prst="rect">
-            <a:avLst/>
-          </a:prstGeom>
-        </p:spPr>
-      </p:pic>
-      <p:pic>
-        <p:nvPicPr>
-          <p:cNvPr id="11" name="Picture 10">
-            <a:extLst>
-              <a:ext uri="{FF2B5EF4-FFF2-40B4-BE49-F238E27FC236}">
-                <a16:creationId xmlns:a16="http://schemas.microsoft.com/office/drawing/2014/main" id="{2EC2094B-975B-1842-3A2F-DA63FD38403A}"/>
-              </a:ext>
-            </a:extLst>
-          </p:cNvPr>
-          <p:cNvPicPr>
-            <a:picLocks noChangeAspect="1"/>
-          </p:cNvPicPr>
-          <p:nvPr/>
-        </p:nvPicPr>
-        <p:blipFill>
-          <a:blip r:embed="rId5"/>
-          <a:stretch>
-            <a:fillRect/>
-          </a:stretch>
-        </p:blipFill>
-        <p:spPr>
-          <a:xfrm>
-            <a:off x="9212932" y="1427579"/>
-            <a:ext cx="2660161" cy="5157303"/>
-          </a:xfrm>
-          <a:prstGeom prst="rect">
-            <a:avLst/>
-          </a:prstGeom>
-        </p:spPr>
-      </p:pic>
-      <p:sp>
-        <p:nvSpPr>
-          <p:cNvPr id="12" name="Rectangle: Rounded Corners 11">
-            <a:extLst>
-              <a:ext uri="{FF2B5EF4-FFF2-40B4-BE49-F238E27FC236}">
-                <a16:creationId xmlns:a16="http://schemas.microsoft.com/office/drawing/2014/main" id="{ED430238-5AB7-2B99-17E9-21A417FC82FE}"/>
-              </a:ext>
-            </a:extLst>
-          </p:cNvPr>
-          <p:cNvSpPr/>
-          <p:nvPr/>
-        </p:nvSpPr>
-        <p:spPr>
-          <a:xfrm>
-            <a:off x="122309" y="1384449"/>
-            <a:ext cx="11750784" cy="1166331"/>
-          </a:xfrm>
-          <a:prstGeom prst="roundRect">
-            <a:avLst/>
-          </a:prstGeom>
-          <a:noFill/>
-          <a:ln w="28575">
-            <a:solidFill>
-              <a:schemeClr val="bg1">
-                <a:lumMod val="65000"/>
-              </a:schemeClr>
-            </a:solidFill>
-          </a:ln>
-        </p:spPr>
-        <p:style>
-          <a:lnRef idx="2">
-            <a:schemeClr val="accent1">
-              <a:shade val="15000"/>
-            </a:schemeClr>
-          </a:lnRef>
-          <a:fillRef idx="1">
-            <a:schemeClr val="accent1"/>
-          </a:fillRef>
-          <a:effectRef idx="0">
-            <a:schemeClr val="accent1"/>
-          </a:effectRef>
-          <a:fontRef idx="minor">
-            <a:schemeClr val="lt1"/>
-          </a:fontRef>
-        </p:style>
-        <p:txBody>
-          <a:bodyPr rtlCol="0" anchor="ctr"/>
-          <a:lstStyle/>
-          <a:p>
-            <a:pPr algn="ctr"/>
-            <a:endParaRPr lang="en-CH"/>
-          </a:p>
-        </p:txBody>
-      </p:sp>
-      <p:sp>
-        <p:nvSpPr>
-          <p:cNvPr id="13" name="Rectangle: Rounded Corners 12">
-            <a:extLst>
-              <a:ext uri="{FF2B5EF4-FFF2-40B4-BE49-F238E27FC236}">
-                <a16:creationId xmlns:a16="http://schemas.microsoft.com/office/drawing/2014/main" id="{7B6847C6-CCE8-48D0-E900-5E454DB2DDC8}"/>
-              </a:ext>
-            </a:extLst>
-          </p:cNvPr>
-          <p:cNvSpPr/>
-          <p:nvPr/>
-        </p:nvSpPr>
-        <p:spPr>
-          <a:xfrm>
-            <a:off x="122309" y="2713124"/>
-            <a:ext cx="11750784" cy="1166331"/>
-          </a:xfrm>
-          <a:prstGeom prst="roundRect">
-            <a:avLst/>
-          </a:prstGeom>
-          <a:noFill/>
-          <a:ln w="28575">
-            <a:solidFill>
-              <a:srgbClr val="00B0F0"/>
-            </a:solidFill>
-          </a:ln>
-        </p:spPr>
-        <p:style>
-          <a:lnRef idx="2">
-            <a:schemeClr val="accent1">
-              <a:shade val="15000"/>
-            </a:schemeClr>
-          </a:lnRef>
-          <a:fillRef idx="1">
-            <a:schemeClr val="accent1"/>
-          </a:fillRef>
-          <a:effectRef idx="0">
-            <a:schemeClr val="accent1"/>
-          </a:effectRef>
-          <a:fontRef idx="minor">
-            <a:schemeClr val="lt1"/>
-          </a:fontRef>
-        </p:style>
-        <p:txBody>
-          <a:bodyPr rtlCol="0" anchor="ctr"/>
-          <a:lstStyle/>
-          <a:p>
-            <a:pPr algn="ctr"/>
-            <a:endParaRPr lang="en-CH"/>
-          </a:p>
-        </p:txBody>
-      </p:sp>
-      <p:sp>
-        <p:nvSpPr>
-          <p:cNvPr id="15" name="Rectangle: Rounded Corners 14">
-            <a:extLst>
-              <a:ext uri="{FF2B5EF4-FFF2-40B4-BE49-F238E27FC236}">
-                <a16:creationId xmlns:a16="http://schemas.microsoft.com/office/drawing/2014/main" id="{2E65A1A1-9E0F-A19C-D028-5D04BED7CE94}"/>
-              </a:ext>
-            </a:extLst>
-          </p:cNvPr>
-          <p:cNvSpPr/>
-          <p:nvPr/>
-        </p:nvSpPr>
-        <p:spPr>
-          <a:xfrm>
-            <a:off x="122309" y="4041799"/>
-            <a:ext cx="11750784" cy="1166331"/>
-          </a:xfrm>
-          <a:prstGeom prst="roundRect">
-            <a:avLst/>
-          </a:prstGeom>
-          <a:noFill/>
-          <a:ln w="28575">
-            <a:solidFill>
-              <a:srgbClr val="C00000"/>
-            </a:solidFill>
-          </a:ln>
-        </p:spPr>
-        <p:style>
-          <a:lnRef idx="2">
-            <a:schemeClr val="accent1">
-              <a:shade val="15000"/>
-            </a:schemeClr>
-          </a:lnRef>
-          <a:fillRef idx="1">
-            <a:schemeClr val="accent1"/>
-          </a:fillRef>
-          <a:effectRef idx="0">
-            <a:schemeClr val="accent1"/>
-          </a:effectRef>
-          <a:fontRef idx="minor">
-            <a:schemeClr val="lt1"/>
-          </a:fontRef>
-        </p:style>
-        <p:txBody>
-          <a:bodyPr rtlCol="0" anchor="ctr"/>
-          <a:lstStyle/>
-          <a:p>
-            <a:pPr algn="ctr"/>
-            <a:endParaRPr lang="en-CH"/>
-          </a:p>
-        </p:txBody>
-      </p:sp>
-      <p:sp>
-        <p:nvSpPr>
-          <p:cNvPr id="16" name="Rectangle: Rounded Corners 15">
-            <a:extLst>
-              <a:ext uri="{FF2B5EF4-FFF2-40B4-BE49-F238E27FC236}">
-                <a16:creationId xmlns:a16="http://schemas.microsoft.com/office/drawing/2014/main" id="{9F314312-C8FE-C906-C28D-1BCA2E5D706D}"/>
-              </a:ext>
-            </a:extLst>
-          </p:cNvPr>
-          <p:cNvSpPr/>
-          <p:nvPr/>
-        </p:nvSpPr>
-        <p:spPr>
-          <a:xfrm>
-            <a:off x="122309" y="5370474"/>
-            <a:ext cx="11750784" cy="1166331"/>
-          </a:xfrm>
-          <a:prstGeom prst="roundRect">
-            <a:avLst/>
-          </a:prstGeom>
-          <a:noFill/>
-          <a:ln w="28575">
-            <a:solidFill>
-              <a:schemeClr val="accent4">
-                <a:lumMod val="75000"/>
-              </a:schemeClr>
-            </a:solidFill>
-          </a:ln>
-        </p:spPr>
-        <p:style>
-          <a:lnRef idx="2">
-            <a:schemeClr val="accent1">
-              <a:shade val="15000"/>
-            </a:schemeClr>
-          </a:lnRef>
-          <a:fillRef idx="1">
-            <a:schemeClr val="accent1"/>
-          </a:fillRef>
-          <a:effectRef idx="0">
-            <a:schemeClr val="accent1"/>
-          </a:effectRef>
-          <a:fontRef idx="minor">
-            <a:schemeClr val="lt1"/>
-          </a:fontRef>
-        </p:style>
-        <p:txBody>
-          <a:bodyPr rtlCol="0" anchor="ctr"/>
-          <a:lstStyle/>
-          <a:p>
-            <a:pPr algn="ctr"/>
-            <a:endParaRPr lang="en-CH"/>
-          </a:p>
-        </p:txBody>
-      </p:sp>
-    </p:spTree>
-    <p:extLst>
-      <p:ext uri="{BB962C8B-B14F-4D97-AF65-F5344CB8AC3E}">
-        <p14:creationId xmlns:p14="http://schemas.microsoft.com/office/powerpoint/2010/main" val="188368834"/>
-      </p:ext>
-    </p:extLst>
-  </p:cSld>
-  <p:clrMapOvr>
-    <a:masterClrMapping/>
-  </p:clrMapOvr>
-</p:sld>
-</file>
-
-<file path=ppt/slides/slide13.xml><?xml version="1.0" encoding="utf-8"?>
-<p:sld xmlns:a="http://schemas.openxmlformats.org/drawingml/2006/main" xmlns:r="http://schemas.openxmlformats.org/officeDocument/2006/relationships" xmlns:p="http://schemas.openxmlformats.org/presentationml/2006/main">
-  <p:cSld>
-    <p:spTree>
-      <p:nvGrpSpPr>
-        <p:cNvPr id="1" name=""/>
-        <p:cNvGrpSpPr/>
-        <p:nvPr/>
-      </p:nvGrpSpPr>
-      <p:grpSpPr>
-        <a:xfrm>
-          <a:off x="0" y="0"/>
-          <a:ext cx="0" cy="0"/>
-          <a:chOff x="0" y="0"/>
-          <a:chExt cx="0" cy="0"/>
-        </a:xfrm>
-      </p:grpSpPr>
-      <p:sp>
-        <p:nvSpPr>
-          <p:cNvPr id="2" name="Title 1">
-            <a:extLst>
-              <a:ext uri="{FF2B5EF4-FFF2-40B4-BE49-F238E27FC236}">
-                <a16:creationId xmlns:a16="http://schemas.microsoft.com/office/drawing/2014/main" id="{8B14A342-9269-0DCA-FE6A-BC4C40AF1250}"/>
-              </a:ext>
-            </a:extLst>
-          </p:cNvPr>
-          <p:cNvSpPr>
-            <a:spLocks noGrp="1"/>
-          </p:cNvSpPr>
-          <p:nvPr>
-            <p:ph type="title"/>
-          </p:nvPr>
-        </p:nvSpPr>
-        <p:spPr/>
-        <p:txBody>
-          <a:bodyPr/>
-          <a:lstStyle/>
-          <a:p>
-            <a:r>
-              <a:rPr lang="ru-RU" dirty="0"/>
-              <a:t>Результаты регулярного сезона</a:t>
-            </a:r>
-            <a:endParaRPr lang="en-CH" dirty="0"/>
-          </a:p>
-        </p:txBody>
-      </p:sp>
-      <p:pic>
-        <p:nvPicPr>
-          <p:cNvPr id="5" name="Content Placeholder 4">
-            <a:extLst>
-              <a:ext uri="{FF2B5EF4-FFF2-40B4-BE49-F238E27FC236}">
-                <a16:creationId xmlns:a16="http://schemas.microsoft.com/office/drawing/2014/main" id="{55250C40-29F2-3D5B-F76D-B26DCA0F9F01}"/>
-              </a:ext>
-            </a:extLst>
-          </p:cNvPr>
-          <p:cNvPicPr>
-            <a:picLocks noGrp="1" noChangeAspect="1"/>
-          </p:cNvPicPr>
-          <p:nvPr>
-            <p:ph idx="1"/>
-          </p:nvPr>
-        </p:nvPicPr>
-        <p:blipFill>
-          <a:blip r:embed="rId2"/>
-          <a:stretch>
-            <a:fillRect/>
-          </a:stretch>
-        </p:blipFill>
-        <p:spPr>
-          <a:xfrm>
-            <a:off x="268857" y="2568900"/>
-            <a:ext cx="9919585" cy="4185581"/>
-          </a:xfrm>
-        </p:spPr>
-      </p:pic>
-      <p:sp>
-        <p:nvSpPr>
-          <p:cNvPr id="6" name="Arrow: Left 5">
-            <a:extLst>
-              <a:ext uri="{FF2B5EF4-FFF2-40B4-BE49-F238E27FC236}">
-                <a16:creationId xmlns:a16="http://schemas.microsoft.com/office/drawing/2014/main" id="{90B0B3DF-92D4-C648-1749-BB163B365ACA}"/>
-              </a:ext>
-            </a:extLst>
-          </p:cNvPr>
-          <p:cNvSpPr/>
-          <p:nvPr/>
-        </p:nvSpPr>
-        <p:spPr>
-          <a:xfrm>
-            <a:off x="10041792" y="4661690"/>
-            <a:ext cx="689467" cy="301925"/>
-          </a:xfrm>
-          <a:prstGeom prst="leftArrow">
-            <a:avLst/>
-          </a:prstGeom>
-        </p:spPr>
-        <p:style>
-          <a:lnRef idx="2">
-            <a:schemeClr val="accent2">
-              <a:shade val="15000"/>
-            </a:schemeClr>
-          </a:lnRef>
-          <a:fillRef idx="1">
-            <a:schemeClr val="accent2"/>
-          </a:fillRef>
-          <a:effectRef idx="0">
-            <a:schemeClr val="accent2"/>
-          </a:effectRef>
-          <a:fontRef idx="minor">
-            <a:schemeClr val="lt1"/>
-          </a:fontRef>
-        </p:style>
-        <p:txBody>
-          <a:bodyPr rtlCol="0" anchor="ctr"/>
-          <a:lstStyle/>
-          <a:p>
-            <a:pPr algn="ctr"/>
-            <a:endParaRPr lang="en-CH"/>
-          </a:p>
-        </p:txBody>
-      </p:sp>
-      <p:sp>
-        <p:nvSpPr>
-          <p:cNvPr id="7" name="Arrow: Left 6">
-            <a:extLst>
-              <a:ext uri="{FF2B5EF4-FFF2-40B4-BE49-F238E27FC236}">
-                <a16:creationId xmlns:a16="http://schemas.microsoft.com/office/drawing/2014/main" id="{E769564E-D850-610C-0AEC-FF6CEEC527F5}"/>
-              </a:ext>
-            </a:extLst>
-          </p:cNvPr>
-          <p:cNvSpPr/>
-          <p:nvPr/>
-        </p:nvSpPr>
-        <p:spPr>
-          <a:xfrm>
-            <a:off x="10041791" y="6099426"/>
-            <a:ext cx="689467" cy="301925"/>
-          </a:xfrm>
-          <a:prstGeom prst="leftArrow">
-            <a:avLst/>
-          </a:prstGeom>
-        </p:spPr>
-        <p:style>
-          <a:lnRef idx="2">
-            <a:schemeClr val="accent5">
-              <a:shade val="15000"/>
-            </a:schemeClr>
-          </a:lnRef>
-          <a:fillRef idx="1">
-            <a:schemeClr val="accent5"/>
-          </a:fillRef>
-          <a:effectRef idx="0">
-            <a:schemeClr val="accent5"/>
-          </a:effectRef>
-          <a:fontRef idx="minor">
-            <a:schemeClr val="lt1"/>
-          </a:fontRef>
-        </p:style>
-        <p:txBody>
-          <a:bodyPr rtlCol="0" anchor="ctr"/>
-          <a:lstStyle/>
-          <a:p>
-            <a:pPr algn="ctr"/>
-            <a:endParaRPr lang="en-CH"/>
-          </a:p>
-        </p:txBody>
-      </p:sp>
-      <p:sp>
-        <p:nvSpPr>
-          <p:cNvPr id="8" name="TextBox 7">
-            <a:extLst>
-              <a:ext uri="{FF2B5EF4-FFF2-40B4-BE49-F238E27FC236}">
-                <a16:creationId xmlns:a16="http://schemas.microsoft.com/office/drawing/2014/main" id="{191F906B-829D-B660-B8AE-8F5C0B5C2CB0}"/>
-              </a:ext>
-            </a:extLst>
-          </p:cNvPr>
-          <p:cNvSpPr txBox="1"/>
-          <p:nvPr/>
-        </p:nvSpPr>
-        <p:spPr>
-          <a:xfrm>
-            <a:off x="8850702" y="1719256"/>
-            <a:ext cx="1802921" cy="954107"/>
-          </a:xfrm>
-          <a:prstGeom prst="rect">
-            <a:avLst/>
-          </a:prstGeom>
-          <a:noFill/>
-        </p:spPr>
-        <p:txBody>
-          <a:bodyPr wrap="square" rtlCol="0">
-            <a:spAutoFit/>
-          </a:bodyPr>
-          <a:lstStyle/>
-          <a:p>
-            <a:r>
-              <a:rPr lang="ru-RU" sz="1400" b="1" dirty="0"/>
-              <a:t>Очки набранные футболистами, выбранными по имени</a:t>
-            </a:r>
-            <a:endParaRPr lang="en-CH" sz="1400" b="1" dirty="0"/>
-          </a:p>
-        </p:txBody>
-      </p:sp>
-    </p:spTree>
-    <p:extLst>
-      <p:ext uri="{BB962C8B-B14F-4D97-AF65-F5344CB8AC3E}">
-        <p14:creationId xmlns:p14="http://schemas.microsoft.com/office/powerpoint/2010/main" val="1874030987"/>
-      </p:ext>
-    </p:extLst>
-  </p:cSld>
-  <p:clrMapOvr>
-    <a:masterClrMapping/>
-  </p:clrMapOvr>
-</p:sld>
-</file>
-
-<file path=ppt/slides/slide14.xml><?xml version="1.0" encoding="utf-8"?>
-<p:sld xmlns:a="http://schemas.openxmlformats.org/drawingml/2006/main" xmlns:r="http://schemas.openxmlformats.org/officeDocument/2006/relationships" xmlns:p="http://schemas.openxmlformats.org/presentationml/2006/main">
-  <p:cSld>
-    <p:spTree>
-      <p:nvGrpSpPr>
-        <p:cNvPr id="1" name=""/>
-        <p:cNvGrpSpPr/>
-        <p:nvPr/>
-      </p:nvGrpSpPr>
-      <p:grpSpPr>
-        <a:xfrm>
-          <a:off x="0" y="0"/>
-          <a:ext cx="0" cy="0"/>
-          <a:chOff x="0" y="0"/>
-          <a:chExt cx="0" cy="0"/>
-        </a:xfrm>
-      </p:grpSpPr>
-      <p:sp>
-        <p:nvSpPr>
-          <p:cNvPr id="2" name="Title 1">
-            <a:extLst>
-              <a:ext uri="{FF2B5EF4-FFF2-40B4-BE49-F238E27FC236}">
-                <a16:creationId xmlns:a16="http://schemas.microsoft.com/office/drawing/2014/main" id="{477EA226-DBF2-42DE-78B0-EC21000997AD}"/>
-              </a:ext>
-            </a:extLst>
-          </p:cNvPr>
-          <p:cNvSpPr>
-            <a:spLocks noGrp="1"/>
-          </p:cNvSpPr>
-          <p:nvPr>
-            <p:ph type="title"/>
-          </p:nvPr>
-        </p:nvSpPr>
-        <p:spPr/>
-        <p:txBody>
-          <a:bodyPr/>
-          <a:lstStyle/>
-          <a:p>
-            <a:r>
-              <a:rPr lang="ru-RU" dirty="0"/>
-              <a:t>Пример на основе данных сезона 2022</a:t>
-            </a:r>
-            <a:endParaRPr lang="en-CH" dirty="0"/>
-          </a:p>
-        </p:txBody>
-      </p:sp>
-      <p:pic>
-        <p:nvPicPr>
-          <p:cNvPr id="5" name="Picture 4">
-            <a:extLst>
-              <a:ext uri="{FF2B5EF4-FFF2-40B4-BE49-F238E27FC236}">
-                <a16:creationId xmlns:a16="http://schemas.microsoft.com/office/drawing/2014/main" id="{A582C7FA-183B-93C6-B521-3CBAF6C9F04A}"/>
-              </a:ext>
-            </a:extLst>
-          </p:cNvPr>
-          <p:cNvPicPr>
-            <a:picLocks noChangeAspect="1"/>
-          </p:cNvPicPr>
-          <p:nvPr/>
-        </p:nvPicPr>
-        <p:blipFill>
-          <a:blip r:embed="rId2"/>
-          <a:stretch>
-            <a:fillRect/>
-          </a:stretch>
-        </p:blipFill>
-        <p:spPr>
-          <a:xfrm>
-            <a:off x="231710" y="1427583"/>
-            <a:ext cx="3039390" cy="5157302"/>
-          </a:xfrm>
-          <a:prstGeom prst="rect">
-            <a:avLst/>
-          </a:prstGeom>
-        </p:spPr>
-      </p:pic>
-      <p:pic>
-        <p:nvPicPr>
-          <p:cNvPr id="7" name="Picture 6">
-            <a:extLst>
-              <a:ext uri="{FF2B5EF4-FFF2-40B4-BE49-F238E27FC236}">
-                <a16:creationId xmlns:a16="http://schemas.microsoft.com/office/drawing/2014/main" id="{87D212F2-1F31-5925-6AFA-5A4393C9AECA}"/>
-              </a:ext>
-            </a:extLst>
-          </p:cNvPr>
-          <p:cNvPicPr>
-            <a:picLocks noChangeAspect="1"/>
-          </p:cNvPicPr>
-          <p:nvPr/>
-        </p:nvPicPr>
-        <p:blipFill>
-          <a:blip r:embed="rId3"/>
-          <a:stretch>
-            <a:fillRect/>
-          </a:stretch>
-        </p:blipFill>
-        <p:spPr>
-          <a:xfrm>
-            <a:off x="3336704" y="1427581"/>
-            <a:ext cx="3269760" cy="5157303"/>
-          </a:xfrm>
-          <a:prstGeom prst="rect">
-            <a:avLst/>
-          </a:prstGeom>
-        </p:spPr>
-      </p:pic>
-      <p:pic>
-        <p:nvPicPr>
-          <p:cNvPr id="9" name="Picture 8">
-            <a:extLst>
-              <a:ext uri="{FF2B5EF4-FFF2-40B4-BE49-F238E27FC236}">
-                <a16:creationId xmlns:a16="http://schemas.microsoft.com/office/drawing/2014/main" id="{E9D88C18-49F6-4943-A821-5E38031E985F}"/>
-              </a:ext>
-            </a:extLst>
-          </p:cNvPr>
-          <p:cNvPicPr>
-            <a:picLocks noChangeAspect="1"/>
-          </p:cNvPicPr>
-          <p:nvPr/>
-        </p:nvPicPr>
-        <p:blipFill>
-          <a:blip r:embed="rId4"/>
-          <a:stretch>
-            <a:fillRect/>
-          </a:stretch>
-        </p:blipFill>
-        <p:spPr>
-          <a:xfrm>
-            <a:off x="6414525" y="1427580"/>
-            <a:ext cx="2690443" cy="5157303"/>
-          </a:xfrm>
-          <a:prstGeom prst="rect">
-            <a:avLst/>
-          </a:prstGeom>
-        </p:spPr>
-      </p:pic>
-      <p:pic>
-        <p:nvPicPr>
-          <p:cNvPr id="11" name="Picture 10">
-            <a:extLst>
-              <a:ext uri="{FF2B5EF4-FFF2-40B4-BE49-F238E27FC236}">
-                <a16:creationId xmlns:a16="http://schemas.microsoft.com/office/drawing/2014/main" id="{2EC2094B-975B-1842-3A2F-DA63FD38403A}"/>
-              </a:ext>
-            </a:extLst>
-          </p:cNvPr>
-          <p:cNvPicPr>
-            <a:picLocks noChangeAspect="1"/>
-          </p:cNvPicPr>
-          <p:nvPr/>
-        </p:nvPicPr>
-        <p:blipFill>
-          <a:blip r:embed="rId5"/>
-          <a:stretch>
-            <a:fillRect/>
-          </a:stretch>
-        </p:blipFill>
-        <p:spPr>
-          <a:xfrm>
-            <a:off x="9212932" y="1427579"/>
-            <a:ext cx="2660161" cy="5157303"/>
-          </a:xfrm>
-          <a:prstGeom prst="rect">
-            <a:avLst/>
-          </a:prstGeom>
-        </p:spPr>
-      </p:pic>
-      <p:sp>
-        <p:nvSpPr>
-          <p:cNvPr id="12" name="Rectangle: Rounded Corners 11">
-            <a:extLst>
-              <a:ext uri="{FF2B5EF4-FFF2-40B4-BE49-F238E27FC236}">
-                <a16:creationId xmlns:a16="http://schemas.microsoft.com/office/drawing/2014/main" id="{ED430238-5AB7-2B99-17E9-21A417FC82FE}"/>
-              </a:ext>
-            </a:extLst>
-          </p:cNvPr>
-          <p:cNvSpPr/>
-          <p:nvPr/>
-        </p:nvSpPr>
-        <p:spPr>
-          <a:xfrm>
-            <a:off x="122309" y="1384449"/>
-            <a:ext cx="11750784" cy="1166331"/>
-          </a:xfrm>
-          <a:prstGeom prst="roundRect">
-            <a:avLst/>
-          </a:prstGeom>
-          <a:noFill/>
-          <a:ln w="28575">
-            <a:solidFill>
-              <a:schemeClr val="bg1">
-                <a:lumMod val="65000"/>
-              </a:schemeClr>
-            </a:solidFill>
-          </a:ln>
-        </p:spPr>
-        <p:style>
-          <a:lnRef idx="2">
-            <a:schemeClr val="accent1">
-              <a:shade val="15000"/>
-            </a:schemeClr>
-          </a:lnRef>
-          <a:fillRef idx="1">
-            <a:schemeClr val="accent1"/>
-          </a:fillRef>
-          <a:effectRef idx="0">
-            <a:schemeClr val="accent1"/>
-          </a:effectRef>
-          <a:fontRef idx="minor">
-            <a:schemeClr val="lt1"/>
-          </a:fontRef>
-        </p:style>
-        <p:txBody>
-          <a:bodyPr rtlCol="0" anchor="ctr"/>
-          <a:lstStyle/>
-          <a:p>
-            <a:pPr algn="ctr"/>
-            <a:endParaRPr lang="en-CH"/>
-          </a:p>
-        </p:txBody>
-      </p:sp>
-      <p:sp>
-        <p:nvSpPr>
-          <p:cNvPr id="13" name="Rectangle: Rounded Corners 12">
-            <a:extLst>
-              <a:ext uri="{FF2B5EF4-FFF2-40B4-BE49-F238E27FC236}">
-                <a16:creationId xmlns:a16="http://schemas.microsoft.com/office/drawing/2014/main" id="{7B6847C6-CCE8-48D0-E900-5E454DB2DDC8}"/>
-              </a:ext>
-            </a:extLst>
-          </p:cNvPr>
-          <p:cNvSpPr/>
-          <p:nvPr/>
-        </p:nvSpPr>
-        <p:spPr>
-          <a:xfrm>
-            <a:off x="122309" y="2713124"/>
-            <a:ext cx="11750784" cy="1166331"/>
-          </a:xfrm>
-          <a:prstGeom prst="roundRect">
-            <a:avLst/>
-          </a:prstGeom>
-          <a:noFill/>
-          <a:ln w="28575">
-            <a:solidFill>
-              <a:srgbClr val="00B0F0"/>
-            </a:solidFill>
-          </a:ln>
-        </p:spPr>
-        <p:style>
-          <a:lnRef idx="2">
-            <a:schemeClr val="accent1">
-              <a:shade val="15000"/>
-            </a:schemeClr>
-          </a:lnRef>
-          <a:fillRef idx="1">
-            <a:schemeClr val="accent1"/>
-          </a:fillRef>
-          <a:effectRef idx="0">
-            <a:schemeClr val="accent1"/>
-          </a:effectRef>
-          <a:fontRef idx="minor">
-            <a:schemeClr val="lt1"/>
-          </a:fontRef>
-        </p:style>
-        <p:txBody>
-          <a:bodyPr rtlCol="0" anchor="ctr"/>
-          <a:lstStyle/>
-          <a:p>
-            <a:pPr algn="ctr"/>
-            <a:endParaRPr lang="en-CH"/>
-          </a:p>
-        </p:txBody>
-      </p:sp>
-      <p:sp>
-        <p:nvSpPr>
-          <p:cNvPr id="15" name="Rectangle: Rounded Corners 14">
-            <a:extLst>
-              <a:ext uri="{FF2B5EF4-FFF2-40B4-BE49-F238E27FC236}">
-                <a16:creationId xmlns:a16="http://schemas.microsoft.com/office/drawing/2014/main" id="{2E65A1A1-9E0F-A19C-D028-5D04BED7CE94}"/>
-              </a:ext>
-            </a:extLst>
-          </p:cNvPr>
-          <p:cNvSpPr/>
-          <p:nvPr/>
-        </p:nvSpPr>
-        <p:spPr>
-          <a:xfrm>
-            <a:off x="122309" y="4041799"/>
-            <a:ext cx="11750784" cy="1166331"/>
-          </a:xfrm>
-          <a:prstGeom prst="roundRect">
-            <a:avLst/>
-          </a:prstGeom>
-          <a:noFill/>
-          <a:ln w="28575">
-            <a:solidFill>
-              <a:srgbClr val="C00000"/>
-            </a:solidFill>
-          </a:ln>
-        </p:spPr>
-        <p:style>
-          <a:lnRef idx="2">
-            <a:schemeClr val="accent1">
-              <a:shade val="15000"/>
-            </a:schemeClr>
-          </a:lnRef>
-          <a:fillRef idx="1">
-            <a:schemeClr val="accent1"/>
-          </a:fillRef>
-          <a:effectRef idx="0">
-            <a:schemeClr val="accent1"/>
-          </a:effectRef>
-          <a:fontRef idx="minor">
-            <a:schemeClr val="lt1"/>
-          </a:fontRef>
-        </p:style>
-        <p:txBody>
-          <a:bodyPr rtlCol="0" anchor="ctr"/>
-          <a:lstStyle/>
-          <a:p>
-            <a:pPr algn="ctr"/>
-            <a:endParaRPr lang="en-CH"/>
-          </a:p>
-        </p:txBody>
-      </p:sp>
-      <p:sp>
-        <p:nvSpPr>
-          <p:cNvPr id="16" name="Rectangle: Rounded Corners 15">
-            <a:extLst>
-              <a:ext uri="{FF2B5EF4-FFF2-40B4-BE49-F238E27FC236}">
-                <a16:creationId xmlns:a16="http://schemas.microsoft.com/office/drawing/2014/main" id="{9F314312-C8FE-C906-C28D-1BCA2E5D706D}"/>
-              </a:ext>
-            </a:extLst>
-          </p:cNvPr>
-          <p:cNvSpPr/>
-          <p:nvPr/>
-        </p:nvSpPr>
-        <p:spPr>
-          <a:xfrm>
-            <a:off x="122309" y="5370474"/>
-            <a:ext cx="11750784" cy="1166331"/>
-          </a:xfrm>
-          <a:prstGeom prst="roundRect">
-            <a:avLst/>
-          </a:prstGeom>
-          <a:noFill/>
-          <a:ln w="28575">
-            <a:solidFill>
-              <a:schemeClr val="accent4">
-                <a:lumMod val="75000"/>
-              </a:schemeClr>
-            </a:solidFill>
-          </a:ln>
-        </p:spPr>
-        <p:style>
-          <a:lnRef idx="2">
-            <a:schemeClr val="accent1">
-              <a:shade val="15000"/>
-            </a:schemeClr>
-          </a:lnRef>
-          <a:fillRef idx="1">
-            <a:schemeClr val="accent1"/>
-          </a:fillRef>
-          <a:effectRef idx="0">
-            <a:schemeClr val="accent1"/>
-          </a:effectRef>
-          <a:fontRef idx="minor">
-            <a:schemeClr val="lt1"/>
-          </a:fontRef>
-        </p:style>
-        <p:txBody>
-          <a:bodyPr rtlCol="0" anchor="ctr"/>
-          <a:lstStyle/>
-          <a:p>
-            <a:pPr algn="ctr"/>
-            <a:endParaRPr lang="en-CH"/>
-          </a:p>
-        </p:txBody>
-      </p:sp>
-      <p:sp>
-        <p:nvSpPr>
-          <p:cNvPr id="3" name="Arrow: Left 2">
-            <a:extLst>
-              <a:ext uri="{FF2B5EF4-FFF2-40B4-BE49-F238E27FC236}">
-                <a16:creationId xmlns:a16="http://schemas.microsoft.com/office/drawing/2014/main" id="{3260893F-F56D-B64E-FBF6-67EB2E2826C3}"/>
-              </a:ext>
-            </a:extLst>
-          </p:cNvPr>
-          <p:cNvSpPr/>
-          <p:nvPr/>
-        </p:nvSpPr>
-        <p:spPr>
-          <a:xfrm>
-            <a:off x="8415501" y="1762122"/>
-            <a:ext cx="689467" cy="301925"/>
-          </a:xfrm>
-          <a:prstGeom prst="leftArrow">
-            <a:avLst/>
-          </a:prstGeom>
-        </p:spPr>
-        <p:style>
-          <a:lnRef idx="2">
-            <a:schemeClr val="accent2">
-              <a:shade val="15000"/>
-            </a:schemeClr>
-          </a:lnRef>
-          <a:fillRef idx="1">
-            <a:schemeClr val="accent2"/>
-          </a:fillRef>
-          <a:effectRef idx="0">
-            <a:schemeClr val="accent2"/>
-          </a:effectRef>
-          <a:fontRef idx="minor">
-            <a:schemeClr val="lt1"/>
-          </a:fontRef>
-        </p:style>
-        <p:txBody>
-          <a:bodyPr rtlCol="0" anchor="ctr"/>
-          <a:lstStyle/>
-          <a:p>
-            <a:pPr algn="ctr"/>
-            <a:endParaRPr lang="en-CH"/>
-          </a:p>
-        </p:txBody>
-      </p:sp>
-      <p:sp>
-        <p:nvSpPr>
-          <p:cNvPr id="4" name="Arrow: Left 3">
-            <a:extLst>
-              <a:ext uri="{FF2B5EF4-FFF2-40B4-BE49-F238E27FC236}">
-                <a16:creationId xmlns:a16="http://schemas.microsoft.com/office/drawing/2014/main" id="{9BD9AC3E-4067-9580-5C67-6083D20E3DC5}"/>
-              </a:ext>
-            </a:extLst>
-          </p:cNvPr>
-          <p:cNvSpPr/>
-          <p:nvPr/>
-        </p:nvSpPr>
-        <p:spPr>
-          <a:xfrm>
-            <a:off x="11395498" y="4474001"/>
-            <a:ext cx="689467" cy="301925"/>
-          </a:xfrm>
-          <a:prstGeom prst="leftArrow">
-            <a:avLst/>
-          </a:prstGeom>
-        </p:spPr>
-        <p:style>
-          <a:lnRef idx="2">
-            <a:schemeClr val="accent5">
-              <a:shade val="15000"/>
-            </a:schemeClr>
-          </a:lnRef>
-          <a:fillRef idx="1">
-            <a:schemeClr val="accent5"/>
-          </a:fillRef>
-          <a:effectRef idx="0">
-            <a:schemeClr val="accent5"/>
-          </a:effectRef>
-          <a:fontRef idx="minor">
-            <a:schemeClr val="lt1"/>
-          </a:fontRef>
-        </p:style>
-        <p:txBody>
-          <a:bodyPr rtlCol="0" anchor="ctr"/>
-          <a:lstStyle/>
-          <a:p>
-            <a:pPr algn="ctr"/>
-            <a:endParaRPr lang="en-CH"/>
-          </a:p>
-        </p:txBody>
-      </p:sp>
-    </p:spTree>
-    <p:extLst>
-      <p:ext uri="{BB962C8B-B14F-4D97-AF65-F5344CB8AC3E}">
-        <p14:creationId xmlns:p14="http://schemas.microsoft.com/office/powerpoint/2010/main" val="2072063641"/>
-      </p:ext>
-    </p:extLst>
-  </p:cSld>
-  <p:clrMapOvr>
-    <a:masterClrMapping/>
-  </p:clrMapOvr>
-</p:sld>
-</file>
-
-<file path=ppt/slides/slide15.xml><?xml version="1.0" encoding="utf-8"?>
-<p:sld xmlns:a="http://schemas.openxmlformats.org/drawingml/2006/main" xmlns:r="http://schemas.openxmlformats.org/officeDocument/2006/relationships" xmlns:p="http://schemas.openxmlformats.org/presentationml/2006/main">
-  <p:cSld>
     <p:bg>
       <p:bgPr>
         <a:solidFill>
@@ -4986,7 +3493,7 @@
       </p:grpSpPr>
       <p:sp useBgFill="1">
         <p:nvSpPr>
-          <p:cNvPr id="10" name="Rectangle 9">
+          <p:cNvPr id="14" name="Rectangle 9">
             <a:extLst>
               <a:ext uri="{FF2B5EF4-FFF2-40B4-BE49-F238E27FC236}">
                 <a16:creationId xmlns:a16="http://schemas.microsoft.com/office/drawing/2014/main" id="{665DBBEF-238B-476B-96AB-8AAC3224ECEA}"/>
@@ -5049,7 +3556,7 @@
           <p:cNvPr id="2" name="Title 1">
             <a:extLst>
               <a:ext uri="{FF2B5EF4-FFF2-40B4-BE49-F238E27FC236}">
-                <a16:creationId xmlns:a16="http://schemas.microsoft.com/office/drawing/2014/main" id="{3E0662F2-E51E-8869-7320-17933420B3D3}"/>
+                <a16:creationId xmlns:a16="http://schemas.microsoft.com/office/drawing/2014/main" id="{AAB7B079-88BD-F8A6-830F-A9E408B79445}"/>
               </a:ext>
             </a:extLst>
           </p:cNvPr>
@@ -5073,7 +3580,7 @@
           <a:lstStyle/>
           <a:p>
             <a:r>
-              <a:rPr lang="en-US" sz="5100" kern="1200">
+              <a:rPr lang="en-US" sz="6600" kern="1200">
                 <a:solidFill>
                   <a:schemeClr val="tx1"/>
                 </a:solidFill>
@@ -5081,14 +3588,71 @@
                 <a:ea typeface="+mj-ea"/>
                 <a:cs typeface="+mj-cs"/>
               </a:rPr>
-              <a:t>Результаты регулярного сезона в дивизионах</a:t>
-            </a:r>
-          </a:p>
-        </p:txBody>
-      </p:sp>
-      <p:sp>
-        <p:nvSpPr>
-          <p:cNvPr id="12" name="sketch line">
+              <a:t>Скоринг</a:t>
+            </a:r>
+          </a:p>
+        </p:txBody>
+      </p:sp>
+      <p:sp>
+        <p:nvSpPr>
+          <p:cNvPr id="3" name="Content Placeholder 2">
+            <a:extLst>
+              <a:ext uri="{FF2B5EF4-FFF2-40B4-BE49-F238E27FC236}">
+                <a16:creationId xmlns:a16="http://schemas.microsoft.com/office/drawing/2014/main" id="{A69C665D-2A78-7486-9760-13156AFECFA2}"/>
+              </a:ext>
+            </a:extLst>
+          </p:cNvPr>
+          <p:cNvSpPr>
+            <a:spLocks noGrp="1"/>
+          </p:cNvSpPr>
+          <p:nvPr>
+            <p:ph idx="1"/>
+          </p:nvPr>
+        </p:nvSpPr>
+        <p:spPr>
+          <a:xfrm>
+            <a:off x="638882" y="4631161"/>
+            <a:ext cx="3571810" cy="1559327"/>
+          </a:xfrm>
+        </p:spPr>
+        <p:txBody>
+          <a:bodyPr vert="horz" lIns="91440" tIns="45720" rIns="91440" bIns="45720" rtlCol="0">
+            <a:normAutofit/>
+          </a:bodyPr>
+          <a:lstStyle/>
+          <a:p>
+            <a:pPr marL="0" indent="0">
+              <a:buNone/>
+            </a:pPr>
+            <a:r>
+              <a:rPr lang="en-US" sz="2400" kern="1200">
+                <a:solidFill>
+                  <a:schemeClr val="tx1"/>
+                </a:solidFill>
+                <a:latin typeface="+mn-lt"/>
+                <a:ea typeface="+mn-ea"/>
+                <a:cs typeface="+mn-cs"/>
+                <a:hlinkClick r:id="rId2"/>
+              </a:rPr>
+              <a:t>https://www42.myfantasyleague.com/2023/options?L=34301&amp;O=09</a:t>
+            </a:r>
+            <a:r>
+              <a:rPr lang="en-US" sz="2400" kern="1200">
+                <a:solidFill>
+                  <a:schemeClr val="tx1"/>
+                </a:solidFill>
+                <a:latin typeface="+mn-lt"/>
+                <a:ea typeface="+mn-ea"/>
+                <a:cs typeface="+mn-cs"/>
+              </a:rPr>
+              <a:t> </a:t>
+            </a:r>
+          </a:p>
+        </p:txBody>
+      </p:sp>
+      <p:sp>
+        <p:nvSpPr>
+          <p:cNvPr id="15" name="sketch line">
             <a:extLst>
               <a:ext uri="{FF2B5EF4-FFF2-40B4-BE49-F238E27FC236}">
                 <a16:creationId xmlns:a16="http://schemas.microsoft.com/office/drawing/2014/main" id="{3FCFB1DE-0B7E-48CC-BA90-B2AB0889F9D6}"/>
@@ -5364,6 +3928,1943 @@
           <p:cNvPr id="5" name="Picture 4">
             <a:extLst>
               <a:ext uri="{FF2B5EF4-FFF2-40B4-BE49-F238E27FC236}">
+                <a16:creationId xmlns:a16="http://schemas.microsoft.com/office/drawing/2014/main" id="{BA1FC6C0-0E82-C6E9-393D-E2984323B85A}"/>
+              </a:ext>
+            </a:extLst>
+          </p:cNvPr>
+          <p:cNvPicPr>
+            <a:picLocks noChangeAspect="1"/>
+          </p:cNvPicPr>
+          <p:nvPr/>
+        </p:nvPicPr>
+        <p:blipFill>
+          <a:blip r:embed="rId3"/>
+          <a:stretch>
+            <a:fillRect/>
+          </a:stretch>
+        </p:blipFill>
+        <p:spPr>
+          <a:xfrm>
+            <a:off x="4303998" y="1035807"/>
+            <a:ext cx="7658220" cy="4786386"/>
+          </a:xfrm>
+          <a:prstGeom prst="rect">
+            <a:avLst/>
+          </a:prstGeom>
+        </p:spPr>
+      </p:pic>
+    </p:spTree>
+    <p:extLst>
+      <p:ext uri="{BB962C8B-B14F-4D97-AF65-F5344CB8AC3E}">
+        <p14:creationId xmlns:p14="http://schemas.microsoft.com/office/powerpoint/2010/main" val="480995932"/>
+      </p:ext>
+    </p:extLst>
+  </p:cSld>
+  <p:clrMapOvr>
+    <a:masterClrMapping/>
+  </p:clrMapOvr>
+</p:sld>
+</file>
+
+<file path=ppt/slides/slide11.xml><?xml version="1.0" encoding="utf-8"?>
+<p:sld xmlns:a="http://schemas.openxmlformats.org/drawingml/2006/main" xmlns:r="http://schemas.openxmlformats.org/officeDocument/2006/relationships" xmlns:p="http://schemas.openxmlformats.org/presentationml/2006/main">
+  <p:cSld>
+    <p:spTree>
+      <p:nvGrpSpPr>
+        <p:cNvPr id="1" name=""/>
+        <p:cNvGrpSpPr/>
+        <p:nvPr/>
+      </p:nvGrpSpPr>
+      <p:grpSpPr>
+        <a:xfrm>
+          <a:off x="0" y="0"/>
+          <a:ext cx="0" cy="0"/>
+          <a:chOff x="0" y="0"/>
+          <a:chExt cx="0" cy="0"/>
+        </a:xfrm>
+      </p:grpSpPr>
+      <p:sp>
+        <p:nvSpPr>
+          <p:cNvPr id="2" name="Title 1">
+            <a:extLst>
+              <a:ext uri="{FF2B5EF4-FFF2-40B4-BE49-F238E27FC236}">
+                <a16:creationId xmlns:a16="http://schemas.microsoft.com/office/drawing/2014/main" id="{79EE4E9F-EA7A-B1D8-FDFB-EC4FE2AD220E}"/>
+              </a:ext>
+            </a:extLst>
+          </p:cNvPr>
+          <p:cNvSpPr>
+            <a:spLocks noGrp="1"/>
+          </p:cNvSpPr>
+          <p:nvPr>
+            <p:ph type="title"/>
+          </p:nvPr>
+        </p:nvSpPr>
+        <p:spPr/>
+        <p:txBody>
+          <a:bodyPr/>
+          <a:lstStyle/>
+          <a:p>
+            <a:r>
+              <a:rPr lang="ru-RU" dirty="0"/>
+              <a:t>Призы</a:t>
+            </a:r>
+            <a:endParaRPr lang="en-CH" dirty="0"/>
+          </a:p>
+        </p:txBody>
+      </p:sp>
+      <p:sp>
+        <p:nvSpPr>
+          <p:cNvPr id="3" name="Content Placeholder 2">
+            <a:extLst>
+              <a:ext uri="{FF2B5EF4-FFF2-40B4-BE49-F238E27FC236}">
+                <a16:creationId xmlns:a16="http://schemas.microsoft.com/office/drawing/2014/main" id="{603F1A60-9701-42AE-B532-0957618B2D76}"/>
+              </a:ext>
+            </a:extLst>
+          </p:cNvPr>
+          <p:cNvSpPr>
+            <a:spLocks noGrp="1"/>
+          </p:cNvSpPr>
+          <p:nvPr>
+            <p:ph idx="1"/>
+          </p:nvPr>
+        </p:nvSpPr>
+        <p:spPr/>
+        <p:txBody>
+          <a:bodyPr>
+            <a:normAutofit lnSpcReduction="10000"/>
+          </a:bodyPr>
+          <a:lstStyle/>
+          <a:p>
+            <a:pPr marL="685800" indent="0" algn="just" rtl="0">
+              <a:spcBef>
+                <a:spcPts val="1200"/>
+              </a:spcBef>
+              <a:spcAft>
+                <a:spcPts val="1200"/>
+              </a:spcAft>
+              <a:buNone/>
+            </a:pPr>
+            <a:r>
+              <a:rPr lang="ru-RU" sz="2400" b="0" i="0" u="none" strike="noStrike" dirty="0">
+                <a:solidFill>
+                  <a:srgbClr val="000000"/>
+                </a:solidFill>
+                <a:effectLst/>
+                <a:latin typeface="Times New Roman" panose="02020603050405020304" pitchFamily="18" charset="0"/>
+              </a:rPr>
+              <a:t>○  </a:t>
+            </a:r>
+            <a:r>
+              <a:rPr lang="ru-RU" sz="2400" b="1" i="0" u="none" strike="noStrike" dirty="0">
+                <a:solidFill>
+                  <a:srgbClr val="000000"/>
+                </a:solidFill>
+                <a:effectLst/>
+                <a:latin typeface="Times New Roman" panose="02020603050405020304" pitchFamily="18" charset="0"/>
+              </a:rPr>
+              <a:t>Победитель</a:t>
+            </a:r>
+            <a:r>
+              <a:rPr lang="ru-RU" sz="2400" b="0" i="0" u="none" strike="noStrike" dirty="0">
+                <a:solidFill>
+                  <a:srgbClr val="000000"/>
+                </a:solidFill>
+                <a:effectLst/>
+                <a:latin typeface="Times New Roman" panose="02020603050405020304" pitchFamily="18" charset="0"/>
+              </a:rPr>
+              <a:t> (приз: 6/16 от общего числа взносов взносов)</a:t>
+            </a:r>
+            <a:endParaRPr lang="ru-RU" sz="3600" b="0" dirty="0">
+              <a:effectLst/>
+            </a:endParaRPr>
+          </a:p>
+          <a:p>
+            <a:pPr marL="685800" indent="0" algn="just" rtl="0">
+              <a:spcBef>
+                <a:spcPts val="1200"/>
+              </a:spcBef>
+              <a:spcAft>
+                <a:spcPts val="1200"/>
+              </a:spcAft>
+              <a:buNone/>
+            </a:pPr>
+            <a:r>
+              <a:rPr lang="ru-RU" sz="2400" b="0" i="0" u="none" strike="noStrike" dirty="0">
+                <a:solidFill>
+                  <a:srgbClr val="000000"/>
+                </a:solidFill>
+                <a:effectLst/>
+                <a:latin typeface="Times New Roman" panose="02020603050405020304" pitchFamily="18" charset="0"/>
+              </a:rPr>
+              <a:t>○  </a:t>
+            </a:r>
+            <a:r>
+              <a:rPr lang="ru-RU" sz="2400" b="1" i="0" u="none" strike="noStrike" dirty="0">
+                <a:solidFill>
+                  <a:srgbClr val="000000"/>
+                </a:solidFill>
+                <a:effectLst/>
+                <a:latin typeface="Times New Roman" panose="02020603050405020304" pitchFamily="18" charset="0"/>
+              </a:rPr>
+              <a:t>Второй участник финала</a:t>
+            </a:r>
+            <a:r>
+              <a:rPr lang="ru-RU" sz="2400" b="0" i="0" u="none" strike="noStrike" dirty="0">
+                <a:solidFill>
+                  <a:srgbClr val="000000"/>
+                </a:solidFill>
+                <a:effectLst/>
+                <a:latin typeface="Times New Roman" panose="02020603050405020304" pitchFamily="18" charset="0"/>
+              </a:rPr>
+              <a:t> (1/16)</a:t>
+            </a:r>
+            <a:endParaRPr lang="ru-RU" sz="3600" b="0" dirty="0">
+              <a:effectLst/>
+            </a:endParaRPr>
+          </a:p>
+          <a:p>
+            <a:pPr marL="685800" indent="0" algn="just" rtl="0">
+              <a:spcBef>
+                <a:spcPts val="1200"/>
+              </a:spcBef>
+              <a:spcAft>
+                <a:spcPts val="1200"/>
+              </a:spcAft>
+              <a:buNone/>
+            </a:pPr>
+            <a:r>
+              <a:rPr lang="ru-RU" sz="2400" b="0" i="0" u="none" strike="noStrike" dirty="0">
+                <a:solidFill>
+                  <a:srgbClr val="000000"/>
+                </a:solidFill>
+                <a:effectLst/>
+                <a:latin typeface="Times New Roman" panose="02020603050405020304" pitchFamily="18" charset="0"/>
+              </a:rPr>
+              <a:t>○ </a:t>
+            </a:r>
+            <a:r>
+              <a:rPr lang="ru-RU" sz="2400" b="1" i="0" u="none" strike="noStrike" dirty="0">
+                <a:solidFill>
+                  <a:srgbClr val="000000"/>
+                </a:solidFill>
+                <a:effectLst/>
+                <a:latin typeface="Times New Roman" panose="02020603050405020304" pitchFamily="18" charset="0"/>
+              </a:rPr>
+              <a:t>Участник лиги именованные игроки которого набрали большее количество </a:t>
+            </a:r>
+            <a:r>
+              <a:rPr lang="ru-RU" sz="2400" b="1" i="0" u="none" strike="noStrike" dirty="0" err="1">
+                <a:solidFill>
+                  <a:srgbClr val="000000"/>
+                </a:solidFill>
+                <a:effectLst/>
+                <a:latin typeface="Times New Roman" panose="02020603050405020304" pitchFamily="18" charset="0"/>
+              </a:rPr>
+              <a:t>фентази</a:t>
+            </a:r>
+            <a:r>
+              <a:rPr lang="ru-RU" sz="2400" b="1" i="0" u="none" strike="noStrike" dirty="0">
+                <a:solidFill>
+                  <a:srgbClr val="000000"/>
+                </a:solidFill>
+                <a:effectLst/>
+                <a:latin typeface="Times New Roman" panose="02020603050405020304" pitchFamily="18" charset="0"/>
+              </a:rPr>
+              <a:t>-очков</a:t>
+            </a:r>
+            <a:r>
+              <a:rPr lang="ru-RU" sz="2400" b="0" i="0" u="none" strike="noStrike" dirty="0">
+                <a:solidFill>
+                  <a:srgbClr val="000000"/>
+                </a:solidFill>
+                <a:effectLst/>
+                <a:latin typeface="Times New Roman" panose="02020603050405020304" pitchFamily="18" charset="0"/>
+              </a:rPr>
+              <a:t> за первые 14 недель сезона (6/16)</a:t>
+            </a:r>
+            <a:endParaRPr lang="ru-RU" sz="3600" b="0" dirty="0">
+              <a:effectLst/>
+            </a:endParaRPr>
+          </a:p>
+          <a:p>
+            <a:pPr marL="685800" indent="0" algn="just" rtl="0">
+              <a:spcBef>
+                <a:spcPts val="1200"/>
+              </a:spcBef>
+              <a:spcAft>
+                <a:spcPts val="1200"/>
+              </a:spcAft>
+              <a:buNone/>
+            </a:pPr>
+            <a:r>
+              <a:rPr lang="ru-RU" sz="2400" b="0" i="0" u="none" strike="noStrike" dirty="0">
+                <a:solidFill>
+                  <a:srgbClr val="000000"/>
+                </a:solidFill>
+                <a:effectLst/>
+                <a:latin typeface="Times New Roman" panose="02020603050405020304" pitchFamily="18" charset="0"/>
+              </a:rPr>
+              <a:t>○  </a:t>
+            </a:r>
+            <a:r>
+              <a:rPr lang="ru-RU" sz="2400" b="1" i="0" u="none" strike="noStrike" dirty="0">
+                <a:solidFill>
+                  <a:srgbClr val="000000"/>
+                </a:solidFill>
+                <a:effectLst/>
+                <a:latin typeface="Times New Roman" panose="02020603050405020304" pitchFamily="18" charset="0"/>
+              </a:rPr>
+              <a:t>Участник лиги именованные игроки которого набрали второе количество </a:t>
+            </a:r>
+            <a:r>
+              <a:rPr lang="ru-RU" sz="2400" b="1" i="0" u="none" strike="noStrike" dirty="0" err="1">
+                <a:solidFill>
+                  <a:srgbClr val="000000"/>
+                </a:solidFill>
+                <a:effectLst/>
+                <a:latin typeface="Times New Roman" panose="02020603050405020304" pitchFamily="18" charset="0"/>
+              </a:rPr>
+              <a:t>фентази</a:t>
+            </a:r>
+            <a:r>
+              <a:rPr lang="ru-RU" sz="2400" b="1" i="0" u="none" strike="noStrike" dirty="0">
+                <a:solidFill>
+                  <a:srgbClr val="000000"/>
+                </a:solidFill>
+                <a:effectLst/>
+                <a:latin typeface="Times New Roman" panose="02020603050405020304" pitchFamily="18" charset="0"/>
+              </a:rPr>
+              <a:t>-очков</a:t>
+            </a:r>
+            <a:r>
+              <a:rPr lang="ru-RU" sz="2400" b="0" i="0" u="none" strike="noStrike" dirty="0">
+                <a:solidFill>
+                  <a:srgbClr val="000000"/>
+                </a:solidFill>
+                <a:effectLst/>
+                <a:latin typeface="Times New Roman" panose="02020603050405020304" pitchFamily="18" charset="0"/>
+              </a:rPr>
+              <a:t> за первые 14 недель сезона (2/16)</a:t>
+            </a:r>
+            <a:endParaRPr lang="ru-RU" sz="3600" b="0" dirty="0">
+              <a:effectLst/>
+            </a:endParaRPr>
+          </a:p>
+          <a:p>
+            <a:pPr marL="0" indent="0">
+              <a:buNone/>
+            </a:pPr>
+            <a:endParaRPr lang="ru-RU" sz="2400" b="0" i="0" u="none" strike="noStrike" dirty="0">
+              <a:solidFill>
+                <a:srgbClr val="000000"/>
+              </a:solidFill>
+              <a:effectLst/>
+              <a:latin typeface="Times New Roman" panose="02020603050405020304" pitchFamily="18" charset="0"/>
+            </a:endParaRPr>
+          </a:p>
+          <a:p>
+            <a:pPr marL="0" indent="0">
+              <a:buNone/>
+            </a:pPr>
+            <a:r>
+              <a:rPr lang="ru-RU" sz="2400" b="0" i="0" u="none" strike="noStrike" dirty="0">
+                <a:solidFill>
+                  <a:srgbClr val="000000"/>
+                </a:solidFill>
+                <a:effectLst/>
+                <a:latin typeface="Times New Roman" panose="02020603050405020304" pitchFamily="18" charset="0"/>
+              </a:rPr>
+              <a:t>○       1/16 от числа взносов выплачивается организатору за техническое сопровождение соревнования</a:t>
+            </a:r>
+            <a:endParaRPr lang="en-CH" sz="3600" dirty="0"/>
+          </a:p>
+        </p:txBody>
+      </p:sp>
+    </p:spTree>
+    <p:extLst>
+      <p:ext uri="{BB962C8B-B14F-4D97-AF65-F5344CB8AC3E}">
+        <p14:creationId xmlns:p14="http://schemas.microsoft.com/office/powerpoint/2010/main" val="844663430"/>
+      </p:ext>
+    </p:extLst>
+  </p:cSld>
+  <p:clrMapOvr>
+    <a:masterClrMapping/>
+  </p:clrMapOvr>
+</p:sld>
+</file>
+
+<file path=ppt/slides/slide12.xml><?xml version="1.0" encoding="utf-8"?>
+<p:sld xmlns:a="http://schemas.openxmlformats.org/drawingml/2006/main" xmlns:r="http://schemas.openxmlformats.org/officeDocument/2006/relationships" xmlns:p="http://schemas.openxmlformats.org/presentationml/2006/main">
+  <p:cSld>
+    <p:spTree>
+      <p:nvGrpSpPr>
+        <p:cNvPr id="1" name=""/>
+        <p:cNvGrpSpPr/>
+        <p:nvPr/>
+      </p:nvGrpSpPr>
+      <p:grpSpPr>
+        <a:xfrm>
+          <a:off x="0" y="0"/>
+          <a:ext cx="0" cy="0"/>
+          <a:chOff x="0" y="0"/>
+          <a:chExt cx="0" cy="0"/>
+        </a:xfrm>
+      </p:grpSpPr>
+      <p:sp>
+        <p:nvSpPr>
+          <p:cNvPr id="2" name="Title 1">
+            <a:extLst>
+              <a:ext uri="{FF2B5EF4-FFF2-40B4-BE49-F238E27FC236}">
+                <a16:creationId xmlns:a16="http://schemas.microsoft.com/office/drawing/2014/main" id="{1E4CEB70-9CAA-2C2C-34E2-FF4AF876EDFC}"/>
+              </a:ext>
+            </a:extLst>
+          </p:cNvPr>
+          <p:cNvSpPr>
+            <a:spLocks noGrp="1"/>
+          </p:cNvSpPr>
+          <p:nvPr>
+            <p:ph type="title"/>
+          </p:nvPr>
+        </p:nvSpPr>
+        <p:spPr>
+          <a:xfrm>
+            <a:off x="838200" y="1857495"/>
+            <a:ext cx="10515600" cy="2964671"/>
+          </a:xfrm>
+        </p:spPr>
+        <p:txBody>
+          <a:bodyPr>
+            <a:normAutofit/>
+          </a:bodyPr>
+          <a:lstStyle/>
+          <a:p>
+            <a:pPr algn="ctr"/>
+            <a:r>
+              <a:rPr lang="ru-RU" dirty="0"/>
+              <a:t>Пример розыгрыша 2с11р16а</a:t>
+            </a:r>
+            <a:br>
+              <a:rPr lang="ru-RU" dirty="0"/>
+            </a:br>
+            <a:br>
+              <a:rPr lang="ru-RU" dirty="0"/>
+            </a:br>
+            <a:r>
+              <a:rPr lang="ru-RU" dirty="0"/>
+              <a:t>(данные 2022 года)</a:t>
+            </a:r>
+            <a:endParaRPr lang="en-CH" dirty="0"/>
+          </a:p>
+        </p:txBody>
+      </p:sp>
+    </p:spTree>
+    <p:extLst>
+      <p:ext uri="{BB962C8B-B14F-4D97-AF65-F5344CB8AC3E}">
+        <p14:creationId xmlns:p14="http://schemas.microsoft.com/office/powerpoint/2010/main" val="12758571"/>
+      </p:ext>
+    </p:extLst>
+  </p:cSld>
+  <p:clrMapOvr>
+    <a:masterClrMapping/>
+  </p:clrMapOvr>
+</p:sld>
+</file>
+
+<file path=ppt/slides/slide13.xml><?xml version="1.0" encoding="utf-8"?>
+<p:sld xmlns:a="http://schemas.openxmlformats.org/drawingml/2006/main" xmlns:r="http://schemas.openxmlformats.org/officeDocument/2006/relationships" xmlns:p="http://schemas.openxmlformats.org/presentationml/2006/main">
+  <p:cSld>
+    <p:spTree>
+      <p:nvGrpSpPr>
+        <p:cNvPr id="1" name=""/>
+        <p:cNvGrpSpPr/>
+        <p:nvPr/>
+      </p:nvGrpSpPr>
+      <p:grpSpPr>
+        <a:xfrm>
+          <a:off x="0" y="0"/>
+          <a:ext cx="0" cy="0"/>
+          <a:chOff x="0" y="0"/>
+          <a:chExt cx="0" cy="0"/>
+        </a:xfrm>
+      </p:grpSpPr>
+      <p:sp>
+        <p:nvSpPr>
+          <p:cNvPr id="2" name="Title 1">
+            <a:extLst>
+              <a:ext uri="{FF2B5EF4-FFF2-40B4-BE49-F238E27FC236}">
+                <a16:creationId xmlns:a16="http://schemas.microsoft.com/office/drawing/2014/main" id="{477EA226-DBF2-42DE-78B0-EC21000997AD}"/>
+              </a:ext>
+            </a:extLst>
+          </p:cNvPr>
+          <p:cNvSpPr>
+            <a:spLocks noGrp="1"/>
+          </p:cNvSpPr>
+          <p:nvPr>
+            <p:ph type="title"/>
+          </p:nvPr>
+        </p:nvSpPr>
+        <p:spPr/>
+        <p:txBody>
+          <a:bodyPr/>
+          <a:lstStyle/>
+          <a:p>
+            <a:r>
+              <a:rPr lang="ru-RU" dirty="0"/>
+              <a:t>Пример на основе данных сезона 2022</a:t>
+            </a:r>
+            <a:endParaRPr lang="en-CH" dirty="0"/>
+          </a:p>
+        </p:txBody>
+      </p:sp>
+      <p:pic>
+        <p:nvPicPr>
+          <p:cNvPr id="5" name="Picture 4">
+            <a:extLst>
+              <a:ext uri="{FF2B5EF4-FFF2-40B4-BE49-F238E27FC236}">
+                <a16:creationId xmlns:a16="http://schemas.microsoft.com/office/drawing/2014/main" id="{A582C7FA-183B-93C6-B521-3CBAF6C9F04A}"/>
+              </a:ext>
+            </a:extLst>
+          </p:cNvPr>
+          <p:cNvPicPr>
+            <a:picLocks noChangeAspect="1"/>
+          </p:cNvPicPr>
+          <p:nvPr/>
+        </p:nvPicPr>
+        <p:blipFill>
+          <a:blip r:embed="rId2"/>
+          <a:stretch>
+            <a:fillRect/>
+          </a:stretch>
+        </p:blipFill>
+        <p:spPr>
+          <a:xfrm>
+            <a:off x="231710" y="1427583"/>
+            <a:ext cx="3039390" cy="5157302"/>
+          </a:xfrm>
+          <a:prstGeom prst="rect">
+            <a:avLst/>
+          </a:prstGeom>
+        </p:spPr>
+      </p:pic>
+      <p:pic>
+        <p:nvPicPr>
+          <p:cNvPr id="7" name="Picture 6">
+            <a:extLst>
+              <a:ext uri="{FF2B5EF4-FFF2-40B4-BE49-F238E27FC236}">
+                <a16:creationId xmlns:a16="http://schemas.microsoft.com/office/drawing/2014/main" id="{87D212F2-1F31-5925-6AFA-5A4393C9AECA}"/>
+              </a:ext>
+            </a:extLst>
+          </p:cNvPr>
+          <p:cNvPicPr>
+            <a:picLocks noChangeAspect="1"/>
+          </p:cNvPicPr>
+          <p:nvPr/>
+        </p:nvPicPr>
+        <p:blipFill>
+          <a:blip r:embed="rId3"/>
+          <a:stretch>
+            <a:fillRect/>
+          </a:stretch>
+        </p:blipFill>
+        <p:spPr>
+          <a:xfrm>
+            <a:off x="3336704" y="1427581"/>
+            <a:ext cx="3269760" cy="5157303"/>
+          </a:xfrm>
+          <a:prstGeom prst="rect">
+            <a:avLst/>
+          </a:prstGeom>
+        </p:spPr>
+      </p:pic>
+      <p:pic>
+        <p:nvPicPr>
+          <p:cNvPr id="9" name="Picture 8">
+            <a:extLst>
+              <a:ext uri="{FF2B5EF4-FFF2-40B4-BE49-F238E27FC236}">
+                <a16:creationId xmlns:a16="http://schemas.microsoft.com/office/drawing/2014/main" id="{E9D88C18-49F6-4943-A821-5E38031E985F}"/>
+              </a:ext>
+            </a:extLst>
+          </p:cNvPr>
+          <p:cNvPicPr>
+            <a:picLocks noChangeAspect="1"/>
+          </p:cNvPicPr>
+          <p:nvPr/>
+        </p:nvPicPr>
+        <p:blipFill>
+          <a:blip r:embed="rId4"/>
+          <a:stretch>
+            <a:fillRect/>
+          </a:stretch>
+        </p:blipFill>
+        <p:spPr>
+          <a:xfrm>
+            <a:off x="6414525" y="1427580"/>
+            <a:ext cx="2690443" cy="5157303"/>
+          </a:xfrm>
+          <a:prstGeom prst="rect">
+            <a:avLst/>
+          </a:prstGeom>
+        </p:spPr>
+      </p:pic>
+      <p:pic>
+        <p:nvPicPr>
+          <p:cNvPr id="11" name="Picture 10">
+            <a:extLst>
+              <a:ext uri="{FF2B5EF4-FFF2-40B4-BE49-F238E27FC236}">
+                <a16:creationId xmlns:a16="http://schemas.microsoft.com/office/drawing/2014/main" id="{2EC2094B-975B-1842-3A2F-DA63FD38403A}"/>
+              </a:ext>
+            </a:extLst>
+          </p:cNvPr>
+          <p:cNvPicPr>
+            <a:picLocks noChangeAspect="1"/>
+          </p:cNvPicPr>
+          <p:nvPr/>
+        </p:nvPicPr>
+        <p:blipFill>
+          <a:blip r:embed="rId5"/>
+          <a:stretch>
+            <a:fillRect/>
+          </a:stretch>
+        </p:blipFill>
+        <p:spPr>
+          <a:xfrm>
+            <a:off x="9212932" y="1427579"/>
+            <a:ext cx="2660161" cy="5157303"/>
+          </a:xfrm>
+          <a:prstGeom prst="rect">
+            <a:avLst/>
+          </a:prstGeom>
+        </p:spPr>
+      </p:pic>
+      <p:sp>
+        <p:nvSpPr>
+          <p:cNvPr id="12" name="Rectangle: Rounded Corners 11">
+            <a:extLst>
+              <a:ext uri="{FF2B5EF4-FFF2-40B4-BE49-F238E27FC236}">
+                <a16:creationId xmlns:a16="http://schemas.microsoft.com/office/drawing/2014/main" id="{ED430238-5AB7-2B99-17E9-21A417FC82FE}"/>
+              </a:ext>
+            </a:extLst>
+          </p:cNvPr>
+          <p:cNvSpPr/>
+          <p:nvPr/>
+        </p:nvSpPr>
+        <p:spPr>
+          <a:xfrm>
+            <a:off x="122309" y="1384449"/>
+            <a:ext cx="11750784" cy="1166331"/>
+          </a:xfrm>
+          <a:prstGeom prst="roundRect">
+            <a:avLst/>
+          </a:prstGeom>
+          <a:noFill/>
+          <a:ln w="28575">
+            <a:solidFill>
+              <a:schemeClr val="bg1">
+                <a:lumMod val="65000"/>
+              </a:schemeClr>
+            </a:solidFill>
+          </a:ln>
+        </p:spPr>
+        <p:style>
+          <a:lnRef idx="2">
+            <a:schemeClr val="accent1">
+              <a:shade val="15000"/>
+            </a:schemeClr>
+          </a:lnRef>
+          <a:fillRef idx="1">
+            <a:schemeClr val="accent1"/>
+          </a:fillRef>
+          <a:effectRef idx="0">
+            <a:schemeClr val="accent1"/>
+          </a:effectRef>
+          <a:fontRef idx="minor">
+            <a:schemeClr val="lt1"/>
+          </a:fontRef>
+        </p:style>
+        <p:txBody>
+          <a:bodyPr rtlCol="0" anchor="ctr"/>
+          <a:lstStyle/>
+          <a:p>
+            <a:pPr algn="ctr"/>
+            <a:endParaRPr lang="en-CH"/>
+          </a:p>
+        </p:txBody>
+      </p:sp>
+      <p:sp>
+        <p:nvSpPr>
+          <p:cNvPr id="13" name="Rectangle: Rounded Corners 12">
+            <a:extLst>
+              <a:ext uri="{FF2B5EF4-FFF2-40B4-BE49-F238E27FC236}">
+                <a16:creationId xmlns:a16="http://schemas.microsoft.com/office/drawing/2014/main" id="{7B6847C6-CCE8-48D0-E900-5E454DB2DDC8}"/>
+              </a:ext>
+            </a:extLst>
+          </p:cNvPr>
+          <p:cNvSpPr/>
+          <p:nvPr/>
+        </p:nvSpPr>
+        <p:spPr>
+          <a:xfrm>
+            <a:off x="122309" y="2713124"/>
+            <a:ext cx="11750784" cy="1166331"/>
+          </a:xfrm>
+          <a:prstGeom prst="roundRect">
+            <a:avLst/>
+          </a:prstGeom>
+          <a:noFill/>
+          <a:ln w="28575">
+            <a:solidFill>
+              <a:srgbClr val="00B0F0"/>
+            </a:solidFill>
+          </a:ln>
+        </p:spPr>
+        <p:style>
+          <a:lnRef idx="2">
+            <a:schemeClr val="accent1">
+              <a:shade val="15000"/>
+            </a:schemeClr>
+          </a:lnRef>
+          <a:fillRef idx="1">
+            <a:schemeClr val="accent1"/>
+          </a:fillRef>
+          <a:effectRef idx="0">
+            <a:schemeClr val="accent1"/>
+          </a:effectRef>
+          <a:fontRef idx="minor">
+            <a:schemeClr val="lt1"/>
+          </a:fontRef>
+        </p:style>
+        <p:txBody>
+          <a:bodyPr rtlCol="0" anchor="ctr"/>
+          <a:lstStyle/>
+          <a:p>
+            <a:pPr algn="ctr"/>
+            <a:endParaRPr lang="en-CH"/>
+          </a:p>
+        </p:txBody>
+      </p:sp>
+      <p:sp>
+        <p:nvSpPr>
+          <p:cNvPr id="15" name="Rectangle: Rounded Corners 14">
+            <a:extLst>
+              <a:ext uri="{FF2B5EF4-FFF2-40B4-BE49-F238E27FC236}">
+                <a16:creationId xmlns:a16="http://schemas.microsoft.com/office/drawing/2014/main" id="{2E65A1A1-9E0F-A19C-D028-5D04BED7CE94}"/>
+              </a:ext>
+            </a:extLst>
+          </p:cNvPr>
+          <p:cNvSpPr/>
+          <p:nvPr/>
+        </p:nvSpPr>
+        <p:spPr>
+          <a:xfrm>
+            <a:off x="122309" y="4041799"/>
+            <a:ext cx="11750784" cy="1166331"/>
+          </a:xfrm>
+          <a:prstGeom prst="roundRect">
+            <a:avLst/>
+          </a:prstGeom>
+          <a:noFill/>
+          <a:ln w="28575">
+            <a:solidFill>
+              <a:srgbClr val="C00000"/>
+            </a:solidFill>
+          </a:ln>
+        </p:spPr>
+        <p:style>
+          <a:lnRef idx="2">
+            <a:schemeClr val="accent1">
+              <a:shade val="15000"/>
+            </a:schemeClr>
+          </a:lnRef>
+          <a:fillRef idx="1">
+            <a:schemeClr val="accent1"/>
+          </a:fillRef>
+          <a:effectRef idx="0">
+            <a:schemeClr val="accent1"/>
+          </a:effectRef>
+          <a:fontRef idx="minor">
+            <a:schemeClr val="lt1"/>
+          </a:fontRef>
+        </p:style>
+        <p:txBody>
+          <a:bodyPr rtlCol="0" anchor="ctr"/>
+          <a:lstStyle/>
+          <a:p>
+            <a:pPr algn="ctr"/>
+            <a:endParaRPr lang="en-CH"/>
+          </a:p>
+        </p:txBody>
+      </p:sp>
+      <p:sp>
+        <p:nvSpPr>
+          <p:cNvPr id="16" name="Rectangle: Rounded Corners 15">
+            <a:extLst>
+              <a:ext uri="{FF2B5EF4-FFF2-40B4-BE49-F238E27FC236}">
+                <a16:creationId xmlns:a16="http://schemas.microsoft.com/office/drawing/2014/main" id="{9F314312-C8FE-C906-C28D-1BCA2E5D706D}"/>
+              </a:ext>
+            </a:extLst>
+          </p:cNvPr>
+          <p:cNvSpPr/>
+          <p:nvPr/>
+        </p:nvSpPr>
+        <p:spPr>
+          <a:xfrm>
+            <a:off x="122309" y="5370474"/>
+            <a:ext cx="11750784" cy="1166331"/>
+          </a:xfrm>
+          <a:prstGeom prst="roundRect">
+            <a:avLst/>
+          </a:prstGeom>
+          <a:noFill/>
+          <a:ln w="28575">
+            <a:solidFill>
+              <a:schemeClr val="accent4">
+                <a:lumMod val="75000"/>
+              </a:schemeClr>
+            </a:solidFill>
+          </a:ln>
+        </p:spPr>
+        <p:style>
+          <a:lnRef idx="2">
+            <a:schemeClr val="accent1">
+              <a:shade val="15000"/>
+            </a:schemeClr>
+          </a:lnRef>
+          <a:fillRef idx="1">
+            <a:schemeClr val="accent1"/>
+          </a:fillRef>
+          <a:effectRef idx="0">
+            <a:schemeClr val="accent1"/>
+          </a:effectRef>
+          <a:fontRef idx="minor">
+            <a:schemeClr val="lt1"/>
+          </a:fontRef>
+        </p:style>
+        <p:txBody>
+          <a:bodyPr rtlCol="0" anchor="ctr"/>
+          <a:lstStyle/>
+          <a:p>
+            <a:pPr algn="ctr"/>
+            <a:endParaRPr lang="en-CH"/>
+          </a:p>
+        </p:txBody>
+      </p:sp>
+    </p:spTree>
+    <p:extLst>
+      <p:ext uri="{BB962C8B-B14F-4D97-AF65-F5344CB8AC3E}">
+        <p14:creationId xmlns:p14="http://schemas.microsoft.com/office/powerpoint/2010/main" val="188368834"/>
+      </p:ext>
+    </p:extLst>
+  </p:cSld>
+  <p:clrMapOvr>
+    <a:masterClrMapping/>
+  </p:clrMapOvr>
+</p:sld>
+</file>
+
+<file path=ppt/slides/slide14.xml><?xml version="1.0" encoding="utf-8"?>
+<p:sld xmlns:a="http://schemas.openxmlformats.org/drawingml/2006/main" xmlns:r="http://schemas.openxmlformats.org/officeDocument/2006/relationships" xmlns:p="http://schemas.openxmlformats.org/presentationml/2006/main">
+  <p:cSld>
+    <p:spTree>
+      <p:nvGrpSpPr>
+        <p:cNvPr id="1" name=""/>
+        <p:cNvGrpSpPr/>
+        <p:nvPr/>
+      </p:nvGrpSpPr>
+      <p:grpSpPr>
+        <a:xfrm>
+          <a:off x="0" y="0"/>
+          <a:ext cx="0" cy="0"/>
+          <a:chOff x="0" y="0"/>
+          <a:chExt cx="0" cy="0"/>
+        </a:xfrm>
+      </p:grpSpPr>
+      <p:sp>
+        <p:nvSpPr>
+          <p:cNvPr id="2" name="Title 1">
+            <a:extLst>
+              <a:ext uri="{FF2B5EF4-FFF2-40B4-BE49-F238E27FC236}">
+                <a16:creationId xmlns:a16="http://schemas.microsoft.com/office/drawing/2014/main" id="{8B14A342-9269-0DCA-FE6A-BC4C40AF1250}"/>
+              </a:ext>
+            </a:extLst>
+          </p:cNvPr>
+          <p:cNvSpPr>
+            <a:spLocks noGrp="1"/>
+          </p:cNvSpPr>
+          <p:nvPr>
+            <p:ph type="title"/>
+          </p:nvPr>
+        </p:nvSpPr>
+        <p:spPr/>
+        <p:txBody>
+          <a:bodyPr/>
+          <a:lstStyle/>
+          <a:p>
+            <a:r>
+              <a:rPr lang="ru-RU" dirty="0"/>
+              <a:t>Результаты регулярного сезона</a:t>
+            </a:r>
+            <a:endParaRPr lang="en-CH" dirty="0"/>
+          </a:p>
+        </p:txBody>
+      </p:sp>
+      <p:pic>
+        <p:nvPicPr>
+          <p:cNvPr id="5" name="Content Placeholder 4">
+            <a:extLst>
+              <a:ext uri="{FF2B5EF4-FFF2-40B4-BE49-F238E27FC236}">
+                <a16:creationId xmlns:a16="http://schemas.microsoft.com/office/drawing/2014/main" id="{55250C40-29F2-3D5B-F76D-B26DCA0F9F01}"/>
+              </a:ext>
+            </a:extLst>
+          </p:cNvPr>
+          <p:cNvPicPr>
+            <a:picLocks noGrp="1" noChangeAspect="1"/>
+          </p:cNvPicPr>
+          <p:nvPr>
+            <p:ph idx="1"/>
+          </p:nvPr>
+        </p:nvPicPr>
+        <p:blipFill>
+          <a:blip r:embed="rId2"/>
+          <a:stretch>
+            <a:fillRect/>
+          </a:stretch>
+        </p:blipFill>
+        <p:spPr>
+          <a:xfrm>
+            <a:off x="268857" y="2568900"/>
+            <a:ext cx="9919585" cy="4185581"/>
+          </a:xfrm>
+        </p:spPr>
+      </p:pic>
+      <p:sp>
+        <p:nvSpPr>
+          <p:cNvPr id="6" name="Arrow: Left 5">
+            <a:extLst>
+              <a:ext uri="{FF2B5EF4-FFF2-40B4-BE49-F238E27FC236}">
+                <a16:creationId xmlns:a16="http://schemas.microsoft.com/office/drawing/2014/main" id="{90B0B3DF-92D4-C648-1749-BB163B365ACA}"/>
+              </a:ext>
+            </a:extLst>
+          </p:cNvPr>
+          <p:cNvSpPr/>
+          <p:nvPr/>
+        </p:nvSpPr>
+        <p:spPr>
+          <a:xfrm>
+            <a:off x="10041792" y="4661690"/>
+            <a:ext cx="689467" cy="301925"/>
+          </a:xfrm>
+          <a:prstGeom prst="leftArrow">
+            <a:avLst/>
+          </a:prstGeom>
+        </p:spPr>
+        <p:style>
+          <a:lnRef idx="2">
+            <a:schemeClr val="accent2">
+              <a:shade val="15000"/>
+            </a:schemeClr>
+          </a:lnRef>
+          <a:fillRef idx="1">
+            <a:schemeClr val="accent2"/>
+          </a:fillRef>
+          <a:effectRef idx="0">
+            <a:schemeClr val="accent2"/>
+          </a:effectRef>
+          <a:fontRef idx="minor">
+            <a:schemeClr val="lt1"/>
+          </a:fontRef>
+        </p:style>
+        <p:txBody>
+          <a:bodyPr rtlCol="0" anchor="ctr"/>
+          <a:lstStyle/>
+          <a:p>
+            <a:pPr algn="ctr"/>
+            <a:endParaRPr lang="en-CH"/>
+          </a:p>
+        </p:txBody>
+      </p:sp>
+      <p:sp>
+        <p:nvSpPr>
+          <p:cNvPr id="7" name="Arrow: Left 6">
+            <a:extLst>
+              <a:ext uri="{FF2B5EF4-FFF2-40B4-BE49-F238E27FC236}">
+                <a16:creationId xmlns:a16="http://schemas.microsoft.com/office/drawing/2014/main" id="{E769564E-D850-610C-0AEC-FF6CEEC527F5}"/>
+              </a:ext>
+            </a:extLst>
+          </p:cNvPr>
+          <p:cNvSpPr/>
+          <p:nvPr/>
+        </p:nvSpPr>
+        <p:spPr>
+          <a:xfrm>
+            <a:off x="10041791" y="6099426"/>
+            <a:ext cx="689467" cy="301925"/>
+          </a:xfrm>
+          <a:prstGeom prst="leftArrow">
+            <a:avLst/>
+          </a:prstGeom>
+        </p:spPr>
+        <p:style>
+          <a:lnRef idx="2">
+            <a:schemeClr val="accent5">
+              <a:shade val="15000"/>
+            </a:schemeClr>
+          </a:lnRef>
+          <a:fillRef idx="1">
+            <a:schemeClr val="accent5"/>
+          </a:fillRef>
+          <a:effectRef idx="0">
+            <a:schemeClr val="accent5"/>
+          </a:effectRef>
+          <a:fontRef idx="minor">
+            <a:schemeClr val="lt1"/>
+          </a:fontRef>
+        </p:style>
+        <p:txBody>
+          <a:bodyPr rtlCol="0" anchor="ctr"/>
+          <a:lstStyle/>
+          <a:p>
+            <a:pPr algn="ctr"/>
+            <a:endParaRPr lang="en-CH"/>
+          </a:p>
+        </p:txBody>
+      </p:sp>
+      <p:sp>
+        <p:nvSpPr>
+          <p:cNvPr id="8" name="TextBox 7">
+            <a:extLst>
+              <a:ext uri="{FF2B5EF4-FFF2-40B4-BE49-F238E27FC236}">
+                <a16:creationId xmlns:a16="http://schemas.microsoft.com/office/drawing/2014/main" id="{191F906B-829D-B660-B8AE-8F5C0B5C2CB0}"/>
+              </a:ext>
+            </a:extLst>
+          </p:cNvPr>
+          <p:cNvSpPr txBox="1"/>
+          <p:nvPr/>
+        </p:nvSpPr>
+        <p:spPr>
+          <a:xfrm>
+            <a:off x="8850702" y="1719256"/>
+            <a:ext cx="1802921" cy="954107"/>
+          </a:xfrm>
+          <a:prstGeom prst="rect">
+            <a:avLst/>
+          </a:prstGeom>
+          <a:noFill/>
+        </p:spPr>
+        <p:txBody>
+          <a:bodyPr wrap="square" rtlCol="0">
+            <a:spAutoFit/>
+          </a:bodyPr>
+          <a:lstStyle/>
+          <a:p>
+            <a:r>
+              <a:rPr lang="ru-RU" sz="1400" b="1" dirty="0"/>
+              <a:t>Очки набранные футболистами, выбранными по имени</a:t>
+            </a:r>
+            <a:endParaRPr lang="en-CH" sz="1400" b="1" dirty="0"/>
+          </a:p>
+        </p:txBody>
+      </p:sp>
+    </p:spTree>
+    <p:extLst>
+      <p:ext uri="{BB962C8B-B14F-4D97-AF65-F5344CB8AC3E}">
+        <p14:creationId xmlns:p14="http://schemas.microsoft.com/office/powerpoint/2010/main" val="1874030987"/>
+      </p:ext>
+    </p:extLst>
+  </p:cSld>
+  <p:clrMapOvr>
+    <a:masterClrMapping/>
+  </p:clrMapOvr>
+</p:sld>
+</file>
+
+<file path=ppt/slides/slide15.xml><?xml version="1.0" encoding="utf-8"?>
+<p:sld xmlns:a="http://schemas.openxmlformats.org/drawingml/2006/main" xmlns:r="http://schemas.openxmlformats.org/officeDocument/2006/relationships" xmlns:p="http://schemas.openxmlformats.org/presentationml/2006/main">
+  <p:cSld>
+    <p:spTree>
+      <p:nvGrpSpPr>
+        <p:cNvPr id="1" name=""/>
+        <p:cNvGrpSpPr/>
+        <p:nvPr/>
+      </p:nvGrpSpPr>
+      <p:grpSpPr>
+        <a:xfrm>
+          <a:off x="0" y="0"/>
+          <a:ext cx="0" cy="0"/>
+          <a:chOff x="0" y="0"/>
+          <a:chExt cx="0" cy="0"/>
+        </a:xfrm>
+      </p:grpSpPr>
+      <p:sp>
+        <p:nvSpPr>
+          <p:cNvPr id="2" name="Title 1">
+            <a:extLst>
+              <a:ext uri="{FF2B5EF4-FFF2-40B4-BE49-F238E27FC236}">
+                <a16:creationId xmlns:a16="http://schemas.microsoft.com/office/drawing/2014/main" id="{477EA226-DBF2-42DE-78B0-EC21000997AD}"/>
+              </a:ext>
+            </a:extLst>
+          </p:cNvPr>
+          <p:cNvSpPr>
+            <a:spLocks noGrp="1"/>
+          </p:cNvSpPr>
+          <p:nvPr>
+            <p:ph type="title"/>
+          </p:nvPr>
+        </p:nvSpPr>
+        <p:spPr/>
+        <p:txBody>
+          <a:bodyPr/>
+          <a:lstStyle/>
+          <a:p>
+            <a:r>
+              <a:rPr lang="ru-RU" dirty="0"/>
+              <a:t>Пример на основе данных сезона 2022</a:t>
+            </a:r>
+            <a:endParaRPr lang="en-CH" dirty="0"/>
+          </a:p>
+        </p:txBody>
+      </p:sp>
+      <p:pic>
+        <p:nvPicPr>
+          <p:cNvPr id="5" name="Picture 4">
+            <a:extLst>
+              <a:ext uri="{FF2B5EF4-FFF2-40B4-BE49-F238E27FC236}">
+                <a16:creationId xmlns:a16="http://schemas.microsoft.com/office/drawing/2014/main" id="{A582C7FA-183B-93C6-B521-3CBAF6C9F04A}"/>
+              </a:ext>
+            </a:extLst>
+          </p:cNvPr>
+          <p:cNvPicPr>
+            <a:picLocks noChangeAspect="1"/>
+          </p:cNvPicPr>
+          <p:nvPr/>
+        </p:nvPicPr>
+        <p:blipFill>
+          <a:blip r:embed="rId2"/>
+          <a:stretch>
+            <a:fillRect/>
+          </a:stretch>
+        </p:blipFill>
+        <p:spPr>
+          <a:xfrm>
+            <a:off x="231710" y="1427583"/>
+            <a:ext cx="3039390" cy="5157302"/>
+          </a:xfrm>
+          <a:prstGeom prst="rect">
+            <a:avLst/>
+          </a:prstGeom>
+        </p:spPr>
+      </p:pic>
+      <p:pic>
+        <p:nvPicPr>
+          <p:cNvPr id="7" name="Picture 6">
+            <a:extLst>
+              <a:ext uri="{FF2B5EF4-FFF2-40B4-BE49-F238E27FC236}">
+                <a16:creationId xmlns:a16="http://schemas.microsoft.com/office/drawing/2014/main" id="{87D212F2-1F31-5925-6AFA-5A4393C9AECA}"/>
+              </a:ext>
+            </a:extLst>
+          </p:cNvPr>
+          <p:cNvPicPr>
+            <a:picLocks noChangeAspect="1"/>
+          </p:cNvPicPr>
+          <p:nvPr/>
+        </p:nvPicPr>
+        <p:blipFill>
+          <a:blip r:embed="rId3"/>
+          <a:stretch>
+            <a:fillRect/>
+          </a:stretch>
+        </p:blipFill>
+        <p:spPr>
+          <a:xfrm>
+            <a:off x="3336704" y="1427581"/>
+            <a:ext cx="3269760" cy="5157303"/>
+          </a:xfrm>
+          <a:prstGeom prst="rect">
+            <a:avLst/>
+          </a:prstGeom>
+        </p:spPr>
+      </p:pic>
+      <p:pic>
+        <p:nvPicPr>
+          <p:cNvPr id="9" name="Picture 8">
+            <a:extLst>
+              <a:ext uri="{FF2B5EF4-FFF2-40B4-BE49-F238E27FC236}">
+                <a16:creationId xmlns:a16="http://schemas.microsoft.com/office/drawing/2014/main" id="{E9D88C18-49F6-4943-A821-5E38031E985F}"/>
+              </a:ext>
+            </a:extLst>
+          </p:cNvPr>
+          <p:cNvPicPr>
+            <a:picLocks noChangeAspect="1"/>
+          </p:cNvPicPr>
+          <p:nvPr/>
+        </p:nvPicPr>
+        <p:blipFill>
+          <a:blip r:embed="rId4"/>
+          <a:stretch>
+            <a:fillRect/>
+          </a:stretch>
+        </p:blipFill>
+        <p:spPr>
+          <a:xfrm>
+            <a:off x="6414525" y="1427580"/>
+            <a:ext cx="2690443" cy="5157303"/>
+          </a:xfrm>
+          <a:prstGeom prst="rect">
+            <a:avLst/>
+          </a:prstGeom>
+        </p:spPr>
+      </p:pic>
+      <p:pic>
+        <p:nvPicPr>
+          <p:cNvPr id="11" name="Picture 10">
+            <a:extLst>
+              <a:ext uri="{FF2B5EF4-FFF2-40B4-BE49-F238E27FC236}">
+                <a16:creationId xmlns:a16="http://schemas.microsoft.com/office/drawing/2014/main" id="{2EC2094B-975B-1842-3A2F-DA63FD38403A}"/>
+              </a:ext>
+            </a:extLst>
+          </p:cNvPr>
+          <p:cNvPicPr>
+            <a:picLocks noChangeAspect="1"/>
+          </p:cNvPicPr>
+          <p:nvPr/>
+        </p:nvPicPr>
+        <p:blipFill>
+          <a:blip r:embed="rId5"/>
+          <a:stretch>
+            <a:fillRect/>
+          </a:stretch>
+        </p:blipFill>
+        <p:spPr>
+          <a:xfrm>
+            <a:off x="9212932" y="1427579"/>
+            <a:ext cx="2660161" cy="5157303"/>
+          </a:xfrm>
+          <a:prstGeom prst="rect">
+            <a:avLst/>
+          </a:prstGeom>
+        </p:spPr>
+      </p:pic>
+      <p:sp>
+        <p:nvSpPr>
+          <p:cNvPr id="12" name="Rectangle: Rounded Corners 11">
+            <a:extLst>
+              <a:ext uri="{FF2B5EF4-FFF2-40B4-BE49-F238E27FC236}">
+                <a16:creationId xmlns:a16="http://schemas.microsoft.com/office/drawing/2014/main" id="{ED430238-5AB7-2B99-17E9-21A417FC82FE}"/>
+              </a:ext>
+            </a:extLst>
+          </p:cNvPr>
+          <p:cNvSpPr/>
+          <p:nvPr/>
+        </p:nvSpPr>
+        <p:spPr>
+          <a:xfrm>
+            <a:off x="122309" y="1384449"/>
+            <a:ext cx="11750784" cy="1166331"/>
+          </a:xfrm>
+          <a:prstGeom prst="roundRect">
+            <a:avLst/>
+          </a:prstGeom>
+          <a:noFill/>
+          <a:ln w="28575">
+            <a:solidFill>
+              <a:schemeClr val="bg1">
+                <a:lumMod val="65000"/>
+              </a:schemeClr>
+            </a:solidFill>
+          </a:ln>
+        </p:spPr>
+        <p:style>
+          <a:lnRef idx="2">
+            <a:schemeClr val="accent1">
+              <a:shade val="15000"/>
+            </a:schemeClr>
+          </a:lnRef>
+          <a:fillRef idx="1">
+            <a:schemeClr val="accent1"/>
+          </a:fillRef>
+          <a:effectRef idx="0">
+            <a:schemeClr val="accent1"/>
+          </a:effectRef>
+          <a:fontRef idx="minor">
+            <a:schemeClr val="lt1"/>
+          </a:fontRef>
+        </p:style>
+        <p:txBody>
+          <a:bodyPr rtlCol="0" anchor="ctr"/>
+          <a:lstStyle/>
+          <a:p>
+            <a:pPr algn="ctr"/>
+            <a:endParaRPr lang="en-CH"/>
+          </a:p>
+        </p:txBody>
+      </p:sp>
+      <p:sp>
+        <p:nvSpPr>
+          <p:cNvPr id="13" name="Rectangle: Rounded Corners 12">
+            <a:extLst>
+              <a:ext uri="{FF2B5EF4-FFF2-40B4-BE49-F238E27FC236}">
+                <a16:creationId xmlns:a16="http://schemas.microsoft.com/office/drawing/2014/main" id="{7B6847C6-CCE8-48D0-E900-5E454DB2DDC8}"/>
+              </a:ext>
+            </a:extLst>
+          </p:cNvPr>
+          <p:cNvSpPr/>
+          <p:nvPr/>
+        </p:nvSpPr>
+        <p:spPr>
+          <a:xfrm>
+            <a:off x="122309" y="2713124"/>
+            <a:ext cx="11750784" cy="1166331"/>
+          </a:xfrm>
+          <a:prstGeom prst="roundRect">
+            <a:avLst/>
+          </a:prstGeom>
+          <a:noFill/>
+          <a:ln w="28575">
+            <a:solidFill>
+              <a:srgbClr val="00B0F0"/>
+            </a:solidFill>
+          </a:ln>
+        </p:spPr>
+        <p:style>
+          <a:lnRef idx="2">
+            <a:schemeClr val="accent1">
+              <a:shade val="15000"/>
+            </a:schemeClr>
+          </a:lnRef>
+          <a:fillRef idx="1">
+            <a:schemeClr val="accent1"/>
+          </a:fillRef>
+          <a:effectRef idx="0">
+            <a:schemeClr val="accent1"/>
+          </a:effectRef>
+          <a:fontRef idx="minor">
+            <a:schemeClr val="lt1"/>
+          </a:fontRef>
+        </p:style>
+        <p:txBody>
+          <a:bodyPr rtlCol="0" anchor="ctr"/>
+          <a:lstStyle/>
+          <a:p>
+            <a:pPr algn="ctr"/>
+            <a:endParaRPr lang="en-CH"/>
+          </a:p>
+        </p:txBody>
+      </p:sp>
+      <p:sp>
+        <p:nvSpPr>
+          <p:cNvPr id="15" name="Rectangle: Rounded Corners 14">
+            <a:extLst>
+              <a:ext uri="{FF2B5EF4-FFF2-40B4-BE49-F238E27FC236}">
+                <a16:creationId xmlns:a16="http://schemas.microsoft.com/office/drawing/2014/main" id="{2E65A1A1-9E0F-A19C-D028-5D04BED7CE94}"/>
+              </a:ext>
+            </a:extLst>
+          </p:cNvPr>
+          <p:cNvSpPr/>
+          <p:nvPr/>
+        </p:nvSpPr>
+        <p:spPr>
+          <a:xfrm>
+            <a:off x="122309" y="4041799"/>
+            <a:ext cx="11750784" cy="1166331"/>
+          </a:xfrm>
+          <a:prstGeom prst="roundRect">
+            <a:avLst/>
+          </a:prstGeom>
+          <a:noFill/>
+          <a:ln w="28575">
+            <a:solidFill>
+              <a:srgbClr val="C00000"/>
+            </a:solidFill>
+          </a:ln>
+        </p:spPr>
+        <p:style>
+          <a:lnRef idx="2">
+            <a:schemeClr val="accent1">
+              <a:shade val="15000"/>
+            </a:schemeClr>
+          </a:lnRef>
+          <a:fillRef idx="1">
+            <a:schemeClr val="accent1"/>
+          </a:fillRef>
+          <a:effectRef idx="0">
+            <a:schemeClr val="accent1"/>
+          </a:effectRef>
+          <a:fontRef idx="minor">
+            <a:schemeClr val="lt1"/>
+          </a:fontRef>
+        </p:style>
+        <p:txBody>
+          <a:bodyPr rtlCol="0" anchor="ctr"/>
+          <a:lstStyle/>
+          <a:p>
+            <a:pPr algn="ctr"/>
+            <a:endParaRPr lang="en-CH"/>
+          </a:p>
+        </p:txBody>
+      </p:sp>
+      <p:sp>
+        <p:nvSpPr>
+          <p:cNvPr id="16" name="Rectangle: Rounded Corners 15">
+            <a:extLst>
+              <a:ext uri="{FF2B5EF4-FFF2-40B4-BE49-F238E27FC236}">
+                <a16:creationId xmlns:a16="http://schemas.microsoft.com/office/drawing/2014/main" id="{9F314312-C8FE-C906-C28D-1BCA2E5D706D}"/>
+              </a:ext>
+            </a:extLst>
+          </p:cNvPr>
+          <p:cNvSpPr/>
+          <p:nvPr/>
+        </p:nvSpPr>
+        <p:spPr>
+          <a:xfrm>
+            <a:off x="122309" y="5370474"/>
+            <a:ext cx="11750784" cy="1166331"/>
+          </a:xfrm>
+          <a:prstGeom prst="roundRect">
+            <a:avLst/>
+          </a:prstGeom>
+          <a:noFill/>
+          <a:ln w="28575">
+            <a:solidFill>
+              <a:schemeClr val="accent4">
+                <a:lumMod val="75000"/>
+              </a:schemeClr>
+            </a:solidFill>
+          </a:ln>
+        </p:spPr>
+        <p:style>
+          <a:lnRef idx="2">
+            <a:schemeClr val="accent1">
+              <a:shade val="15000"/>
+            </a:schemeClr>
+          </a:lnRef>
+          <a:fillRef idx="1">
+            <a:schemeClr val="accent1"/>
+          </a:fillRef>
+          <a:effectRef idx="0">
+            <a:schemeClr val="accent1"/>
+          </a:effectRef>
+          <a:fontRef idx="minor">
+            <a:schemeClr val="lt1"/>
+          </a:fontRef>
+        </p:style>
+        <p:txBody>
+          <a:bodyPr rtlCol="0" anchor="ctr"/>
+          <a:lstStyle/>
+          <a:p>
+            <a:pPr algn="ctr"/>
+            <a:endParaRPr lang="en-CH"/>
+          </a:p>
+        </p:txBody>
+      </p:sp>
+      <p:sp>
+        <p:nvSpPr>
+          <p:cNvPr id="3" name="Arrow: Left 2">
+            <a:extLst>
+              <a:ext uri="{FF2B5EF4-FFF2-40B4-BE49-F238E27FC236}">
+                <a16:creationId xmlns:a16="http://schemas.microsoft.com/office/drawing/2014/main" id="{3260893F-F56D-B64E-FBF6-67EB2E2826C3}"/>
+              </a:ext>
+            </a:extLst>
+          </p:cNvPr>
+          <p:cNvSpPr/>
+          <p:nvPr/>
+        </p:nvSpPr>
+        <p:spPr>
+          <a:xfrm>
+            <a:off x="8415501" y="1762122"/>
+            <a:ext cx="689467" cy="301925"/>
+          </a:xfrm>
+          <a:prstGeom prst="leftArrow">
+            <a:avLst/>
+          </a:prstGeom>
+        </p:spPr>
+        <p:style>
+          <a:lnRef idx="2">
+            <a:schemeClr val="accent2">
+              <a:shade val="15000"/>
+            </a:schemeClr>
+          </a:lnRef>
+          <a:fillRef idx="1">
+            <a:schemeClr val="accent2"/>
+          </a:fillRef>
+          <a:effectRef idx="0">
+            <a:schemeClr val="accent2"/>
+          </a:effectRef>
+          <a:fontRef idx="minor">
+            <a:schemeClr val="lt1"/>
+          </a:fontRef>
+        </p:style>
+        <p:txBody>
+          <a:bodyPr rtlCol="0" anchor="ctr"/>
+          <a:lstStyle/>
+          <a:p>
+            <a:pPr algn="ctr"/>
+            <a:endParaRPr lang="en-CH"/>
+          </a:p>
+        </p:txBody>
+      </p:sp>
+      <p:sp>
+        <p:nvSpPr>
+          <p:cNvPr id="4" name="Arrow: Left 3">
+            <a:extLst>
+              <a:ext uri="{FF2B5EF4-FFF2-40B4-BE49-F238E27FC236}">
+                <a16:creationId xmlns:a16="http://schemas.microsoft.com/office/drawing/2014/main" id="{9BD9AC3E-4067-9580-5C67-6083D20E3DC5}"/>
+              </a:ext>
+            </a:extLst>
+          </p:cNvPr>
+          <p:cNvSpPr/>
+          <p:nvPr/>
+        </p:nvSpPr>
+        <p:spPr>
+          <a:xfrm>
+            <a:off x="11395498" y="4474001"/>
+            <a:ext cx="689467" cy="301925"/>
+          </a:xfrm>
+          <a:prstGeom prst="leftArrow">
+            <a:avLst/>
+          </a:prstGeom>
+        </p:spPr>
+        <p:style>
+          <a:lnRef idx="2">
+            <a:schemeClr val="accent5">
+              <a:shade val="15000"/>
+            </a:schemeClr>
+          </a:lnRef>
+          <a:fillRef idx="1">
+            <a:schemeClr val="accent5"/>
+          </a:fillRef>
+          <a:effectRef idx="0">
+            <a:schemeClr val="accent5"/>
+          </a:effectRef>
+          <a:fontRef idx="minor">
+            <a:schemeClr val="lt1"/>
+          </a:fontRef>
+        </p:style>
+        <p:txBody>
+          <a:bodyPr rtlCol="0" anchor="ctr"/>
+          <a:lstStyle/>
+          <a:p>
+            <a:pPr algn="ctr"/>
+            <a:endParaRPr lang="en-CH"/>
+          </a:p>
+        </p:txBody>
+      </p:sp>
+    </p:spTree>
+    <p:extLst>
+      <p:ext uri="{BB962C8B-B14F-4D97-AF65-F5344CB8AC3E}">
+        <p14:creationId xmlns:p14="http://schemas.microsoft.com/office/powerpoint/2010/main" val="2072063641"/>
+      </p:ext>
+    </p:extLst>
+  </p:cSld>
+  <p:clrMapOvr>
+    <a:masterClrMapping/>
+  </p:clrMapOvr>
+</p:sld>
+</file>
+
+<file path=ppt/slides/slide16.xml><?xml version="1.0" encoding="utf-8"?>
+<p:sld xmlns:a="http://schemas.openxmlformats.org/drawingml/2006/main" xmlns:r="http://schemas.openxmlformats.org/officeDocument/2006/relationships" xmlns:p="http://schemas.openxmlformats.org/presentationml/2006/main">
+  <p:cSld>
+    <p:bg>
+      <p:bgPr>
+        <a:solidFill>
+          <a:schemeClr val="bg1"/>
+        </a:solidFill>
+        <a:effectLst/>
+      </p:bgPr>
+    </p:bg>
+    <p:spTree>
+      <p:nvGrpSpPr>
+        <p:cNvPr id="1" name=""/>
+        <p:cNvGrpSpPr/>
+        <p:nvPr/>
+      </p:nvGrpSpPr>
+      <p:grpSpPr>
+        <a:xfrm>
+          <a:off x="0" y="0"/>
+          <a:ext cx="0" cy="0"/>
+          <a:chOff x="0" y="0"/>
+          <a:chExt cx="0" cy="0"/>
+        </a:xfrm>
+      </p:grpSpPr>
+      <p:sp useBgFill="1">
+        <p:nvSpPr>
+          <p:cNvPr id="10" name="Rectangle 9">
+            <a:extLst>
+              <a:ext uri="{FF2B5EF4-FFF2-40B4-BE49-F238E27FC236}">
+                <a16:creationId xmlns:a16="http://schemas.microsoft.com/office/drawing/2014/main" id="{665DBBEF-238B-476B-96AB-8AAC3224ECEA}"/>
+              </a:ext>
+              <a:ext uri="{C183D7F6-B498-43B3-948B-1728B52AA6E4}">
+                <adec:decorative xmlns:adec="http://schemas.microsoft.com/office/drawing/2017/decorative" val="1"/>
+              </a:ext>
+            </a:extLst>
+          </p:cNvPr>
+          <p:cNvSpPr>
+            <a:spLocks noGrp="1" noRot="1" noChangeAspect="1" noMove="1" noResize="1" noEditPoints="1" noAdjustHandles="1" noChangeArrowheads="1" noChangeShapeType="1" noTextEdit="1"/>
+          </p:cNvSpPr>
+          <p:nvPr>
+            <p:extLst>
+              <p:ext uri="{386F3935-93C4-4BCD-93E2-E3B085C9AB24}">
+                <p16:designElem xmlns:p16="http://schemas.microsoft.com/office/powerpoint/2015/main" val="1"/>
+              </p:ext>
+            </p:extLst>
+          </p:nvPr>
+        </p:nvSpPr>
+        <p:spPr>
+          <a:xfrm>
+            <a:off x="0" y="0"/>
+            <a:ext cx="12192000" cy="6858000"/>
+          </a:xfrm>
+          <a:prstGeom prst="rect">
+            <a:avLst/>
+          </a:prstGeom>
+          <a:ln>
+            <a:noFill/>
+          </a:ln>
+        </p:spPr>
+        <p:style>
+          <a:lnRef idx="2">
+            <a:schemeClr val="accent1">
+              <a:shade val="50000"/>
+            </a:schemeClr>
+          </a:lnRef>
+          <a:fillRef idx="1">
+            <a:schemeClr val="accent1"/>
+          </a:fillRef>
+          <a:effectRef idx="0">
+            <a:schemeClr val="accent1"/>
+          </a:effectRef>
+          <a:fontRef idx="minor">
+            <a:schemeClr val="lt1"/>
+          </a:fontRef>
+        </p:style>
+        <p:txBody>
+          <a:bodyPr rtlCol="0" anchor="ctr"/>
+          <a:lstStyle/>
+          <a:p>
+            <a:pPr algn="ctr"/>
+            <a:endParaRPr lang="en-US"/>
+          </a:p>
+        </p:txBody>
+      </p:sp>
+      <p:sp>
+        <p:nvSpPr>
+          <p:cNvPr id="2" name="Title 1">
+            <a:extLst>
+              <a:ext uri="{FF2B5EF4-FFF2-40B4-BE49-F238E27FC236}">
+                <a16:creationId xmlns:a16="http://schemas.microsoft.com/office/drawing/2014/main" id="{3E0662F2-E51E-8869-7320-17933420B3D3}"/>
+              </a:ext>
+            </a:extLst>
+          </p:cNvPr>
+          <p:cNvSpPr>
+            <a:spLocks noGrp="1"/>
+          </p:cNvSpPr>
+          <p:nvPr>
+            <p:ph type="title"/>
+          </p:nvPr>
+        </p:nvSpPr>
+        <p:spPr>
+          <a:xfrm>
+            <a:off x="638882" y="639193"/>
+            <a:ext cx="3571810" cy="3573516"/>
+          </a:xfrm>
+        </p:spPr>
+        <p:txBody>
+          <a:bodyPr vert="horz" lIns="91440" tIns="45720" rIns="91440" bIns="45720" rtlCol="0" anchor="b">
+            <a:normAutofit/>
+          </a:bodyPr>
+          <a:lstStyle/>
+          <a:p>
+            <a:r>
+              <a:rPr lang="en-US" sz="5100" kern="1200">
+                <a:solidFill>
+                  <a:schemeClr val="tx1"/>
+                </a:solidFill>
+                <a:latin typeface="+mj-lt"/>
+                <a:ea typeface="+mj-ea"/>
+                <a:cs typeface="+mj-cs"/>
+              </a:rPr>
+              <a:t>Результаты регулярного сезона в дивизионах</a:t>
+            </a:r>
+          </a:p>
+        </p:txBody>
+      </p:sp>
+      <p:sp>
+        <p:nvSpPr>
+          <p:cNvPr id="12" name="sketch line">
+            <a:extLst>
+              <a:ext uri="{FF2B5EF4-FFF2-40B4-BE49-F238E27FC236}">
+                <a16:creationId xmlns:a16="http://schemas.microsoft.com/office/drawing/2014/main" id="{3FCFB1DE-0B7E-48CC-BA90-B2AB0889F9D6}"/>
+              </a:ext>
+              <a:ext uri="{C183D7F6-B498-43B3-948B-1728B52AA6E4}">
+                <adec:decorative xmlns:adec="http://schemas.microsoft.com/office/drawing/2017/decorative" val="1"/>
+              </a:ext>
+            </a:extLst>
+          </p:cNvPr>
+          <p:cNvSpPr>
+            <a:spLocks noGrp="1" noRot="1" noChangeAspect="1" noMove="1" noResize="1" noEditPoints="1" noAdjustHandles="1" noChangeArrowheads="1" noChangeShapeType="1" noTextEdit="1"/>
+          </p:cNvSpPr>
+          <p:nvPr>
+            <p:extLst>
+              <p:ext uri="{386F3935-93C4-4BCD-93E2-E3B085C9AB24}">
+                <p16:designElem xmlns:p16="http://schemas.microsoft.com/office/powerpoint/2015/main" val="1"/>
+              </p:ext>
+            </p:extLst>
+          </p:nvPr>
+        </p:nvSpPr>
+        <p:spPr>
+          <a:xfrm>
+            <a:off x="643278" y="4409267"/>
+            <a:ext cx="3255095" cy="18288"/>
+          </a:xfrm>
+          <a:custGeom>
+            <a:avLst/>
+            <a:gdLst>
+              <a:gd name="connsiteX0" fmla="*/ 0 w 3255095"/>
+              <a:gd name="connsiteY0" fmla="*/ 0 h 18288"/>
+              <a:gd name="connsiteX1" fmla="*/ 618468 w 3255095"/>
+              <a:gd name="connsiteY1" fmla="*/ 0 h 18288"/>
+              <a:gd name="connsiteX2" fmla="*/ 1269487 w 3255095"/>
+              <a:gd name="connsiteY2" fmla="*/ 0 h 18288"/>
+              <a:gd name="connsiteX3" fmla="*/ 1953057 w 3255095"/>
+              <a:gd name="connsiteY3" fmla="*/ 0 h 18288"/>
+              <a:gd name="connsiteX4" fmla="*/ 2636627 w 3255095"/>
+              <a:gd name="connsiteY4" fmla="*/ 0 h 18288"/>
+              <a:gd name="connsiteX5" fmla="*/ 3255095 w 3255095"/>
+              <a:gd name="connsiteY5" fmla="*/ 0 h 18288"/>
+              <a:gd name="connsiteX6" fmla="*/ 3255095 w 3255095"/>
+              <a:gd name="connsiteY6" fmla="*/ 18288 h 18288"/>
+              <a:gd name="connsiteX7" fmla="*/ 2538974 w 3255095"/>
+              <a:gd name="connsiteY7" fmla="*/ 18288 h 18288"/>
+              <a:gd name="connsiteX8" fmla="*/ 1822853 w 3255095"/>
+              <a:gd name="connsiteY8" fmla="*/ 18288 h 18288"/>
+              <a:gd name="connsiteX9" fmla="*/ 1171834 w 3255095"/>
+              <a:gd name="connsiteY9" fmla="*/ 18288 h 18288"/>
+              <a:gd name="connsiteX10" fmla="*/ 0 w 3255095"/>
+              <a:gd name="connsiteY10" fmla="*/ 18288 h 18288"/>
+              <a:gd name="connsiteX11" fmla="*/ 0 w 3255095"/>
+              <a:gd name="connsiteY11" fmla="*/ 0 h 18288"/>
+            </a:gdLst>
+            <a:ahLst/>
+            <a:cxnLst>
+              <a:cxn ang="0">
+                <a:pos x="connsiteX0" y="connsiteY0"/>
+              </a:cxn>
+              <a:cxn ang="0">
+                <a:pos x="connsiteX1" y="connsiteY1"/>
+              </a:cxn>
+              <a:cxn ang="0">
+                <a:pos x="connsiteX2" y="connsiteY2"/>
+              </a:cxn>
+              <a:cxn ang="0">
+                <a:pos x="connsiteX3" y="connsiteY3"/>
+              </a:cxn>
+              <a:cxn ang="0">
+                <a:pos x="connsiteX4" y="connsiteY4"/>
+              </a:cxn>
+              <a:cxn ang="0">
+                <a:pos x="connsiteX5" y="connsiteY5"/>
+              </a:cxn>
+              <a:cxn ang="0">
+                <a:pos x="connsiteX6" y="connsiteY6"/>
+              </a:cxn>
+              <a:cxn ang="0">
+                <a:pos x="connsiteX7" y="connsiteY7"/>
+              </a:cxn>
+              <a:cxn ang="0">
+                <a:pos x="connsiteX8" y="connsiteY8"/>
+              </a:cxn>
+              <a:cxn ang="0">
+                <a:pos x="connsiteX9" y="connsiteY9"/>
+              </a:cxn>
+              <a:cxn ang="0">
+                <a:pos x="connsiteX10" y="connsiteY10"/>
+              </a:cxn>
+              <a:cxn ang="0">
+                <a:pos x="connsiteX11" y="connsiteY11"/>
+              </a:cxn>
+            </a:cxnLst>
+            <a:rect l="l" t="t" r="r" b="b"/>
+            <a:pathLst>
+              <a:path w="3255095" h="18288" fill="none" extrusionOk="0">
+                <a:moveTo>
+                  <a:pt x="0" y="0"/>
+                </a:moveTo>
+                <a:cubicBezTo>
+                  <a:pt x="240201" y="-22123"/>
+                  <a:pt x="462021" y="-19623"/>
+                  <a:pt x="618468" y="0"/>
+                </a:cubicBezTo>
+                <a:cubicBezTo>
+                  <a:pt x="774915" y="19623"/>
+                  <a:pt x="974734" y="2035"/>
+                  <a:pt x="1269487" y="0"/>
+                </a:cubicBezTo>
+                <a:cubicBezTo>
+                  <a:pt x="1564240" y="-2035"/>
+                  <a:pt x="1733579" y="10639"/>
+                  <a:pt x="1953057" y="0"/>
+                </a:cubicBezTo>
+                <a:cubicBezTo>
+                  <a:pt x="2172535" y="-10639"/>
+                  <a:pt x="2453962" y="14018"/>
+                  <a:pt x="2636627" y="0"/>
+                </a:cubicBezTo>
+                <a:cubicBezTo>
+                  <a:pt x="2819292" y="-14018"/>
+                  <a:pt x="3121375" y="5399"/>
+                  <a:pt x="3255095" y="0"/>
+                </a:cubicBezTo>
+                <a:cubicBezTo>
+                  <a:pt x="3254386" y="8157"/>
+                  <a:pt x="3254682" y="12125"/>
+                  <a:pt x="3255095" y="18288"/>
+                </a:cubicBezTo>
+                <a:cubicBezTo>
+                  <a:pt x="3088545" y="23203"/>
+                  <a:pt x="2687475" y="7419"/>
+                  <a:pt x="2538974" y="18288"/>
+                </a:cubicBezTo>
+                <a:cubicBezTo>
+                  <a:pt x="2390473" y="29157"/>
+                  <a:pt x="2137381" y="-8959"/>
+                  <a:pt x="1822853" y="18288"/>
+                </a:cubicBezTo>
+                <a:cubicBezTo>
+                  <a:pt x="1508325" y="45535"/>
+                  <a:pt x="1466437" y="20385"/>
+                  <a:pt x="1171834" y="18288"/>
+                </a:cubicBezTo>
+                <a:cubicBezTo>
+                  <a:pt x="877231" y="16191"/>
+                  <a:pt x="561097" y="37643"/>
+                  <a:pt x="0" y="18288"/>
+                </a:cubicBezTo>
+                <a:cubicBezTo>
+                  <a:pt x="-46" y="12483"/>
+                  <a:pt x="-203" y="6491"/>
+                  <a:pt x="0" y="0"/>
+                </a:cubicBezTo>
+                <a:close/>
+              </a:path>
+              <a:path w="3255095" h="18288" stroke="0" extrusionOk="0">
+                <a:moveTo>
+                  <a:pt x="0" y="0"/>
+                </a:moveTo>
+                <a:cubicBezTo>
+                  <a:pt x="291965" y="19429"/>
+                  <a:pt x="363155" y="8568"/>
+                  <a:pt x="618468" y="0"/>
+                </a:cubicBezTo>
+                <a:cubicBezTo>
+                  <a:pt x="873781" y="-8568"/>
+                  <a:pt x="904459" y="-19505"/>
+                  <a:pt x="1171834" y="0"/>
+                </a:cubicBezTo>
+                <a:cubicBezTo>
+                  <a:pt x="1439209" y="19505"/>
+                  <a:pt x="1744369" y="9790"/>
+                  <a:pt x="1887955" y="0"/>
+                </a:cubicBezTo>
+                <a:cubicBezTo>
+                  <a:pt x="2031541" y="-9790"/>
+                  <a:pt x="2346378" y="21240"/>
+                  <a:pt x="2506423" y="0"/>
+                </a:cubicBezTo>
+                <a:cubicBezTo>
+                  <a:pt x="2666468" y="-21240"/>
+                  <a:pt x="2990257" y="30414"/>
+                  <a:pt x="3255095" y="0"/>
+                </a:cubicBezTo>
+                <a:cubicBezTo>
+                  <a:pt x="3254831" y="4493"/>
+                  <a:pt x="3255479" y="9472"/>
+                  <a:pt x="3255095" y="18288"/>
+                </a:cubicBezTo>
+                <a:cubicBezTo>
+                  <a:pt x="3120743" y="16690"/>
+                  <a:pt x="2759628" y="42462"/>
+                  <a:pt x="2604076" y="18288"/>
+                </a:cubicBezTo>
+                <a:cubicBezTo>
+                  <a:pt x="2448524" y="-5886"/>
+                  <a:pt x="2184336" y="19599"/>
+                  <a:pt x="1887955" y="18288"/>
+                </a:cubicBezTo>
+                <a:cubicBezTo>
+                  <a:pt x="1591574" y="16977"/>
+                  <a:pt x="1548845" y="6870"/>
+                  <a:pt x="1334589" y="18288"/>
+                </a:cubicBezTo>
+                <a:cubicBezTo>
+                  <a:pt x="1120333" y="29706"/>
+                  <a:pt x="996014" y="9662"/>
+                  <a:pt x="683570" y="18288"/>
+                </a:cubicBezTo>
+                <a:cubicBezTo>
+                  <a:pt x="371126" y="26914"/>
+                  <a:pt x="198687" y="16167"/>
+                  <a:pt x="0" y="18288"/>
+                </a:cubicBezTo>
+                <a:cubicBezTo>
+                  <a:pt x="843" y="9577"/>
+                  <a:pt x="371" y="6900"/>
+                  <a:pt x="0" y="0"/>
+                </a:cubicBezTo>
+                <a:close/>
+              </a:path>
+            </a:pathLst>
+          </a:custGeom>
+          <a:solidFill>
+            <a:schemeClr val="accent2"/>
+          </a:solidFill>
+          <a:ln w="38100" cap="rnd">
+            <a:solidFill>
+              <a:schemeClr val="accent2"/>
+            </a:solidFill>
+            <a:round/>
+            <a:extLst>
+              <a:ext uri="{C807C97D-BFC1-408E-A445-0C87EB9F89A2}">
+                <ask:lineSketchStyleProps xmlns:ask="http://schemas.microsoft.com/office/drawing/2018/sketchyshapes" sd="1219033472">
+                  <a:prstGeom prst="rect">
+                    <a:avLst/>
+                  </a:prstGeom>
+                  <ask:type>
+                    <ask:lineSketchFreehand/>
+                  </ask:type>
+                </ask:lineSketchStyleProps>
+              </a:ext>
+            </a:extLst>
+          </a:ln>
+        </p:spPr>
+        <p:style>
+          <a:lnRef idx="2">
+            <a:schemeClr val="accent1">
+              <a:shade val="50000"/>
+            </a:schemeClr>
+          </a:lnRef>
+          <a:fillRef idx="1">
+            <a:schemeClr val="accent1"/>
+          </a:fillRef>
+          <a:effectRef idx="0">
+            <a:schemeClr val="accent1"/>
+          </a:effectRef>
+          <a:fontRef idx="minor">
+            <a:schemeClr val="lt1"/>
+          </a:fontRef>
+        </p:style>
+        <p:txBody>
+          <a:bodyPr rtlCol="0" anchor="ctr"/>
+          <a:lstStyle/>
+          <a:p>
+            <a:pPr algn="ctr"/>
+            <a:endParaRPr lang="en-US"/>
+          </a:p>
+        </p:txBody>
+      </p:sp>
+      <p:pic>
+        <p:nvPicPr>
+          <p:cNvPr id="5" name="Picture 4">
+            <a:extLst>
+              <a:ext uri="{FF2B5EF4-FFF2-40B4-BE49-F238E27FC236}">
                 <a16:creationId xmlns:a16="http://schemas.microsoft.com/office/drawing/2014/main" id="{CB0349C4-6C6F-49BF-ED3C-AFE2618B23A2}"/>
               </a:ext>
             </a:extLst>
@@ -5635,202 +6136,6 @@
 </p:sld>
 </file>
 
-<file path=ppt/slides/slide16.xml><?xml version="1.0" encoding="utf-8"?>
-<p:sld xmlns:a="http://schemas.openxmlformats.org/drawingml/2006/main" xmlns:r="http://schemas.openxmlformats.org/officeDocument/2006/relationships" xmlns:p="http://schemas.openxmlformats.org/presentationml/2006/main">
-  <p:cSld>
-    <p:spTree>
-      <p:nvGrpSpPr>
-        <p:cNvPr id="1" name=""/>
-        <p:cNvGrpSpPr/>
-        <p:nvPr/>
-      </p:nvGrpSpPr>
-      <p:grpSpPr>
-        <a:xfrm>
-          <a:off x="0" y="0"/>
-          <a:ext cx="0" cy="0"/>
-          <a:chOff x="0" y="0"/>
-          <a:chExt cx="0" cy="0"/>
-        </a:xfrm>
-      </p:grpSpPr>
-      <p:sp>
-        <p:nvSpPr>
-          <p:cNvPr id="2" name="Title 1">
-            <a:extLst>
-              <a:ext uri="{FF2B5EF4-FFF2-40B4-BE49-F238E27FC236}">
-                <a16:creationId xmlns:a16="http://schemas.microsoft.com/office/drawing/2014/main" id="{620F78B5-DF51-AF72-57C1-B3C96376BC5A}"/>
-              </a:ext>
-            </a:extLst>
-          </p:cNvPr>
-          <p:cNvSpPr>
-            <a:spLocks noGrp="1"/>
-          </p:cNvSpPr>
-          <p:nvPr>
-            <p:ph type="title"/>
-          </p:nvPr>
-        </p:nvSpPr>
-        <p:spPr/>
-        <p:txBody>
-          <a:bodyPr/>
-          <a:lstStyle/>
-          <a:p>
-            <a:r>
-              <a:rPr lang="ru-RU" dirty="0"/>
-              <a:t>Финал</a:t>
-            </a:r>
-            <a:endParaRPr lang="en-CH" dirty="0"/>
-          </a:p>
-        </p:txBody>
-      </p:sp>
-      <p:pic>
-        <p:nvPicPr>
-          <p:cNvPr id="5" name="Picture 4">
-            <a:extLst>
-              <a:ext uri="{FF2B5EF4-FFF2-40B4-BE49-F238E27FC236}">
-                <a16:creationId xmlns:a16="http://schemas.microsoft.com/office/drawing/2014/main" id="{5FFD6A89-4FD5-B23C-B1F9-295CC774FEED}"/>
-              </a:ext>
-            </a:extLst>
-          </p:cNvPr>
-          <p:cNvPicPr>
-            <a:picLocks noChangeAspect="1"/>
-          </p:cNvPicPr>
-          <p:nvPr/>
-        </p:nvPicPr>
-        <p:blipFill>
-          <a:blip r:embed="rId2"/>
-          <a:stretch>
-            <a:fillRect/>
-          </a:stretch>
-        </p:blipFill>
-        <p:spPr>
-          <a:xfrm>
-            <a:off x="1068934" y="2059307"/>
-            <a:ext cx="10400233" cy="3107300"/>
-          </a:xfrm>
-          <a:prstGeom prst="rect">
-            <a:avLst/>
-          </a:prstGeom>
-        </p:spPr>
-      </p:pic>
-      <p:sp>
-        <p:nvSpPr>
-          <p:cNvPr id="6" name="Arrow: Left 5">
-            <a:extLst>
-              <a:ext uri="{FF2B5EF4-FFF2-40B4-BE49-F238E27FC236}">
-                <a16:creationId xmlns:a16="http://schemas.microsoft.com/office/drawing/2014/main" id="{7ED2439E-BDDB-1D01-113F-5977739D7C70}"/>
-              </a:ext>
-            </a:extLst>
-          </p:cNvPr>
-          <p:cNvSpPr/>
-          <p:nvPr/>
-        </p:nvSpPr>
-        <p:spPr>
-          <a:xfrm>
-            <a:off x="9731241" y="2254920"/>
-            <a:ext cx="689467" cy="301925"/>
-          </a:xfrm>
-          <a:prstGeom prst="leftArrow">
-            <a:avLst/>
-          </a:prstGeom>
-          <a:solidFill>
-            <a:schemeClr val="accent6">
-              <a:lumMod val="75000"/>
-            </a:schemeClr>
-          </a:solidFill>
-          <a:ln>
-            <a:solidFill>
-              <a:schemeClr val="accent6">
-                <a:lumMod val="75000"/>
-              </a:schemeClr>
-            </a:solidFill>
-          </a:ln>
-        </p:spPr>
-        <p:style>
-          <a:lnRef idx="2">
-            <a:schemeClr val="accent2">
-              <a:shade val="15000"/>
-            </a:schemeClr>
-          </a:lnRef>
-          <a:fillRef idx="1">
-            <a:schemeClr val="accent2"/>
-          </a:fillRef>
-          <a:effectRef idx="0">
-            <a:schemeClr val="accent2"/>
-          </a:effectRef>
-          <a:fontRef idx="minor">
-            <a:schemeClr val="lt1"/>
-          </a:fontRef>
-        </p:style>
-        <p:txBody>
-          <a:bodyPr rtlCol="0" anchor="ctr"/>
-          <a:lstStyle/>
-          <a:p>
-            <a:pPr algn="ctr"/>
-            <a:endParaRPr lang="en-CH"/>
-          </a:p>
-        </p:txBody>
-      </p:sp>
-      <p:sp>
-        <p:nvSpPr>
-          <p:cNvPr id="7" name="Arrow: Left 6">
-            <a:extLst>
-              <a:ext uri="{FF2B5EF4-FFF2-40B4-BE49-F238E27FC236}">
-                <a16:creationId xmlns:a16="http://schemas.microsoft.com/office/drawing/2014/main" id="{5800B4A5-077D-6442-B0D4-E311D6F2FC72}"/>
-              </a:ext>
-            </a:extLst>
-          </p:cNvPr>
-          <p:cNvSpPr/>
-          <p:nvPr/>
-        </p:nvSpPr>
-        <p:spPr>
-          <a:xfrm>
-            <a:off x="4383140" y="4812652"/>
-            <a:ext cx="689467" cy="301925"/>
-          </a:xfrm>
-          <a:prstGeom prst="leftArrow">
-            <a:avLst/>
-          </a:prstGeom>
-          <a:solidFill>
-            <a:srgbClr val="FF0000"/>
-          </a:solidFill>
-        </p:spPr>
-        <p:style>
-          <a:lnRef idx="2">
-            <a:schemeClr val="accent5">
-              <a:shade val="15000"/>
-            </a:schemeClr>
-          </a:lnRef>
-          <a:fillRef idx="1">
-            <a:schemeClr val="accent5"/>
-          </a:fillRef>
-          <a:effectRef idx="0">
-            <a:schemeClr val="accent5"/>
-          </a:effectRef>
-          <a:fontRef idx="minor">
-            <a:schemeClr val="lt1"/>
-          </a:fontRef>
-        </p:style>
-        <p:txBody>
-          <a:bodyPr rtlCol="0" anchor="ctr"/>
-          <a:lstStyle/>
-          <a:p>
-            <a:pPr algn="ctr"/>
-            <a:endParaRPr lang="en-CH"/>
-          </a:p>
-        </p:txBody>
-      </p:sp>
-    </p:spTree>
-    <p:extLst>
-      <p:ext uri="{BB962C8B-B14F-4D97-AF65-F5344CB8AC3E}">
-        <p14:creationId xmlns:p14="http://schemas.microsoft.com/office/powerpoint/2010/main" val="3293813557"/>
-      </p:ext>
-    </p:extLst>
-  </p:cSld>
-  <p:clrMapOvr>
-    <a:masterClrMapping/>
-  </p:clrMapOvr>
-</p:sld>
-</file>
-
 <file path=ppt/slides/slide17.xml><?xml version="1.0" encoding="utf-8"?>
 <p:sld xmlns:a="http://schemas.openxmlformats.org/drawingml/2006/main" xmlns:r="http://schemas.openxmlformats.org/officeDocument/2006/relationships" xmlns:p="http://schemas.openxmlformats.org/presentationml/2006/main">
   <p:cSld>
@@ -5853,7 +6158,7 @@
           <p:cNvPr id="2" name="Title 1">
             <a:extLst>
               <a:ext uri="{FF2B5EF4-FFF2-40B4-BE49-F238E27FC236}">
-                <a16:creationId xmlns:a16="http://schemas.microsoft.com/office/drawing/2014/main" id="{477EA226-DBF2-42DE-78B0-EC21000997AD}"/>
+                <a16:creationId xmlns:a16="http://schemas.microsoft.com/office/drawing/2014/main" id="{620F78B5-DF51-AF72-57C1-B3C96376BC5A}"/>
               </a:ext>
             </a:extLst>
           </p:cNvPr>
@@ -5871,7 +6176,7 @@
           <a:p>
             <a:r>
               <a:rPr lang="ru-RU" dirty="0"/>
-              <a:t>Пример на основе данных сезона 2022</a:t>
+              <a:t>Финал</a:t>
             </a:r>
             <a:endParaRPr lang="en-CH" dirty="0"/>
           </a:p>
@@ -5882,7 +6187,7 @@
           <p:cNvPr id="5" name="Picture 4">
             <a:extLst>
               <a:ext uri="{FF2B5EF4-FFF2-40B4-BE49-F238E27FC236}">
-                <a16:creationId xmlns:a16="http://schemas.microsoft.com/office/drawing/2014/main" id="{A582C7FA-183B-93C6-B521-3CBAF6C9F04A}"/>
+                <a16:creationId xmlns:a16="http://schemas.microsoft.com/office/drawing/2014/main" id="{5FFD6A89-4FD5-B23C-B1F9-295CC774FEED}"/>
               </a:ext>
             </a:extLst>
           </p:cNvPr>
@@ -5899,336 +6204,46 @@
         </p:blipFill>
         <p:spPr>
           <a:xfrm>
-            <a:off x="231710" y="1427583"/>
-            <a:ext cx="3039390" cy="5157302"/>
+            <a:off x="1068934" y="2059307"/>
+            <a:ext cx="10400233" cy="3107300"/>
           </a:xfrm>
           <a:prstGeom prst="rect">
             <a:avLst/>
           </a:prstGeom>
         </p:spPr>
       </p:pic>
-      <p:pic>
-        <p:nvPicPr>
-          <p:cNvPr id="7" name="Picture 6">
-            <a:extLst>
-              <a:ext uri="{FF2B5EF4-FFF2-40B4-BE49-F238E27FC236}">
-                <a16:creationId xmlns:a16="http://schemas.microsoft.com/office/drawing/2014/main" id="{87D212F2-1F31-5925-6AFA-5A4393C9AECA}"/>
-              </a:ext>
-            </a:extLst>
-          </p:cNvPr>
-          <p:cNvPicPr>
-            <a:picLocks noChangeAspect="1"/>
-          </p:cNvPicPr>
+      <p:sp>
+        <p:nvSpPr>
+          <p:cNvPr id="6" name="Arrow: Left 5">
+            <a:extLst>
+              <a:ext uri="{FF2B5EF4-FFF2-40B4-BE49-F238E27FC236}">
+                <a16:creationId xmlns:a16="http://schemas.microsoft.com/office/drawing/2014/main" id="{7ED2439E-BDDB-1D01-113F-5977739D7C70}"/>
+              </a:ext>
+            </a:extLst>
+          </p:cNvPr>
+          <p:cNvSpPr/>
           <p:nvPr/>
-        </p:nvPicPr>
-        <p:blipFill>
-          <a:blip r:embed="rId3"/>
-          <a:stretch>
-            <a:fillRect/>
-          </a:stretch>
-        </p:blipFill>
+        </p:nvSpPr>
         <p:spPr>
           <a:xfrm>
-            <a:off x="3336704" y="1427581"/>
-            <a:ext cx="3269760" cy="5157303"/>
-          </a:xfrm>
-          <a:prstGeom prst="rect">
+            <a:off x="9731241" y="2254920"/>
+            <a:ext cx="689467" cy="301925"/>
+          </a:xfrm>
+          <a:prstGeom prst="leftArrow">
             <a:avLst/>
           </a:prstGeom>
-        </p:spPr>
-      </p:pic>
-      <p:pic>
-        <p:nvPicPr>
-          <p:cNvPr id="9" name="Picture 8">
-            <a:extLst>
-              <a:ext uri="{FF2B5EF4-FFF2-40B4-BE49-F238E27FC236}">
-                <a16:creationId xmlns:a16="http://schemas.microsoft.com/office/drawing/2014/main" id="{E9D88C18-49F6-4943-A821-5E38031E985F}"/>
-              </a:ext>
-            </a:extLst>
-          </p:cNvPr>
-          <p:cNvPicPr>
-            <a:picLocks noChangeAspect="1"/>
-          </p:cNvPicPr>
-          <p:nvPr/>
-        </p:nvPicPr>
-        <p:blipFill>
-          <a:blip r:embed="rId4"/>
-          <a:stretch>
-            <a:fillRect/>
-          </a:stretch>
-        </p:blipFill>
-        <p:spPr>
-          <a:xfrm>
-            <a:off x="6414525" y="1427580"/>
-            <a:ext cx="2690443" cy="5157303"/>
-          </a:xfrm>
-          <a:prstGeom prst="rect">
-            <a:avLst/>
-          </a:prstGeom>
-        </p:spPr>
-      </p:pic>
-      <p:pic>
-        <p:nvPicPr>
-          <p:cNvPr id="11" name="Picture 10">
-            <a:extLst>
-              <a:ext uri="{FF2B5EF4-FFF2-40B4-BE49-F238E27FC236}">
-                <a16:creationId xmlns:a16="http://schemas.microsoft.com/office/drawing/2014/main" id="{2EC2094B-975B-1842-3A2F-DA63FD38403A}"/>
-              </a:ext>
-            </a:extLst>
-          </p:cNvPr>
-          <p:cNvPicPr>
-            <a:picLocks noChangeAspect="1"/>
-          </p:cNvPicPr>
-          <p:nvPr/>
-        </p:nvPicPr>
-        <p:blipFill>
-          <a:blip r:embed="rId5"/>
-          <a:stretch>
-            <a:fillRect/>
-          </a:stretch>
-        </p:blipFill>
-        <p:spPr>
-          <a:xfrm>
-            <a:off x="9212932" y="1427579"/>
-            <a:ext cx="2660161" cy="5157303"/>
-          </a:xfrm>
-          <a:prstGeom prst="rect">
-            <a:avLst/>
-          </a:prstGeom>
-        </p:spPr>
-      </p:pic>
-      <p:sp>
-        <p:nvSpPr>
-          <p:cNvPr id="12" name="Rectangle: Rounded Corners 11">
-            <a:extLst>
-              <a:ext uri="{FF2B5EF4-FFF2-40B4-BE49-F238E27FC236}">
-                <a16:creationId xmlns:a16="http://schemas.microsoft.com/office/drawing/2014/main" id="{ED430238-5AB7-2B99-17E9-21A417FC82FE}"/>
-              </a:ext>
-            </a:extLst>
-          </p:cNvPr>
-          <p:cNvSpPr/>
-          <p:nvPr/>
-        </p:nvSpPr>
-        <p:spPr>
-          <a:xfrm>
-            <a:off x="122309" y="1384449"/>
-            <a:ext cx="11750784" cy="1166331"/>
-          </a:xfrm>
-          <a:prstGeom prst="roundRect">
-            <a:avLst/>
-          </a:prstGeom>
-          <a:noFill/>
-          <a:ln w="28575">
+          <a:solidFill>
+            <a:schemeClr val="accent6">
+              <a:lumMod val="75000"/>
+            </a:schemeClr>
+          </a:solidFill>
+          <a:ln>
             <a:solidFill>
-              <a:schemeClr val="bg1">
-                <a:lumMod val="65000"/>
-              </a:schemeClr>
-            </a:solidFill>
-          </a:ln>
-        </p:spPr>
-        <p:style>
-          <a:lnRef idx="2">
-            <a:schemeClr val="accent1">
-              <a:shade val="15000"/>
-            </a:schemeClr>
-          </a:lnRef>
-          <a:fillRef idx="1">
-            <a:schemeClr val="accent1"/>
-          </a:fillRef>
-          <a:effectRef idx="0">
-            <a:schemeClr val="accent1"/>
-          </a:effectRef>
-          <a:fontRef idx="minor">
-            <a:schemeClr val="lt1"/>
-          </a:fontRef>
-        </p:style>
-        <p:txBody>
-          <a:bodyPr rtlCol="0" anchor="ctr"/>
-          <a:lstStyle/>
-          <a:p>
-            <a:pPr algn="ctr"/>
-            <a:endParaRPr lang="en-CH"/>
-          </a:p>
-        </p:txBody>
-      </p:sp>
-      <p:sp>
-        <p:nvSpPr>
-          <p:cNvPr id="13" name="Rectangle: Rounded Corners 12">
-            <a:extLst>
-              <a:ext uri="{FF2B5EF4-FFF2-40B4-BE49-F238E27FC236}">
-                <a16:creationId xmlns:a16="http://schemas.microsoft.com/office/drawing/2014/main" id="{7B6847C6-CCE8-48D0-E900-5E454DB2DDC8}"/>
-              </a:ext>
-            </a:extLst>
-          </p:cNvPr>
-          <p:cNvSpPr/>
-          <p:nvPr/>
-        </p:nvSpPr>
-        <p:spPr>
-          <a:xfrm>
-            <a:off x="122309" y="2713124"/>
-            <a:ext cx="11750784" cy="1166331"/>
-          </a:xfrm>
-          <a:prstGeom prst="roundRect">
-            <a:avLst/>
-          </a:prstGeom>
-          <a:noFill/>
-          <a:ln w="28575">
-            <a:solidFill>
-              <a:srgbClr val="00B0F0"/>
-            </a:solidFill>
-          </a:ln>
-        </p:spPr>
-        <p:style>
-          <a:lnRef idx="2">
-            <a:schemeClr val="accent1">
-              <a:shade val="15000"/>
-            </a:schemeClr>
-          </a:lnRef>
-          <a:fillRef idx="1">
-            <a:schemeClr val="accent1"/>
-          </a:fillRef>
-          <a:effectRef idx="0">
-            <a:schemeClr val="accent1"/>
-          </a:effectRef>
-          <a:fontRef idx="minor">
-            <a:schemeClr val="lt1"/>
-          </a:fontRef>
-        </p:style>
-        <p:txBody>
-          <a:bodyPr rtlCol="0" anchor="ctr"/>
-          <a:lstStyle/>
-          <a:p>
-            <a:pPr algn="ctr"/>
-            <a:endParaRPr lang="en-CH"/>
-          </a:p>
-        </p:txBody>
-      </p:sp>
-      <p:sp>
-        <p:nvSpPr>
-          <p:cNvPr id="15" name="Rectangle: Rounded Corners 14">
-            <a:extLst>
-              <a:ext uri="{FF2B5EF4-FFF2-40B4-BE49-F238E27FC236}">
-                <a16:creationId xmlns:a16="http://schemas.microsoft.com/office/drawing/2014/main" id="{2E65A1A1-9E0F-A19C-D028-5D04BED7CE94}"/>
-              </a:ext>
-            </a:extLst>
-          </p:cNvPr>
-          <p:cNvSpPr/>
-          <p:nvPr/>
-        </p:nvSpPr>
-        <p:spPr>
-          <a:xfrm>
-            <a:off x="122309" y="4041799"/>
-            <a:ext cx="11750784" cy="1166331"/>
-          </a:xfrm>
-          <a:prstGeom prst="roundRect">
-            <a:avLst/>
-          </a:prstGeom>
-          <a:noFill/>
-          <a:ln w="28575">
-            <a:solidFill>
-              <a:srgbClr val="C00000"/>
-            </a:solidFill>
-          </a:ln>
-        </p:spPr>
-        <p:style>
-          <a:lnRef idx="2">
-            <a:schemeClr val="accent1">
-              <a:shade val="15000"/>
-            </a:schemeClr>
-          </a:lnRef>
-          <a:fillRef idx="1">
-            <a:schemeClr val="accent1"/>
-          </a:fillRef>
-          <a:effectRef idx="0">
-            <a:schemeClr val="accent1"/>
-          </a:effectRef>
-          <a:fontRef idx="minor">
-            <a:schemeClr val="lt1"/>
-          </a:fontRef>
-        </p:style>
-        <p:txBody>
-          <a:bodyPr rtlCol="0" anchor="ctr"/>
-          <a:lstStyle/>
-          <a:p>
-            <a:pPr algn="ctr"/>
-            <a:endParaRPr lang="en-CH"/>
-          </a:p>
-        </p:txBody>
-      </p:sp>
-      <p:sp>
-        <p:nvSpPr>
-          <p:cNvPr id="16" name="Rectangle: Rounded Corners 15">
-            <a:extLst>
-              <a:ext uri="{FF2B5EF4-FFF2-40B4-BE49-F238E27FC236}">
-                <a16:creationId xmlns:a16="http://schemas.microsoft.com/office/drawing/2014/main" id="{9F314312-C8FE-C906-C28D-1BCA2E5D706D}"/>
-              </a:ext>
-            </a:extLst>
-          </p:cNvPr>
-          <p:cNvSpPr/>
-          <p:nvPr/>
-        </p:nvSpPr>
-        <p:spPr>
-          <a:xfrm>
-            <a:off x="122309" y="5370474"/>
-            <a:ext cx="11750784" cy="1166331"/>
-          </a:xfrm>
-          <a:prstGeom prst="roundRect">
-            <a:avLst/>
-          </a:prstGeom>
-          <a:noFill/>
-          <a:ln w="28575">
-            <a:solidFill>
-              <a:schemeClr val="accent4">
+              <a:schemeClr val="accent6">
                 <a:lumMod val="75000"/>
               </a:schemeClr>
             </a:solidFill>
           </a:ln>
-        </p:spPr>
-        <p:style>
-          <a:lnRef idx="2">
-            <a:schemeClr val="accent1">
-              <a:shade val="15000"/>
-            </a:schemeClr>
-          </a:lnRef>
-          <a:fillRef idx="1">
-            <a:schemeClr val="accent1"/>
-          </a:fillRef>
-          <a:effectRef idx="0">
-            <a:schemeClr val="accent1"/>
-          </a:effectRef>
-          <a:fontRef idx="minor">
-            <a:schemeClr val="lt1"/>
-          </a:fontRef>
-        </p:style>
-        <p:txBody>
-          <a:bodyPr rtlCol="0" anchor="ctr"/>
-          <a:lstStyle/>
-          <a:p>
-            <a:pPr algn="ctr"/>
-            <a:endParaRPr lang="en-CH"/>
-          </a:p>
-        </p:txBody>
-      </p:sp>
-      <p:sp>
-        <p:nvSpPr>
-          <p:cNvPr id="3" name="Arrow: Left 2">
-            <a:extLst>
-              <a:ext uri="{FF2B5EF4-FFF2-40B4-BE49-F238E27FC236}">
-                <a16:creationId xmlns:a16="http://schemas.microsoft.com/office/drawing/2014/main" id="{3260893F-F56D-B64E-FBF6-67EB2E2826C3}"/>
-              </a:ext>
-            </a:extLst>
-          </p:cNvPr>
-          <p:cNvSpPr/>
-          <p:nvPr/>
-        </p:nvSpPr>
-        <p:spPr>
-          <a:xfrm>
-            <a:off x="8415501" y="1762122"/>
-            <a:ext cx="689467" cy="301925"/>
-          </a:xfrm>
-          <a:prstGeom prst="leftArrow">
-            <a:avLst/>
-          </a:prstGeom>
         </p:spPr>
         <p:style>
           <a:lnRef idx="2">
@@ -6257,10 +6272,10 @@
       </p:sp>
       <p:sp>
         <p:nvSpPr>
-          <p:cNvPr id="4" name="Arrow: Left 3">
-            <a:extLst>
-              <a:ext uri="{FF2B5EF4-FFF2-40B4-BE49-F238E27FC236}">
-                <a16:creationId xmlns:a16="http://schemas.microsoft.com/office/drawing/2014/main" id="{9BD9AC3E-4067-9580-5C67-6083D20E3DC5}"/>
+          <p:cNvPr id="7" name="Arrow: Left 6">
+            <a:extLst>
+              <a:ext uri="{FF2B5EF4-FFF2-40B4-BE49-F238E27FC236}">
+                <a16:creationId xmlns:a16="http://schemas.microsoft.com/office/drawing/2014/main" id="{5800B4A5-077D-6442-B0D4-E311D6F2FC72}"/>
               </a:ext>
             </a:extLst>
           </p:cNvPr>
@@ -6269,12 +6284,15 @@
         </p:nvSpPr>
         <p:spPr>
           <a:xfrm>
-            <a:off x="11395498" y="4474001"/>
+            <a:off x="4383140" y="4812652"/>
             <a:ext cx="689467" cy="301925"/>
           </a:xfrm>
           <a:prstGeom prst="leftArrow">
             <a:avLst/>
           </a:prstGeom>
+          <a:solidFill>
+            <a:srgbClr val="FF0000"/>
+          </a:solidFill>
         </p:spPr>
         <p:style>
           <a:lnRef idx="2">
@@ -6301,117 +6319,10 @@
           </a:p>
         </p:txBody>
       </p:sp>
-      <p:sp>
-        <p:nvSpPr>
-          <p:cNvPr id="6" name="Arrow: Left 5">
-            <a:extLst>
-              <a:ext uri="{FF2B5EF4-FFF2-40B4-BE49-F238E27FC236}">
-                <a16:creationId xmlns:a16="http://schemas.microsoft.com/office/drawing/2014/main" id="{E143AFBA-85B4-DE41-C791-0A7A26FD58D1}"/>
-              </a:ext>
-            </a:extLst>
-          </p:cNvPr>
-          <p:cNvSpPr/>
-          <p:nvPr/>
-        </p:nvSpPr>
-        <p:spPr>
-          <a:xfrm>
-            <a:off x="8760234" y="4562876"/>
-            <a:ext cx="689467" cy="301925"/>
-          </a:xfrm>
-          <a:prstGeom prst="leftArrow">
-            <a:avLst/>
-          </a:prstGeom>
-          <a:solidFill>
-            <a:schemeClr val="accent6">
-              <a:lumMod val="75000"/>
-            </a:schemeClr>
-          </a:solidFill>
-          <a:ln>
-            <a:solidFill>
-              <a:schemeClr val="accent6">
-                <a:lumMod val="75000"/>
-              </a:schemeClr>
-            </a:solidFill>
-          </a:ln>
-        </p:spPr>
-        <p:style>
-          <a:lnRef idx="2">
-            <a:schemeClr val="accent2">
-              <a:shade val="15000"/>
-            </a:schemeClr>
-          </a:lnRef>
-          <a:fillRef idx="1">
-            <a:schemeClr val="accent2"/>
-          </a:fillRef>
-          <a:effectRef idx="0">
-            <a:schemeClr val="accent2"/>
-          </a:effectRef>
-          <a:fontRef idx="minor">
-            <a:schemeClr val="lt1"/>
-          </a:fontRef>
-        </p:style>
-        <p:txBody>
-          <a:bodyPr rtlCol="0" anchor="ctr"/>
-          <a:lstStyle/>
-          <a:p>
-            <a:pPr algn="ctr"/>
-            <a:endParaRPr lang="en-CH"/>
-          </a:p>
-        </p:txBody>
-      </p:sp>
-      <p:sp>
-        <p:nvSpPr>
-          <p:cNvPr id="8" name="Arrow: Left 7">
-            <a:extLst>
-              <a:ext uri="{FF2B5EF4-FFF2-40B4-BE49-F238E27FC236}">
-                <a16:creationId xmlns:a16="http://schemas.microsoft.com/office/drawing/2014/main" id="{EE60C2BA-1855-A137-D04A-BD74013A5F0F}"/>
-              </a:ext>
-            </a:extLst>
-          </p:cNvPr>
-          <p:cNvSpPr/>
-          <p:nvPr/>
-        </p:nvSpPr>
-        <p:spPr>
-          <a:xfrm>
-            <a:off x="11380224" y="2693729"/>
-            <a:ext cx="689467" cy="301925"/>
-          </a:xfrm>
-          <a:prstGeom prst="leftArrow">
-            <a:avLst/>
-          </a:prstGeom>
-          <a:solidFill>
-            <a:srgbClr val="FF0000"/>
-          </a:solidFill>
-        </p:spPr>
-        <p:style>
-          <a:lnRef idx="2">
-            <a:schemeClr val="accent5">
-              <a:shade val="15000"/>
-            </a:schemeClr>
-          </a:lnRef>
-          <a:fillRef idx="1">
-            <a:schemeClr val="accent5"/>
-          </a:fillRef>
-          <a:effectRef idx="0">
-            <a:schemeClr val="accent5"/>
-          </a:effectRef>
-          <a:fontRef idx="minor">
-            <a:schemeClr val="lt1"/>
-          </a:fontRef>
-        </p:style>
-        <p:txBody>
-          <a:bodyPr rtlCol="0" anchor="ctr"/>
-          <a:lstStyle/>
-          <a:p>
-            <a:pPr algn="ctr"/>
-            <a:endParaRPr lang="en-CH"/>
-          </a:p>
-        </p:txBody>
-      </p:sp>
     </p:spTree>
     <p:extLst>
       <p:ext uri="{BB962C8B-B14F-4D97-AF65-F5344CB8AC3E}">
-        <p14:creationId xmlns:p14="http://schemas.microsoft.com/office/powerpoint/2010/main" val="1328278058"/>
+        <p14:creationId xmlns:p14="http://schemas.microsoft.com/office/powerpoint/2010/main" val="3293813557"/>
       </p:ext>
     </p:extLst>
   </p:cSld>
@@ -6443,7 +6354,7 @@
           <p:cNvPr id="2" name="Title 1">
             <a:extLst>
               <a:ext uri="{FF2B5EF4-FFF2-40B4-BE49-F238E27FC236}">
-                <a16:creationId xmlns:a16="http://schemas.microsoft.com/office/drawing/2014/main" id="{223B8288-9272-AF85-A4DA-3E275C81D93C}"/>
+                <a16:creationId xmlns:a16="http://schemas.microsoft.com/office/drawing/2014/main" id="{477EA226-DBF2-42DE-78B0-EC21000997AD}"/>
               </a:ext>
             </a:extLst>
           </p:cNvPr>
@@ -6461,117 +6372,547 @@
           <a:p>
             <a:r>
               <a:rPr lang="ru-RU" dirty="0"/>
-              <a:t>Таблицы и «софт» для расчетов</a:t>
+              <a:t>Пример на основе данных сезона 2022</a:t>
             </a:r>
             <a:endParaRPr lang="en-CH" dirty="0"/>
           </a:p>
         </p:txBody>
       </p:sp>
-      <p:sp>
-        <p:nvSpPr>
-          <p:cNvPr id="3" name="Content Placeholder 2">
-            <a:extLst>
-              <a:ext uri="{FF2B5EF4-FFF2-40B4-BE49-F238E27FC236}">
-                <a16:creationId xmlns:a16="http://schemas.microsoft.com/office/drawing/2014/main" id="{46118933-982A-7CDB-BC42-A257AECE7509}"/>
-              </a:ext>
-            </a:extLst>
-          </p:cNvPr>
-          <p:cNvSpPr>
-            <a:spLocks noGrp="1"/>
-          </p:cNvSpPr>
-          <p:nvPr>
-            <p:ph idx="1"/>
-          </p:nvPr>
-        </p:nvSpPr>
-        <p:spPr/>
-        <p:txBody>
-          <a:bodyPr/>
-          <a:lstStyle/>
-          <a:p>
-            <a:r>
-              <a:rPr lang="ru-RU" dirty="0"/>
-              <a:t>Правила лиги</a:t>
-            </a:r>
-          </a:p>
-          <a:p>
-            <a:pPr lvl="1"/>
-            <a:r>
-              <a:rPr lang="en-US" dirty="0">
-                <a:hlinkClick r:id="rId2"/>
-              </a:rPr>
-              <a:t>https://docs.google.com/document/d/1G5qIE6_OoefP3TasFil8iJcGBTGizXkJJH9169NJHtc/edit?usp=sharing</a:t>
-            </a:r>
-            <a:r>
-              <a:rPr lang="ru-RU" dirty="0"/>
-              <a:t> </a:t>
-            </a:r>
-          </a:p>
-          <a:p>
-            <a:pPr lvl="1"/>
-            <a:endParaRPr lang="ru-RU" dirty="0"/>
-          </a:p>
-          <a:p>
-            <a:r>
-              <a:rPr lang="en-GB" dirty="0"/>
-              <a:t>Google</a:t>
-            </a:r>
-            <a:r>
-              <a:rPr lang="ru-RU" dirty="0"/>
-              <a:t>-таблица для расчетов</a:t>
-            </a:r>
-          </a:p>
-          <a:p>
-            <a:pPr lvl="1"/>
-            <a:r>
-              <a:rPr lang="en-US" dirty="0">
-                <a:hlinkClick r:id="rId3"/>
-              </a:rPr>
-              <a:t>https://docs.google.com/spreadsheets/d/1DsFr4srIKjxLG6m2hJVc5cgbJ2vgT6YLQBh-fXSVoak/edit?usp=sharing</a:t>
-            </a:r>
-            <a:r>
-              <a:rPr lang="ru-RU" dirty="0"/>
-              <a:t> </a:t>
-            </a:r>
-          </a:p>
-          <a:p>
-            <a:endParaRPr lang="ru-RU" dirty="0"/>
-          </a:p>
-          <a:p>
-            <a:r>
-              <a:rPr lang="en-GB" dirty="0"/>
-              <a:t>GitHub </a:t>
-            </a:r>
-            <a:r>
-              <a:rPr lang="ru-RU" dirty="0"/>
-              <a:t>репозиторий</a:t>
-            </a:r>
-          </a:p>
-          <a:p>
-            <a:pPr lvl="1"/>
-            <a:r>
-              <a:rPr lang="en-US" dirty="0">
-                <a:hlinkClick r:id="rId4"/>
-              </a:rPr>
-              <a:t>https://github.com/aleksha/2c11p16a</a:t>
-            </a:r>
-            <a:r>
-              <a:rPr lang="ru-RU" dirty="0"/>
-              <a:t> </a:t>
-            </a:r>
-          </a:p>
-          <a:p>
-            <a:pPr lvl="1"/>
-            <a:endParaRPr lang="ru-RU" dirty="0"/>
-          </a:p>
-          <a:p>
-            <a:endParaRPr lang="en-CH" dirty="0"/>
+      <p:pic>
+        <p:nvPicPr>
+          <p:cNvPr id="5" name="Picture 4">
+            <a:extLst>
+              <a:ext uri="{FF2B5EF4-FFF2-40B4-BE49-F238E27FC236}">
+                <a16:creationId xmlns:a16="http://schemas.microsoft.com/office/drawing/2014/main" id="{A582C7FA-183B-93C6-B521-3CBAF6C9F04A}"/>
+              </a:ext>
+            </a:extLst>
+          </p:cNvPr>
+          <p:cNvPicPr>
+            <a:picLocks noChangeAspect="1"/>
+          </p:cNvPicPr>
+          <p:nvPr/>
+        </p:nvPicPr>
+        <p:blipFill>
+          <a:blip r:embed="rId2"/>
+          <a:stretch>
+            <a:fillRect/>
+          </a:stretch>
+        </p:blipFill>
+        <p:spPr>
+          <a:xfrm>
+            <a:off x="231710" y="1427583"/>
+            <a:ext cx="3039390" cy="5157302"/>
+          </a:xfrm>
+          <a:prstGeom prst="rect">
+            <a:avLst/>
+          </a:prstGeom>
+        </p:spPr>
+      </p:pic>
+      <p:pic>
+        <p:nvPicPr>
+          <p:cNvPr id="7" name="Picture 6">
+            <a:extLst>
+              <a:ext uri="{FF2B5EF4-FFF2-40B4-BE49-F238E27FC236}">
+                <a16:creationId xmlns:a16="http://schemas.microsoft.com/office/drawing/2014/main" id="{87D212F2-1F31-5925-6AFA-5A4393C9AECA}"/>
+              </a:ext>
+            </a:extLst>
+          </p:cNvPr>
+          <p:cNvPicPr>
+            <a:picLocks noChangeAspect="1"/>
+          </p:cNvPicPr>
+          <p:nvPr/>
+        </p:nvPicPr>
+        <p:blipFill>
+          <a:blip r:embed="rId3"/>
+          <a:stretch>
+            <a:fillRect/>
+          </a:stretch>
+        </p:blipFill>
+        <p:spPr>
+          <a:xfrm>
+            <a:off x="3336704" y="1427581"/>
+            <a:ext cx="3269760" cy="5157303"/>
+          </a:xfrm>
+          <a:prstGeom prst="rect">
+            <a:avLst/>
+          </a:prstGeom>
+        </p:spPr>
+      </p:pic>
+      <p:pic>
+        <p:nvPicPr>
+          <p:cNvPr id="9" name="Picture 8">
+            <a:extLst>
+              <a:ext uri="{FF2B5EF4-FFF2-40B4-BE49-F238E27FC236}">
+                <a16:creationId xmlns:a16="http://schemas.microsoft.com/office/drawing/2014/main" id="{E9D88C18-49F6-4943-A821-5E38031E985F}"/>
+              </a:ext>
+            </a:extLst>
+          </p:cNvPr>
+          <p:cNvPicPr>
+            <a:picLocks noChangeAspect="1"/>
+          </p:cNvPicPr>
+          <p:nvPr/>
+        </p:nvPicPr>
+        <p:blipFill>
+          <a:blip r:embed="rId4"/>
+          <a:stretch>
+            <a:fillRect/>
+          </a:stretch>
+        </p:blipFill>
+        <p:spPr>
+          <a:xfrm>
+            <a:off x="6414525" y="1427580"/>
+            <a:ext cx="2690443" cy="5157303"/>
+          </a:xfrm>
+          <a:prstGeom prst="rect">
+            <a:avLst/>
+          </a:prstGeom>
+        </p:spPr>
+      </p:pic>
+      <p:pic>
+        <p:nvPicPr>
+          <p:cNvPr id="11" name="Picture 10">
+            <a:extLst>
+              <a:ext uri="{FF2B5EF4-FFF2-40B4-BE49-F238E27FC236}">
+                <a16:creationId xmlns:a16="http://schemas.microsoft.com/office/drawing/2014/main" id="{2EC2094B-975B-1842-3A2F-DA63FD38403A}"/>
+              </a:ext>
+            </a:extLst>
+          </p:cNvPr>
+          <p:cNvPicPr>
+            <a:picLocks noChangeAspect="1"/>
+          </p:cNvPicPr>
+          <p:nvPr/>
+        </p:nvPicPr>
+        <p:blipFill>
+          <a:blip r:embed="rId5"/>
+          <a:stretch>
+            <a:fillRect/>
+          </a:stretch>
+        </p:blipFill>
+        <p:spPr>
+          <a:xfrm>
+            <a:off x="9212932" y="1427579"/>
+            <a:ext cx="2660161" cy="5157303"/>
+          </a:xfrm>
+          <a:prstGeom prst="rect">
+            <a:avLst/>
+          </a:prstGeom>
+        </p:spPr>
+      </p:pic>
+      <p:sp>
+        <p:nvSpPr>
+          <p:cNvPr id="12" name="Rectangle: Rounded Corners 11">
+            <a:extLst>
+              <a:ext uri="{FF2B5EF4-FFF2-40B4-BE49-F238E27FC236}">
+                <a16:creationId xmlns:a16="http://schemas.microsoft.com/office/drawing/2014/main" id="{ED430238-5AB7-2B99-17E9-21A417FC82FE}"/>
+              </a:ext>
+            </a:extLst>
+          </p:cNvPr>
+          <p:cNvSpPr/>
+          <p:nvPr/>
+        </p:nvSpPr>
+        <p:spPr>
+          <a:xfrm>
+            <a:off x="122309" y="1384449"/>
+            <a:ext cx="11750784" cy="1166331"/>
+          </a:xfrm>
+          <a:prstGeom prst="roundRect">
+            <a:avLst/>
+          </a:prstGeom>
+          <a:noFill/>
+          <a:ln w="28575">
+            <a:solidFill>
+              <a:schemeClr val="bg1">
+                <a:lumMod val="65000"/>
+              </a:schemeClr>
+            </a:solidFill>
+          </a:ln>
+        </p:spPr>
+        <p:style>
+          <a:lnRef idx="2">
+            <a:schemeClr val="accent1">
+              <a:shade val="15000"/>
+            </a:schemeClr>
+          </a:lnRef>
+          <a:fillRef idx="1">
+            <a:schemeClr val="accent1"/>
+          </a:fillRef>
+          <a:effectRef idx="0">
+            <a:schemeClr val="accent1"/>
+          </a:effectRef>
+          <a:fontRef idx="minor">
+            <a:schemeClr val="lt1"/>
+          </a:fontRef>
+        </p:style>
+        <p:txBody>
+          <a:bodyPr rtlCol="0" anchor="ctr"/>
+          <a:lstStyle/>
+          <a:p>
+            <a:pPr algn="ctr"/>
+            <a:endParaRPr lang="en-CH"/>
+          </a:p>
+        </p:txBody>
+      </p:sp>
+      <p:sp>
+        <p:nvSpPr>
+          <p:cNvPr id="13" name="Rectangle: Rounded Corners 12">
+            <a:extLst>
+              <a:ext uri="{FF2B5EF4-FFF2-40B4-BE49-F238E27FC236}">
+                <a16:creationId xmlns:a16="http://schemas.microsoft.com/office/drawing/2014/main" id="{7B6847C6-CCE8-48D0-E900-5E454DB2DDC8}"/>
+              </a:ext>
+            </a:extLst>
+          </p:cNvPr>
+          <p:cNvSpPr/>
+          <p:nvPr/>
+        </p:nvSpPr>
+        <p:spPr>
+          <a:xfrm>
+            <a:off x="122309" y="2713124"/>
+            <a:ext cx="11750784" cy="1166331"/>
+          </a:xfrm>
+          <a:prstGeom prst="roundRect">
+            <a:avLst/>
+          </a:prstGeom>
+          <a:noFill/>
+          <a:ln w="28575">
+            <a:solidFill>
+              <a:srgbClr val="00B0F0"/>
+            </a:solidFill>
+          </a:ln>
+        </p:spPr>
+        <p:style>
+          <a:lnRef idx="2">
+            <a:schemeClr val="accent1">
+              <a:shade val="15000"/>
+            </a:schemeClr>
+          </a:lnRef>
+          <a:fillRef idx="1">
+            <a:schemeClr val="accent1"/>
+          </a:fillRef>
+          <a:effectRef idx="0">
+            <a:schemeClr val="accent1"/>
+          </a:effectRef>
+          <a:fontRef idx="minor">
+            <a:schemeClr val="lt1"/>
+          </a:fontRef>
+        </p:style>
+        <p:txBody>
+          <a:bodyPr rtlCol="0" anchor="ctr"/>
+          <a:lstStyle/>
+          <a:p>
+            <a:pPr algn="ctr"/>
+            <a:endParaRPr lang="en-CH"/>
+          </a:p>
+        </p:txBody>
+      </p:sp>
+      <p:sp>
+        <p:nvSpPr>
+          <p:cNvPr id="15" name="Rectangle: Rounded Corners 14">
+            <a:extLst>
+              <a:ext uri="{FF2B5EF4-FFF2-40B4-BE49-F238E27FC236}">
+                <a16:creationId xmlns:a16="http://schemas.microsoft.com/office/drawing/2014/main" id="{2E65A1A1-9E0F-A19C-D028-5D04BED7CE94}"/>
+              </a:ext>
+            </a:extLst>
+          </p:cNvPr>
+          <p:cNvSpPr/>
+          <p:nvPr/>
+        </p:nvSpPr>
+        <p:spPr>
+          <a:xfrm>
+            <a:off x="122309" y="4041799"/>
+            <a:ext cx="11750784" cy="1166331"/>
+          </a:xfrm>
+          <a:prstGeom prst="roundRect">
+            <a:avLst/>
+          </a:prstGeom>
+          <a:noFill/>
+          <a:ln w="28575">
+            <a:solidFill>
+              <a:srgbClr val="C00000"/>
+            </a:solidFill>
+          </a:ln>
+        </p:spPr>
+        <p:style>
+          <a:lnRef idx="2">
+            <a:schemeClr val="accent1">
+              <a:shade val="15000"/>
+            </a:schemeClr>
+          </a:lnRef>
+          <a:fillRef idx="1">
+            <a:schemeClr val="accent1"/>
+          </a:fillRef>
+          <a:effectRef idx="0">
+            <a:schemeClr val="accent1"/>
+          </a:effectRef>
+          <a:fontRef idx="minor">
+            <a:schemeClr val="lt1"/>
+          </a:fontRef>
+        </p:style>
+        <p:txBody>
+          <a:bodyPr rtlCol="0" anchor="ctr"/>
+          <a:lstStyle/>
+          <a:p>
+            <a:pPr algn="ctr"/>
+            <a:endParaRPr lang="en-CH"/>
+          </a:p>
+        </p:txBody>
+      </p:sp>
+      <p:sp>
+        <p:nvSpPr>
+          <p:cNvPr id="16" name="Rectangle: Rounded Corners 15">
+            <a:extLst>
+              <a:ext uri="{FF2B5EF4-FFF2-40B4-BE49-F238E27FC236}">
+                <a16:creationId xmlns:a16="http://schemas.microsoft.com/office/drawing/2014/main" id="{9F314312-C8FE-C906-C28D-1BCA2E5D706D}"/>
+              </a:ext>
+            </a:extLst>
+          </p:cNvPr>
+          <p:cNvSpPr/>
+          <p:nvPr/>
+        </p:nvSpPr>
+        <p:spPr>
+          <a:xfrm>
+            <a:off x="122309" y="5370474"/>
+            <a:ext cx="11750784" cy="1166331"/>
+          </a:xfrm>
+          <a:prstGeom prst="roundRect">
+            <a:avLst/>
+          </a:prstGeom>
+          <a:noFill/>
+          <a:ln w="28575">
+            <a:solidFill>
+              <a:schemeClr val="accent4">
+                <a:lumMod val="75000"/>
+              </a:schemeClr>
+            </a:solidFill>
+          </a:ln>
+        </p:spPr>
+        <p:style>
+          <a:lnRef idx="2">
+            <a:schemeClr val="accent1">
+              <a:shade val="15000"/>
+            </a:schemeClr>
+          </a:lnRef>
+          <a:fillRef idx="1">
+            <a:schemeClr val="accent1"/>
+          </a:fillRef>
+          <a:effectRef idx="0">
+            <a:schemeClr val="accent1"/>
+          </a:effectRef>
+          <a:fontRef idx="minor">
+            <a:schemeClr val="lt1"/>
+          </a:fontRef>
+        </p:style>
+        <p:txBody>
+          <a:bodyPr rtlCol="0" anchor="ctr"/>
+          <a:lstStyle/>
+          <a:p>
+            <a:pPr algn="ctr"/>
+            <a:endParaRPr lang="en-CH"/>
+          </a:p>
+        </p:txBody>
+      </p:sp>
+      <p:sp>
+        <p:nvSpPr>
+          <p:cNvPr id="3" name="Arrow: Left 2">
+            <a:extLst>
+              <a:ext uri="{FF2B5EF4-FFF2-40B4-BE49-F238E27FC236}">
+                <a16:creationId xmlns:a16="http://schemas.microsoft.com/office/drawing/2014/main" id="{3260893F-F56D-B64E-FBF6-67EB2E2826C3}"/>
+              </a:ext>
+            </a:extLst>
+          </p:cNvPr>
+          <p:cNvSpPr/>
+          <p:nvPr/>
+        </p:nvSpPr>
+        <p:spPr>
+          <a:xfrm>
+            <a:off x="8415501" y="1762122"/>
+            <a:ext cx="689467" cy="301925"/>
+          </a:xfrm>
+          <a:prstGeom prst="leftArrow">
+            <a:avLst/>
+          </a:prstGeom>
+        </p:spPr>
+        <p:style>
+          <a:lnRef idx="2">
+            <a:schemeClr val="accent2">
+              <a:shade val="15000"/>
+            </a:schemeClr>
+          </a:lnRef>
+          <a:fillRef idx="1">
+            <a:schemeClr val="accent2"/>
+          </a:fillRef>
+          <a:effectRef idx="0">
+            <a:schemeClr val="accent2"/>
+          </a:effectRef>
+          <a:fontRef idx="minor">
+            <a:schemeClr val="lt1"/>
+          </a:fontRef>
+        </p:style>
+        <p:txBody>
+          <a:bodyPr rtlCol="0" anchor="ctr"/>
+          <a:lstStyle/>
+          <a:p>
+            <a:pPr algn="ctr"/>
+            <a:endParaRPr lang="en-CH"/>
+          </a:p>
+        </p:txBody>
+      </p:sp>
+      <p:sp>
+        <p:nvSpPr>
+          <p:cNvPr id="4" name="Arrow: Left 3">
+            <a:extLst>
+              <a:ext uri="{FF2B5EF4-FFF2-40B4-BE49-F238E27FC236}">
+                <a16:creationId xmlns:a16="http://schemas.microsoft.com/office/drawing/2014/main" id="{9BD9AC3E-4067-9580-5C67-6083D20E3DC5}"/>
+              </a:ext>
+            </a:extLst>
+          </p:cNvPr>
+          <p:cNvSpPr/>
+          <p:nvPr/>
+        </p:nvSpPr>
+        <p:spPr>
+          <a:xfrm>
+            <a:off x="11395498" y="4474001"/>
+            <a:ext cx="689467" cy="301925"/>
+          </a:xfrm>
+          <a:prstGeom prst="leftArrow">
+            <a:avLst/>
+          </a:prstGeom>
+        </p:spPr>
+        <p:style>
+          <a:lnRef idx="2">
+            <a:schemeClr val="accent5">
+              <a:shade val="15000"/>
+            </a:schemeClr>
+          </a:lnRef>
+          <a:fillRef idx="1">
+            <a:schemeClr val="accent5"/>
+          </a:fillRef>
+          <a:effectRef idx="0">
+            <a:schemeClr val="accent5"/>
+          </a:effectRef>
+          <a:fontRef idx="minor">
+            <a:schemeClr val="lt1"/>
+          </a:fontRef>
+        </p:style>
+        <p:txBody>
+          <a:bodyPr rtlCol="0" anchor="ctr"/>
+          <a:lstStyle/>
+          <a:p>
+            <a:pPr algn="ctr"/>
+            <a:endParaRPr lang="en-CH"/>
+          </a:p>
+        </p:txBody>
+      </p:sp>
+      <p:sp>
+        <p:nvSpPr>
+          <p:cNvPr id="6" name="Arrow: Left 5">
+            <a:extLst>
+              <a:ext uri="{FF2B5EF4-FFF2-40B4-BE49-F238E27FC236}">
+                <a16:creationId xmlns:a16="http://schemas.microsoft.com/office/drawing/2014/main" id="{E143AFBA-85B4-DE41-C791-0A7A26FD58D1}"/>
+              </a:ext>
+            </a:extLst>
+          </p:cNvPr>
+          <p:cNvSpPr/>
+          <p:nvPr/>
+        </p:nvSpPr>
+        <p:spPr>
+          <a:xfrm>
+            <a:off x="8760234" y="4562876"/>
+            <a:ext cx="689467" cy="301925"/>
+          </a:xfrm>
+          <a:prstGeom prst="leftArrow">
+            <a:avLst/>
+          </a:prstGeom>
+          <a:solidFill>
+            <a:schemeClr val="accent6">
+              <a:lumMod val="75000"/>
+            </a:schemeClr>
+          </a:solidFill>
+          <a:ln>
+            <a:solidFill>
+              <a:schemeClr val="accent6">
+                <a:lumMod val="75000"/>
+              </a:schemeClr>
+            </a:solidFill>
+          </a:ln>
+        </p:spPr>
+        <p:style>
+          <a:lnRef idx="2">
+            <a:schemeClr val="accent2">
+              <a:shade val="15000"/>
+            </a:schemeClr>
+          </a:lnRef>
+          <a:fillRef idx="1">
+            <a:schemeClr val="accent2"/>
+          </a:fillRef>
+          <a:effectRef idx="0">
+            <a:schemeClr val="accent2"/>
+          </a:effectRef>
+          <a:fontRef idx="minor">
+            <a:schemeClr val="lt1"/>
+          </a:fontRef>
+        </p:style>
+        <p:txBody>
+          <a:bodyPr rtlCol="0" anchor="ctr"/>
+          <a:lstStyle/>
+          <a:p>
+            <a:pPr algn="ctr"/>
+            <a:endParaRPr lang="en-CH"/>
+          </a:p>
+        </p:txBody>
+      </p:sp>
+      <p:sp>
+        <p:nvSpPr>
+          <p:cNvPr id="8" name="Arrow: Left 7">
+            <a:extLst>
+              <a:ext uri="{FF2B5EF4-FFF2-40B4-BE49-F238E27FC236}">
+                <a16:creationId xmlns:a16="http://schemas.microsoft.com/office/drawing/2014/main" id="{EE60C2BA-1855-A137-D04A-BD74013A5F0F}"/>
+              </a:ext>
+            </a:extLst>
+          </p:cNvPr>
+          <p:cNvSpPr/>
+          <p:nvPr/>
+        </p:nvSpPr>
+        <p:spPr>
+          <a:xfrm>
+            <a:off x="11380224" y="2693729"/>
+            <a:ext cx="689467" cy="301925"/>
+          </a:xfrm>
+          <a:prstGeom prst="leftArrow">
+            <a:avLst/>
+          </a:prstGeom>
+          <a:solidFill>
+            <a:srgbClr val="FF0000"/>
+          </a:solidFill>
+        </p:spPr>
+        <p:style>
+          <a:lnRef idx="2">
+            <a:schemeClr val="accent5">
+              <a:shade val="15000"/>
+            </a:schemeClr>
+          </a:lnRef>
+          <a:fillRef idx="1">
+            <a:schemeClr val="accent5"/>
+          </a:fillRef>
+          <a:effectRef idx="0">
+            <a:schemeClr val="accent5"/>
+          </a:effectRef>
+          <a:fontRef idx="minor">
+            <a:schemeClr val="lt1"/>
+          </a:fontRef>
+        </p:style>
+        <p:txBody>
+          <a:bodyPr rtlCol="0" anchor="ctr"/>
+          <a:lstStyle/>
+          <a:p>
+            <a:pPr algn="ctr"/>
+            <a:endParaRPr lang="en-CH"/>
           </a:p>
         </p:txBody>
       </p:sp>
     </p:spTree>
     <p:extLst>
       <p:ext uri="{BB962C8B-B14F-4D97-AF65-F5344CB8AC3E}">
-        <p14:creationId xmlns:p14="http://schemas.microsoft.com/office/powerpoint/2010/main" val="2166810191"/>
+        <p14:creationId xmlns:p14="http://schemas.microsoft.com/office/powerpoint/2010/main" val="1328278058"/>
       </p:ext>
     </p:extLst>
   </p:cSld>
@@ -6603,7 +6944,7 @@
           <p:cNvPr id="2" name="Title 1">
             <a:extLst>
               <a:ext uri="{FF2B5EF4-FFF2-40B4-BE49-F238E27FC236}">
-                <a16:creationId xmlns:a16="http://schemas.microsoft.com/office/drawing/2014/main" id="{39A985F1-96EE-3ACD-2E18-032E1D85ECAC}"/>
+                <a16:creationId xmlns:a16="http://schemas.microsoft.com/office/drawing/2014/main" id="{223B8288-9272-AF85-A4DA-3E275C81D93C}"/>
               </a:ext>
             </a:extLst>
           </p:cNvPr>
@@ -6621,7 +6962,7 @@
           <a:p>
             <a:r>
               <a:rPr lang="ru-RU" dirty="0"/>
-              <a:t>Интересно?</a:t>
+              <a:t>Таблицы и «софт» для расчетов</a:t>
             </a:r>
             <a:endParaRPr lang="en-CH" dirty="0"/>
           </a:p>
@@ -6632,7 +6973,7 @@
           <p:cNvPr id="3" name="Content Placeholder 2">
             <a:extLst>
               <a:ext uri="{FF2B5EF4-FFF2-40B4-BE49-F238E27FC236}">
-                <a16:creationId xmlns:a16="http://schemas.microsoft.com/office/drawing/2014/main" id="{9EE00004-B279-E59D-3431-2EA73730C40C}"/>
+                <a16:creationId xmlns:a16="http://schemas.microsoft.com/office/drawing/2014/main" id="{46118933-982A-7CDB-BC42-A257AECE7509}"/>
               </a:ext>
             </a:extLst>
           </p:cNvPr>
@@ -6650,26 +6991,80 @@
           <a:p>
             <a:r>
               <a:rPr lang="ru-RU" dirty="0"/>
-              <a:t>Записывайся в </a:t>
-            </a:r>
+              <a:t>Правила лиги</a:t>
+            </a:r>
+          </a:p>
+          <a:p>
+            <a:pPr lvl="1"/>
+            <a:r>
+              <a:rPr lang="en-US" dirty="0">
+                <a:hlinkClick r:id="rId2"/>
+              </a:rPr>
+              <a:t>https://docs.google.com/document/d/1G5qIE6_OoefP3TasFil8iJcGBTGizXkJJH9169NJHtc/edit?usp=sharing</a:t>
+            </a:r>
+            <a:r>
+              <a:rPr lang="ru-RU" dirty="0"/>
+              <a:t> </a:t>
+            </a:r>
+          </a:p>
+          <a:p>
+            <a:pPr lvl="1"/>
+            <a:endParaRPr lang="ru-RU" dirty="0"/>
+          </a:p>
+          <a:p>
             <a:r>
               <a:rPr lang="en-GB" dirty="0"/>
               <a:t>Google</a:t>
             </a:r>
             <a:r>
-              <a:rPr lang="en-US" dirty="0"/>
-              <a:t>-</a:t>
-            </a:r>
-            <a:r>
               <a:rPr lang="ru-RU" dirty="0"/>
-              <a:t>форме</a:t>
-            </a:r>
-          </a:p>
-          <a:p>
+              <a:t>-таблица для расчетов</a:t>
+            </a:r>
+          </a:p>
+          <a:p>
+            <a:pPr lvl="1"/>
+            <a:r>
+              <a:rPr lang="en-US" dirty="0">
+                <a:hlinkClick r:id="rId3"/>
+              </a:rPr>
+              <a:t>https://docs.google.com/spreadsheets/d/1DsFr4srIKjxLG6m2hJVc5cgbJ2vgT6YLQBh-fXSVoak/edit?usp=sharing</a:t>
+            </a:r>
             <a:r>
               <a:rPr lang="ru-RU" dirty="0"/>
-              <a:t>Взнос 300 рублей</a:t>
-            </a:r>
+              <a:t> </a:t>
+            </a:r>
+          </a:p>
+          <a:p>
+            <a:endParaRPr lang="ru-RU" dirty="0"/>
+          </a:p>
+          <a:p>
+            <a:r>
+              <a:rPr lang="en-GB" dirty="0"/>
+              <a:t>GitHub </a:t>
+            </a:r>
+            <a:r>
+              <a:rPr lang="ru-RU" dirty="0"/>
+              <a:t>репозиторий</a:t>
+            </a:r>
+          </a:p>
+          <a:p>
+            <a:pPr lvl="1"/>
+            <a:r>
+              <a:rPr lang="en-US" dirty="0">
+                <a:hlinkClick r:id="rId4"/>
+              </a:rPr>
+              <a:t>https://github.com/aleksha/2c11p16a</a:t>
+            </a:r>
+            <a:r>
+              <a:rPr lang="ru-RU" dirty="0"/>
+              <a:t> </a:t>
+            </a:r>
+          </a:p>
+          <a:p>
+            <a:pPr lvl="1"/>
+            <a:endParaRPr lang="ru-RU" dirty="0"/>
+          </a:p>
+          <a:p>
             <a:endParaRPr lang="en-CH" dirty="0"/>
           </a:p>
         </p:txBody>
@@ -6677,7 +7072,7 @@
     </p:spTree>
     <p:extLst>
       <p:ext uri="{BB962C8B-B14F-4D97-AF65-F5344CB8AC3E}">
-        <p14:creationId xmlns:p14="http://schemas.microsoft.com/office/powerpoint/2010/main" val="3309711690"/>
+        <p14:creationId xmlns:p14="http://schemas.microsoft.com/office/powerpoint/2010/main" val="2166810191"/>
       </p:ext>
     </p:extLst>
   </p:cSld>
@@ -7185,6 +7580,128 @@
     <p:extLst>
       <p:ext uri="{BB962C8B-B14F-4D97-AF65-F5344CB8AC3E}">
         <p14:creationId xmlns:p14="http://schemas.microsoft.com/office/powerpoint/2010/main" val="2256758467"/>
+      </p:ext>
+    </p:extLst>
+  </p:cSld>
+  <p:clrMapOvr>
+    <a:masterClrMapping/>
+  </p:clrMapOvr>
+</p:sld>
+</file>
+
+<file path=ppt/slides/slide20.xml><?xml version="1.0" encoding="utf-8"?>
+<p:sld xmlns:a="http://schemas.openxmlformats.org/drawingml/2006/main" xmlns:r="http://schemas.openxmlformats.org/officeDocument/2006/relationships" xmlns:p="http://schemas.openxmlformats.org/presentationml/2006/main">
+  <p:cSld>
+    <p:spTree>
+      <p:nvGrpSpPr>
+        <p:cNvPr id="1" name=""/>
+        <p:cNvGrpSpPr/>
+        <p:nvPr/>
+      </p:nvGrpSpPr>
+      <p:grpSpPr>
+        <a:xfrm>
+          <a:off x="0" y="0"/>
+          <a:ext cx="0" cy="0"/>
+          <a:chOff x="0" y="0"/>
+          <a:chExt cx="0" cy="0"/>
+        </a:xfrm>
+      </p:grpSpPr>
+      <p:sp>
+        <p:nvSpPr>
+          <p:cNvPr id="2" name="Title 1">
+            <a:extLst>
+              <a:ext uri="{FF2B5EF4-FFF2-40B4-BE49-F238E27FC236}">
+                <a16:creationId xmlns:a16="http://schemas.microsoft.com/office/drawing/2014/main" id="{39A985F1-96EE-3ACD-2E18-032E1D85ECAC}"/>
+              </a:ext>
+            </a:extLst>
+          </p:cNvPr>
+          <p:cNvSpPr>
+            <a:spLocks noGrp="1"/>
+          </p:cNvSpPr>
+          <p:nvPr>
+            <p:ph type="title"/>
+          </p:nvPr>
+        </p:nvSpPr>
+        <p:spPr/>
+        <p:txBody>
+          <a:bodyPr/>
+          <a:lstStyle/>
+          <a:p>
+            <a:r>
+              <a:rPr lang="ru-RU" dirty="0"/>
+              <a:t>Интересно?</a:t>
+            </a:r>
+            <a:endParaRPr lang="en-CH" dirty="0"/>
+          </a:p>
+        </p:txBody>
+      </p:sp>
+      <p:sp>
+        <p:nvSpPr>
+          <p:cNvPr id="3" name="Content Placeholder 2">
+            <a:extLst>
+              <a:ext uri="{FF2B5EF4-FFF2-40B4-BE49-F238E27FC236}">
+                <a16:creationId xmlns:a16="http://schemas.microsoft.com/office/drawing/2014/main" id="{9EE00004-B279-E59D-3431-2EA73730C40C}"/>
+              </a:ext>
+            </a:extLst>
+          </p:cNvPr>
+          <p:cNvSpPr>
+            <a:spLocks noGrp="1"/>
+          </p:cNvSpPr>
+          <p:nvPr>
+            <p:ph idx="1"/>
+          </p:nvPr>
+        </p:nvSpPr>
+        <p:spPr/>
+        <p:txBody>
+          <a:bodyPr/>
+          <a:lstStyle/>
+          <a:p>
+            <a:r>
+              <a:rPr lang="ru-RU" dirty="0"/>
+              <a:t>Если да, записывайся в </a:t>
+            </a:r>
+            <a:r>
+              <a:rPr lang="en-GB" dirty="0"/>
+              <a:t>Google</a:t>
+            </a:r>
+            <a:r>
+              <a:rPr lang="en-US" dirty="0"/>
+              <a:t>-</a:t>
+            </a:r>
+            <a:r>
+              <a:rPr lang="ru-RU" dirty="0"/>
+              <a:t>форме:</a:t>
+            </a:r>
+          </a:p>
+          <a:p>
+            <a:pPr lvl="1"/>
+            <a:r>
+              <a:rPr lang="en-US" dirty="0">
+                <a:hlinkClick r:id="rId2"/>
+              </a:rPr>
+              <a:t>https://forms.gle/GoP3gyoVAk5GiKaN8</a:t>
+            </a:r>
+            <a:r>
+              <a:rPr lang="ru-RU" dirty="0"/>
+              <a:t> </a:t>
+            </a:r>
+          </a:p>
+          <a:p>
+            <a:endParaRPr lang="ru-RU" dirty="0"/>
+          </a:p>
+          <a:p>
+            <a:r>
+              <a:rPr lang="ru-RU" dirty="0"/>
+              <a:t>Взнос 300 рублей</a:t>
+            </a:r>
+            <a:endParaRPr lang="en-CH" dirty="0"/>
+          </a:p>
+        </p:txBody>
+      </p:sp>
+    </p:spTree>
+    <p:extLst>
+      <p:ext uri="{BB962C8B-B14F-4D97-AF65-F5344CB8AC3E}">
+        <p14:creationId xmlns:p14="http://schemas.microsoft.com/office/powerpoint/2010/main" val="3309711690"/>
       </p:ext>
     </p:extLst>
   </p:cSld>
@@ -10755,6 +11272,75 @@
           <a:p>
             <a:pPr algn="ctr"/>
             <a:endParaRPr lang="en-US"/>
+          </a:p>
+        </p:txBody>
+      </p:sp>
+      <p:sp>
+        <p:nvSpPr>
+          <p:cNvPr id="3" name="TextBox 2">
+            <a:extLst>
+              <a:ext uri="{FF2B5EF4-FFF2-40B4-BE49-F238E27FC236}">
+                <a16:creationId xmlns:a16="http://schemas.microsoft.com/office/drawing/2014/main" id="{A86D73CC-32E2-E260-C8FE-5CCF86F4F16F}"/>
+              </a:ext>
+            </a:extLst>
+          </p:cNvPr>
+          <p:cNvSpPr txBox="1"/>
+          <p:nvPr/>
+        </p:nvSpPr>
+        <p:spPr>
+          <a:xfrm>
+            <a:off x="9086201" y="1921592"/>
+            <a:ext cx="2688856" cy="2862322"/>
+          </a:xfrm>
+          <a:prstGeom prst="rect">
+            <a:avLst/>
+          </a:prstGeom>
+          <a:noFill/>
+        </p:spPr>
+        <p:txBody>
+          <a:bodyPr wrap="square">
+            <a:spAutoFit/>
+          </a:bodyPr>
+          <a:lstStyle/>
+          <a:p>
+            <a:r>
+              <a:rPr lang="ru-RU" sz="1800" b="0" i="0" u="none" strike="noStrike" baseline="0" dirty="0">
+                <a:solidFill>
+                  <a:srgbClr val="FF0000"/>
+                </a:solidFill>
+              </a:rPr>
+              <a:t>Турнирная сетка регулярного сезона </a:t>
+            </a:r>
+            <a:r>
+              <a:rPr lang="ru-RU" dirty="0">
+                <a:solidFill>
+                  <a:srgbClr val="FF0000"/>
+                </a:solidFill>
+              </a:rPr>
+              <a:t>и плей-офф заранее определены.</a:t>
+            </a:r>
+          </a:p>
+          <a:p>
+            <a:endParaRPr lang="ru-RU" dirty="0">
+              <a:solidFill>
+                <a:srgbClr val="FF0000"/>
+              </a:solidFill>
+            </a:endParaRPr>
+          </a:p>
+          <a:p>
+            <a:r>
+              <a:rPr lang="ru-RU" dirty="0">
+                <a:solidFill>
+                  <a:srgbClr val="FF0000"/>
+                </a:solidFill>
+              </a:rPr>
+              <a:t>Сетка регулярный сезон сбалансирована так, чтобы команды близкие по посеву чаще играли между собой.</a:t>
+            </a:r>
+            <a:endParaRPr lang="en-CH" dirty="0">
+              <a:solidFill>
+                <a:srgbClr val="FF0000"/>
+              </a:solidFill>
+            </a:endParaRPr>
           </a:p>
         </p:txBody>
       </p:sp>
